--- a/02_player/01_player.pptx
+++ b/02_player/01_player.pptx
@@ -2320,7 +2320,7 @@
           <a:p>
             <a:fld id="{FDE823E9-DC1C-471A-9AFE-6C25601F9C13}" type="datetimeFigureOut">
               <a:rPr lang="it-IT" smtClean="0"/>
-              <a:t>10/03/2025</a:t>
+              <a:t>11/03/2025</a:t>
             </a:fld>
             <a:endParaRPr lang="it-IT"/>
           </a:p>
@@ -2608,7 +2608,7 @@
           <a:p>
             <a:fld id="{FDE823E9-DC1C-471A-9AFE-6C25601F9C13}" type="datetimeFigureOut">
               <a:rPr lang="it-IT" smtClean="0"/>
-              <a:t>10/03/2025</a:t>
+              <a:t>11/03/2025</a:t>
             </a:fld>
             <a:endParaRPr lang="it-IT"/>
           </a:p>
@@ -2806,7 +2806,7 @@
           <a:p>
             <a:fld id="{FDE823E9-DC1C-471A-9AFE-6C25601F9C13}" type="datetimeFigureOut">
               <a:rPr lang="it-IT" smtClean="0"/>
-              <a:t>10/03/2025</a:t>
+              <a:t>11/03/2025</a:t>
             </a:fld>
             <a:endParaRPr lang="it-IT"/>
           </a:p>
@@ -3014,7 +3014,7 @@
           <a:p>
             <a:fld id="{FDE823E9-DC1C-471A-9AFE-6C25601F9C13}" type="datetimeFigureOut">
               <a:rPr lang="it-IT" smtClean="0"/>
-              <a:t>10/03/2025</a:t>
+              <a:t>11/03/2025</a:t>
             </a:fld>
             <a:endParaRPr lang="it-IT"/>
           </a:p>
@@ -4305,7 +4305,7 @@
           <a:p>
             <a:fld id="{FDE823E9-DC1C-471A-9AFE-6C25601F9C13}" type="datetimeFigureOut">
               <a:rPr lang="it-IT" smtClean="0"/>
-              <a:t>10/03/2025</a:t>
+              <a:t>11/03/2025</a:t>
             </a:fld>
             <a:endParaRPr lang="it-IT"/>
           </a:p>
@@ -4570,7 +4570,7 @@
           <a:p>
             <a:fld id="{FDE823E9-DC1C-471A-9AFE-6C25601F9C13}" type="datetimeFigureOut">
               <a:rPr lang="it-IT" smtClean="0"/>
-              <a:t>10/03/2025</a:t>
+              <a:t>11/03/2025</a:t>
             </a:fld>
             <a:endParaRPr lang="it-IT"/>
           </a:p>
@@ -4982,7 +4982,7 @@
           <a:p>
             <a:fld id="{FDE823E9-DC1C-471A-9AFE-6C25601F9C13}" type="datetimeFigureOut">
               <a:rPr lang="it-IT" smtClean="0"/>
-              <a:t>10/03/2025</a:t>
+              <a:t>11/03/2025</a:t>
             </a:fld>
             <a:endParaRPr lang="it-IT"/>
           </a:p>
@@ -5123,7 +5123,7 @@
           <a:p>
             <a:fld id="{FDE823E9-DC1C-471A-9AFE-6C25601F9C13}" type="datetimeFigureOut">
               <a:rPr lang="it-IT" smtClean="0"/>
-              <a:t>10/03/2025</a:t>
+              <a:t>11/03/2025</a:t>
             </a:fld>
             <a:endParaRPr lang="it-IT"/>
           </a:p>
@@ -6130,7 +6130,7 @@
           <a:p>
             <a:fld id="{FDE823E9-DC1C-471A-9AFE-6C25601F9C13}" type="datetimeFigureOut">
               <a:rPr lang="it-IT" smtClean="0"/>
-              <a:t>10/03/2025</a:t>
+              <a:t>11/03/2025</a:t>
             </a:fld>
             <a:endParaRPr lang="it-IT"/>
           </a:p>
@@ -9175,10 +9175,10 @@
       </p:sp>
       <p:pic>
         <p:nvPicPr>
-          <p:cNvPr id="3" name="Immagine 2" descr="Immagine che contiene cerchio, diagramma, schizzo, testo&#10;&#10;Il contenuto generato dall'IA potrebbe non essere corretto.">
-            <a:extLst>
-              <a:ext uri="{FF2B5EF4-FFF2-40B4-BE49-F238E27FC236}">
-                <a16:creationId xmlns:a16="http://schemas.microsoft.com/office/drawing/2014/main" id="{F339F1C2-40E6-BF33-74DC-C2A9F8703FC1}"/>
+          <p:cNvPr id="6" name="Immagine 5" descr="Immagine che contiene diagramma, schizzo, linea, testo&#10;&#10;Il contenuto generato dall'IA potrebbe non essere corretto.">
+            <a:extLst>
+              <a:ext uri="{FF2B5EF4-FFF2-40B4-BE49-F238E27FC236}">
+                <a16:creationId xmlns:a16="http://schemas.microsoft.com/office/drawing/2014/main" id="{6CBD9459-7B84-F2E4-E622-504DECB827C1}"/>
               </a:ext>
             </a:extLst>
           </p:cNvPr>
@@ -9201,12 +9201,12 @@
         </p:blipFill>
         <p:spPr>
           <a:xfrm>
-            <a:off x="1744005" y="923405"/>
-            <a:ext cx="8703990" cy="5455195"/>
+            <a:off x="1099175" y="1111540"/>
+            <a:ext cx="9993650" cy="4634920"/>
           </a:xfrm>
           <a:prstGeom prst="roundRect">
             <a:avLst>
-              <a:gd name="adj" fmla="val 4302"/>
+              <a:gd name="adj" fmla="val 5994"/>
             </a:avLst>
           </a:prstGeom>
         </p:spPr>
@@ -9763,10 +9763,10 @@
       </p:sp>
       <p:pic>
         <p:nvPicPr>
-          <p:cNvPr id="4" name="Immagine 3" descr="Immagine che contiene schizzo, disegno, diagramma, Line art&#10;&#10;Il contenuto generato dall'IA potrebbe non essere corretto.">
-            <a:extLst>
-              <a:ext uri="{FF2B5EF4-FFF2-40B4-BE49-F238E27FC236}">
-                <a16:creationId xmlns:a16="http://schemas.microsoft.com/office/drawing/2014/main" id="{8FA6F2E3-81F7-C490-F25C-C6B51AEBCD28}"/>
+          <p:cNvPr id="2" name="Immagine 1">
+            <a:extLst>
+              <a:ext uri="{FF2B5EF4-FFF2-40B4-BE49-F238E27FC236}">
+                <a16:creationId xmlns:a16="http://schemas.microsoft.com/office/drawing/2014/main" id="{1BB61A26-65A4-C89C-985C-B58CD0B886C1}"/>
               </a:ext>
             </a:extLst>
           </p:cNvPr>
@@ -9783,18 +9783,17 @@
               </a:ext>
             </a:extLst>
           </a:blip>
-          <a:stretch>
-            <a:fillRect/>
-          </a:stretch>
+          <a:srcRect/>
+          <a:stretch/>
         </p:blipFill>
         <p:spPr>
           <a:xfrm>
-            <a:off x="2998715" y="792289"/>
-            <a:ext cx="6194570" cy="5273421"/>
+            <a:off x="1099175" y="1111540"/>
+            <a:ext cx="9993650" cy="4634920"/>
           </a:xfrm>
           <a:prstGeom prst="roundRect">
             <a:avLst>
-              <a:gd name="adj" fmla="val 4642"/>
+              <a:gd name="adj" fmla="val 5994"/>
             </a:avLst>
           </a:prstGeom>
         </p:spPr>
@@ -9912,10 +9911,10 @@
       </p:sp>
       <p:pic>
         <p:nvPicPr>
-          <p:cNvPr id="2" name="Immagine 1" descr="Immagine che contiene schizzo, disegno, diagramma, Line art&#10;&#10;Il contenuto generato dall'IA potrebbe non essere corretto.">
-            <a:extLst>
-              <a:ext uri="{FF2B5EF4-FFF2-40B4-BE49-F238E27FC236}">
-                <a16:creationId xmlns:a16="http://schemas.microsoft.com/office/drawing/2014/main" id="{2BCF0931-F9D4-7BB6-0A14-F914ECF73B05}"/>
+          <p:cNvPr id="3" name="Immagine 2">
+            <a:extLst>
+              <a:ext uri="{FF2B5EF4-FFF2-40B4-BE49-F238E27FC236}">
+                <a16:creationId xmlns:a16="http://schemas.microsoft.com/office/drawing/2014/main" id="{F3635903-114B-AA01-6B0D-88B0BF142B21}"/>
               </a:ext>
             </a:extLst>
           </p:cNvPr>
@@ -9932,18 +9931,17 @@
               </a:ext>
             </a:extLst>
           </a:blip>
-          <a:stretch>
-            <a:fillRect/>
-          </a:stretch>
+          <a:srcRect/>
+          <a:stretch/>
         </p:blipFill>
         <p:spPr>
           <a:xfrm>
-            <a:off x="3498329" y="429912"/>
-            <a:ext cx="5195342" cy="5998175"/>
+            <a:off x="1099175" y="1111540"/>
+            <a:ext cx="9993650" cy="4634920"/>
           </a:xfrm>
           <a:prstGeom prst="roundRect">
             <a:avLst>
-              <a:gd name="adj" fmla="val 6226"/>
+              <a:gd name="adj" fmla="val 5994"/>
             </a:avLst>
           </a:prstGeom>
         </p:spPr>

--- a/02_player/01_player.pptx
+++ b/02_player/01_player.pptx
@@ -8,29 +8,50 @@
     <p:sldId id="256" r:id="rId2"/>
     <p:sldId id="271" r:id="rId3"/>
     <p:sldId id="316" r:id="rId4"/>
-    <p:sldId id="315" r:id="rId5"/>
-    <p:sldId id="257" r:id="rId6"/>
-    <p:sldId id="299" r:id="rId7"/>
-    <p:sldId id="300" r:id="rId8"/>
-    <p:sldId id="317" r:id="rId9"/>
-    <p:sldId id="292" r:id="rId10"/>
-    <p:sldId id="318" r:id="rId11"/>
-    <p:sldId id="319" r:id="rId12"/>
-    <p:sldId id="320" r:id="rId13"/>
-    <p:sldId id="321" r:id="rId14"/>
-    <p:sldId id="322" r:id="rId15"/>
-    <p:sldId id="323" r:id="rId16"/>
-    <p:sldId id="324" r:id="rId17"/>
-    <p:sldId id="325" r:id="rId18"/>
-    <p:sldId id="326" r:id="rId19"/>
-    <p:sldId id="327" r:id="rId20"/>
-    <p:sldId id="311" r:id="rId21"/>
-    <p:sldId id="329" r:id="rId22"/>
-    <p:sldId id="330" r:id="rId23"/>
-    <p:sldId id="331" r:id="rId24"/>
-    <p:sldId id="312" r:id="rId25"/>
-    <p:sldId id="328" r:id="rId26"/>
-    <p:sldId id="298" r:id="rId27"/>
+    <p:sldId id="258" r:id="rId5"/>
+    <p:sldId id="332" r:id="rId6"/>
+    <p:sldId id="333" r:id="rId7"/>
+    <p:sldId id="334" r:id="rId8"/>
+    <p:sldId id="315" r:id="rId9"/>
+    <p:sldId id="335" r:id="rId10"/>
+    <p:sldId id="257" r:id="rId11"/>
+    <p:sldId id="336" r:id="rId12"/>
+    <p:sldId id="339" r:id="rId13"/>
+    <p:sldId id="337" r:id="rId14"/>
+    <p:sldId id="338" r:id="rId15"/>
+    <p:sldId id="340" r:id="rId16"/>
+    <p:sldId id="345" r:id="rId17"/>
+    <p:sldId id="341" r:id="rId18"/>
+    <p:sldId id="346" r:id="rId19"/>
+    <p:sldId id="343" r:id="rId20"/>
+    <p:sldId id="344" r:id="rId21"/>
+    <p:sldId id="342" r:id="rId22"/>
+    <p:sldId id="317" r:id="rId23"/>
+    <p:sldId id="292" r:id="rId24"/>
+    <p:sldId id="318" r:id="rId25"/>
+    <p:sldId id="319" r:id="rId26"/>
+    <p:sldId id="320" r:id="rId27"/>
+    <p:sldId id="321" r:id="rId28"/>
+    <p:sldId id="322" r:id="rId29"/>
+    <p:sldId id="323" r:id="rId30"/>
+    <p:sldId id="324" r:id="rId31"/>
+    <p:sldId id="325" r:id="rId32"/>
+    <p:sldId id="326" r:id="rId33"/>
+    <p:sldId id="327" r:id="rId34"/>
+    <p:sldId id="347" r:id="rId35"/>
+    <p:sldId id="348" r:id="rId36"/>
+    <p:sldId id="350" r:id="rId37"/>
+    <p:sldId id="349" r:id="rId38"/>
+    <p:sldId id="311" r:id="rId39"/>
+    <p:sldId id="329" r:id="rId40"/>
+    <p:sldId id="351" r:id="rId41"/>
+    <p:sldId id="352" r:id="rId42"/>
+    <p:sldId id="353" r:id="rId43"/>
+    <p:sldId id="330" r:id="rId44"/>
+    <p:sldId id="331" r:id="rId45"/>
+    <p:sldId id="312" r:id="rId46"/>
+    <p:sldId id="328" r:id="rId47"/>
+    <p:sldId id="298" r:id="rId48"/>
   </p:sldIdLst>
   <p:sldSz cx="12192000" cy="6858000"/>
   <p:notesSz cx="6858000" cy="9144000"/>
@@ -7353,13 +7374,7 @@
   <p:cSld>
     <p:spTree>
       <p:nvGrpSpPr>
-        <p:cNvPr id="1" name="">
-          <a:extLst>
-            <a:ext uri="{FF2B5EF4-FFF2-40B4-BE49-F238E27FC236}">
-              <a16:creationId xmlns:a16="http://schemas.microsoft.com/office/drawing/2014/main" id="{1F1C7AE8-B963-AA10-F6B3-CDCEBF22DB3A}"/>
-            </a:ext>
-          </a:extLst>
-        </p:cNvPr>
+        <p:cNvPr id="1" name=""/>
         <p:cNvGrpSpPr/>
         <p:nvPr/>
       </p:nvGrpSpPr>
@@ -7373,108 +7388,105 @@
       </p:grpSpPr>
       <p:sp>
         <p:nvSpPr>
-          <p:cNvPr id="8" name="Segnaposto testo 3">
-            <a:extLst>
-              <a:ext uri="{FF2B5EF4-FFF2-40B4-BE49-F238E27FC236}">
-                <a16:creationId xmlns:a16="http://schemas.microsoft.com/office/drawing/2014/main" id="{334A72B0-9421-7264-C75D-84295B882136}"/>
-              </a:ext>
-            </a:extLst>
-          </p:cNvPr>
-          <p:cNvSpPr>
-            <a:spLocks noGrp="1"/>
-          </p:cNvSpPr>
-          <p:nvPr>
-            <p:ph type="body" sz="quarter" idx="10"/>
-          </p:nvPr>
-        </p:nvSpPr>
-        <p:spPr>
-          <a:xfrm>
-            <a:off x="9365146" y="124900"/>
-            <a:ext cx="356589" cy="436970"/>
-          </a:xfrm>
-        </p:spPr>
-        <p:txBody>
-          <a:bodyPr/>
-          <a:lstStyle/>
-          <a:p>
-            <a:r>
-              <a:rPr lang="it-IT" dirty="0"/>
-              <a:t>3</a:t>
-            </a:r>
-          </a:p>
-        </p:txBody>
-      </p:sp>
-      <p:sp>
-        <p:nvSpPr>
-          <p:cNvPr id="10" name="Segnaposto testo 4">
-            <a:extLst>
-              <a:ext uri="{FF2B5EF4-FFF2-40B4-BE49-F238E27FC236}">
-                <a16:creationId xmlns:a16="http://schemas.microsoft.com/office/drawing/2014/main" id="{957CC31F-63C2-7435-2CFA-1C04A239609A}"/>
-              </a:ext>
-            </a:extLst>
-          </p:cNvPr>
-          <p:cNvSpPr>
-            <a:spLocks noGrp="1"/>
-          </p:cNvSpPr>
-          <p:nvPr>
-            <p:ph type="body" sz="quarter" idx="11"/>
-          </p:nvPr>
-        </p:nvSpPr>
-        <p:spPr/>
+          <p:cNvPr id="2" name="Titolo 1">
+            <a:extLst>
+              <a:ext uri="{FF2B5EF4-FFF2-40B4-BE49-F238E27FC236}">
+                <a16:creationId xmlns:a16="http://schemas.microsoft.com/office/drawing/2014/main" id="{8E6345E7-B17C-15FF-4CF4-BC01AC0FEAF9}"/>
+              </a:ext>
+            </a:extLst>
+          </p:cNvPr>
+          <p:cNvSpPr>
+            <a:spLocks noGrp="1"/>
+          </p:cNvSpPr>
+          <p:nvPr>
+            <p:ph type="title"/>
+          </p:nvPr>
+        </p:nvSpPr>
+        <p:spPr>
+          <a:xfrm>
+            <a:off x="5486400" y="2065301"/>
+            <a:ext cx="6410025" cy="3627304"/>
+          </a:xfrm>
+        </p:spPr>
         <p:txBody>
           <a:bodyPr>
-            <a:normAutofit fontScale="92500" lnSpcReduction="10000"/>
+            <a:noAutofit/>
           </a:bodyPr>
           <a:lstStyle/>
           <a:p>
-            <a:r>
-              <a:rPr lang="it-IT" dirty="0"/>
-              <a:t>INPUT VECTOR</a:t>
-            </a:r>
-          </a:p>
-        </p:txBody>
-      </p:sp>
-      <p:pic>
-        <p:nvPicPr>
-          <p:cNvPr id="6" name="Immagine 5">
-            <a:extLst>
-              <a:ext uri="{FF2B5EF4-FFF2-40B4-BE49-F238E27FC236}">
-                <a16:creationId xmlns:a16="http://schemas.microsoft.com/office/drawing/2014/main" id="{F08FBFD0-31E5-0F8E-8FE2-1245063D2220}"/>
-              </a:ext>
-            </a:extLst>
-          </p:cNvPr>
-          <p:cNvPicPr>
-            <a:picLocks noChangeAspect="1"/>
-          </p:cNvPicPr>
-          <p:nvPr/>
-        </p:nvPicPr>
-        <p:blipFill>
-          <a:blip r:embed="rId2">
-            <a:extLst>
-              <a:ext uri="{28A0092B-C50C-407E-A947-70E740481C1C}">
-                <a14:useLocalDpi xmlns:a14="http://schemas.microsoft.com/office/drawing/2010/main" val="0"/>
-              </a:ext>
-            </a:extLst>
-          </a:blip>
-          <a:srcRect/>
-          <a:stretch/>
-        </p:blipFill>
-        <p:spPr>
-          <a:xfrm>
-            <a:off x="3011427" y="678589"/>
-            <a:ext cx="6169145" cy="5500821"/>
-          </a:xfrm>
-          <a:prstGeom prst="roundRect">
-            <a:avLst>
-              <a:gd name="adj" fmla="val 5973"/>
-            </a:avLst>
-          </a:prstGeom>
-        </p:spPr>
-      </p:pic>
+            <a:pPr algn="l">
+              <a:lnSpc>
+                <a:spcPct val="50000"/>
+              </a:lnSpc>
+            </a:pPr>
+            <a:r>
+              <a:rPr lang="it-IT" sz="14000" dirty="0">
+                <a:ln>
+                  <a:solidFill>
+                    <a:schemeClr val="tx1">
+                      <a:alpha val="30000"/>
+                    </a:schemeClr>
+                  </a:solidFill>
+                </a:ln>
+                <a:latin typeface="ThaleahFat" panose="02000603000000000000" pitchFamily="2" charset="0"/>
+                <a:ea typeface="ThaleahFat" panose="02000603000000000000" pitchFamily="2" charset="0"/>
+              </a:rPr>
+              <a:t>VETTORI</a:t>
+            </a:r>
+          </a:p>
+        </p:txBody>
+      </p:sp>
+      <p:sp>
+        <p:nvSpPr>
+          <p:cNvPr id="3" name="Segnaposto contenuto 2">
+            <a:extLst>
+              <a:ext uri="{FF2B5EF4-FFF2-40B4-BE49-F238E27FC236}">
+                <a16:creationId xmlns:a16="http://schemas.microsoft.com/office/drawing/2014/main" id="{92371DDA-D03B-B4CB-0BFB-B6C42DEFBCE4}"/>
+              </a:ext>
+            </a:extLst>
+          </p:cNvPr>
+          <p:cNvSpPr>
+            <a:spLocks noGrp="1"/>
+          </p:cNvSpPr>
+          <p:nvPr>
+            <p:ph type="body" sz="quarter" idx="13"/>
+          </p:nvPr>
+        </p:nvSpPr>
+        <p:spPr>
+          <a:xfrm>
+            <a:off x="1814450" y="1229929"/>
+            <a:ext cx="2835936" cy="4637984"/>
+          </a:xfrm>
+        </p:spPr>
+        <p:txBody>
+          <a:bodyPr>
+            <a:noAutofit/>
+          </a:bodyPr>
+          <a:lstStyle/>
+          <a:p>
+            <a:pPr marL="0" indent="0">
+              <a:buNone/>
+            </a:pPr>
+            <a:r>
+              <a:rPr lang="it-IT" sz="33000" dirty="0">
+                <a:ln>
+                  <a:solidFill>
+                    <a:schemeClr val="tx1">
+                      <a:alpha val="30000"/>
+                    </a:schemeClr>
+                  </a:solidFill>
+                </a:ln>
+                <a:latin typeface="04b" panose="00000400000000000000" pitchFamily="2" charset="0"/>
+              </a:rPr>
+              <a:t>2</a:t>
+            </a:r>
+          </a:p>
+        </p:txBody>
+      </p:sp>
     </p:spTree>
     <p:extLst>
       <p:ext uri="{BB962C8B-B14F-4D97-AF65-F5344CB8AC3E}">
-        <p14:creationId xmlns:p14="http://schemas.microsoft.com/office/powerpoint/2010/main" val="3327217461"/>
+        <p14:creationId xmlns:p14="http://schemas.microsoft.com/office/powerpoint/2010/main" val="1871728721"/>
       </p:ext>
     </p:extLst>
   </p:cSld>
@@ -7504,7 +7516,7 @@
         <p:cNvPr id="1" name="">
           <a:extLst>
             <a:ext uri="{FF2B5EF4-FFF2-40B4-BE49-F238E27FC236}">
-              <a16:creationId xmlns:a16="http://schemas.microsoft.com/office/drawing/2014/main" id="{1C64E921-3C22-F5D1-E419-A4B493E4A989}"/>
+              <a16:creationId xmlns:a16="http://schemas.microsoft.com/office/drawing/2014/main" id="{014990BF-38A7-654B-87F3-0F01AE62D709}"/>
             </a:ext>
           </a:extLst>
         </p:cNvPr>
@@ -7521,10 +7533,154 @@
       </p:grpSpPr>
       <p:sp>
         <p:nvSpPr>
+          <p:cNvPr id="2" name="Titolo 1">
+            <a:extLst>
+              <a:ext uri="{FF2B5EF4-FFF2-40B4-BE49-F238E27FC236}">
+                <a16:creationId xmlns:a16="http://schemas.microsoft.com/office/drawing/2014/main" id="{7E595D7E-832C-75C8-7751-77F7EB9F1585}"/>
+              </a:ext>
+            </a:extLst>
+          </p:cNvPr>
+          <p:cNvSpPr>
+            <a:spLocks noGrp="1"/>
+          </p:cNvSpPr>
+          <p:nvPr>
+            <p:ph type="title"/>
+          </p:nvPr>
+        </p:nvSpPr>
+        <p:spPr/>
+        <p:txBody>
+          <a:bodyPr>
+            <a:noAutofit/>
+          </a:bodyPr>
+          <a:lstStyle/>
+          <a:p>
+            <a:r>
+              <a:rPr lang="it-IT" dirty="0">
+                <a:ln w="9525" cmpd="sng">
+                  <a:solidFill>
+                    <a:schemeClr val="tx1">
+                      <a:alpha val="30000"/>
+                    </a:schemeClr>
+                  </a:solidFill>
+                </a:ln>
+              </a:rPr>
+              <a:t>Vettori</a:t>
+            </a:r>
+          </a:p>
+        </p:txBody>
+      </p:sp>
+      <p:sp>
+        <p:nvSpPr>
+          <p:cNvPr id="3" name="Segnaposto contenuto 2">
+            <a:extLst>
+              <a:ext uri="{FF2B5EF4-FFF2-40B4-BE49-F238E27FC236}">
+                <a16:creationId xmlns:a16="http://schemas.microsoft.com/office/drawing/2014/main" id="{7B0D5E8D-9E9D-0EC6-AE95-2B1E90F1F90D}"/>
+              </a:ext>
+            </a:extLst>
+          </p:cNvPr>
+          <p:cNvSpPr>
+            <a:spLocks noGrp="1"/>
+          </p:cNvSpPr>
+          <p:nvPr>
+            <p:ph idx="1"/>
+          </p:nvPr>
+        </p:nvSpPr>
+        <p:spPr/>
+        <p:txBody>
+          <a:bodyPr>
+            <a:noAutofit/>
+          </a:bodyPr>
+          <a:lstStyle/>
+          <a:p>
+            <a:pPr marL="0" indent="0">
+              <a:buNone/>
+            </a:pPr>
+            <a:r>
+              <a:rPr lang="it-IT" sz="3000" dirty="0"/>
+              <a:t>Normalmente, una coordinata è definita come una coppia </a:t>
+            </a:r>
+            <a:r>
+              <a:rPr lang="it-IT" sz="3000" dirty="0">
+                <a:solidFill>
+                  <a:srgbClr val="FF9933"/>
+                </a:solidFill>
+              </a:rPr>
+              <a:t>(</a:t>
+            </a:r>
+            <a:r>
+              <a:rPr lang="it-IT" sz="3000" dirty="0" err="1">
+                <a:solidFill>
+                  <a:srgbClr val="FF9933"/>
+                </a:solidFill>
+              </a:rPr>
+              <a:t>x,y</a:t>
+            </a:r>
+            <a:r>
+              <a:rPr lang="it-IT" sz="3000" dirty="0">
+                <a:solidFill>
+                  <a:srgbClr val="FF9933"/>
+                </a:solidFill>
+              </a:rPr>
+              <a:t>)</a:t>
+            </a:r>
+            <a:r>
+              <a:rPr lang="it-IT" sz="3000" dirty="0"/>
+              <a:t>, lì dove la </a:t>
+            </a:r>
+            <a:r>
+              <a:rPr lang="it-IT" sz="3000" dirty="0">
+                <a:solidFill>
+                  <a:srgbClr val="FF9933"/>
+                </a:solidFill>
+              </a:rPr>
+              <a:t>x</a:t>
+            </a:r>
+            <a:r>
+              <a:rPr lang="it-IT" sz="3000" dirty="0"/>
+              <a:t> rappresenta l’asse orizzontale, mentre la </a:t>
+            </a:r>
+            <a:r>
+              <a:rPr lang="it-IT" sz="3000" dirty="0">
+                <a:solidFill>
+                  <a:srgbClr val="FF9933"/>
+                </a:solidFill>
+              </a:rPr>
+              <a:t>y</a:t>
+            </a:r>
+            <a:r>
+              <a:rPr lang="it-IT" sz="3000" dirty="0"/>
+              <a:t> quello verticale.</a:t>
+            </a:r>
+          </a:p>
+          <a:p>
+            <a:pPr marL="0" indent="0">
+              <a:buNone/>
+            </a:pPr>
+            <a:r>
+              <a:rPr lang="it-IT" sz="3000" dirty="0"/>
+              <a:t>Il che è sensato dato che uno schermo non è nient’altro che un </a:t>
+            </a:r>
+            <a:r>
+              <a:rPr lang="it-IT" sz="3000" dirty="0">
+                <a:solidFill>
+                  <a:srgbClr val="FF9933"/>
+                </a:solidFill>
+              </a:rPr>
+              <a:t>rettangolo in due dimensioni</a:t>
+            </a:r>
+            <a:r>
+              <a:rPr lang="it-IT" sz="3000" dirty="0"/>
+              <a:t>.</a:t>
+            </a:r>
+          </a:p>
+        </p:txBody>
+      </p:sp>
+      <p:sp>
+        <p:nvSpPr>
           <p:cNvPr id="8" name="Segnaposto testo 3">
             <a:extLst>
               <a:ext uri="{FF2B5EF4-FFF2-40B4-BE49-F238E27FC236}">
-                <a16:creationId xmlns:a16="http://schemas.microsoft.com/office/drawing/2014/main" id="{AE1CE6C1-C086-96D0-2D29-F52452DF6453}"/>
+                <a16:creationId xmlns:a16="http://schemas.microsoft.com/office/drawing/2014/main" id="{AF281BD7-D26A-7396-83E7-8829CF814EA0}"/>
               </a:ext>
             </a:extLst>
           </p:cNvPr>
@@ -7537,7 +7693,7 @@
         </p:nvSpPr>
         <p:spPr>
           <a:xfrm>
-            <a:off x="9365146" y="124900"/>
+            <a:off x="9358750" y="119978"/>
             <a:ext cx="356589" cy="436970"/>
           </a:xfrm>
         </p:spPr>
@@ -7547,17 +7703,17 @@
           <a:p>
             <a:r>
               <a:rPr lang="it-IT" dirty="0"/>
-              <a:t>3</a:t>
-            </a:r>
-          </a:p>
-        </p:txBody>
-      </p:sp>
-      <p:sp>
-        <p:nvSpPr>
-          <p:cNvPr id="10" name="Segnaposto testo 4">
-            <a:extLst>
-              <a:ext uri="{FF2B5EF4-FFF2-40B4-BE49-F238E27FC236}">
-                <a16:creationId xmlns:a16="http://schemas.microsoft.com/office/drawing/2014/main" id="{117D1856-DB68-9352-BF85-B3E277C45E5C}"/>
+              <a:t>2</a:t>
+            </a:r>
+          </a:p>
+        </p:txBody>
+      </p:sp>
+      <p:sp>
+        <p:nvSpPr>
+          <p:cNvPr id="9" name="Segnaposto testo 4">
+            <a:extLst>
+              <a:ext uri="{FF2B5EF4-FFF2-40B4-BE49-F238E27FC236}">
+                <a16:creationId xmlns:a16="http://schemas.microsoft.com/office/drawing/2014/main" id="{72BA57BA-ECFB-B235-5F30-A2D1E6CBC3D8}"/>
               </a:ext>
             </a:extLst>
           </p:cNvPr>
@@ -7568,7 +7724,12 @@
             <p:ph type="body" sz="quarter" idx="11"/>
           </p:nvPr>
         </p:nvSpPr>
-        <p:spPr/>
+        <p:spPr>
+          <a:xfrm>
+            <a:off x="9691997" y="134968"/>
+            <a:ext cx="2152357" cy="436970"/>
+          </a:xfrm>
+        </p:spPr>
         <p:txBody>
           <a:bodyPr>
             <a:normAutofit fontScale="92500" lnSpcReduction="10000"/>
@@ -7577,52 +7738,15 @@
           <a:p>
             <a:r>
               <a:rPr lang="it-IT" dirty="0"/>
-              <a:t>INPUT VECTOR</a:t>
-            </a:r>
-          </a:p>
-        </p:txBody>
-      </p:sp>
-      <p:pic>
-        <p:nvPicPr>
-          <p:cNvPr id="6" name="Immagine 5">
-            <a:extLst>
-              <a:ext uri="{FF2B5EF4-FFF2-40B4-BE49-F238E27FC236}">
-                <a16:creationId xmlns:a16="http://schemas.microsoft.com/office/drawing/2014/main" id="{36D73839-1B36-F861-EDA9-E0D7707FD15B}"/>
-              </a:ext>
-            </a:extLst>
-          </p:cNvPr>
-          <p:cNvPicPr>
-            <a:picLocks noChangeAspect="1"/>
-          </p:cNvPicPr>
-          <p:nvPr/>
-        </p:nvPicPr>
-        <p:blipFill>
-          <a:blip r:embed="rId2">
-            <a:extLst>
-              <a:ext uri="{28A0092B-C50C-407E-A947-70E740481C1C}">
-                <a14:useLocalDpi xmlns:a14="http://schemas.microsoft.com/office/drawing/2010/main" val="0"/>
-              </a:ext>
-            </a:extLst>
-          </a:blip>
-          <a:srcRect/>
-          <a:stretch/>
-        </p:blipFill>
-        <p:spPr>
-          <a:xfrm>
-            <a:off x="3011427" y="678589"/>
-            <a:ext cx="6169145" cy="5500821"/>
-          </a:xfrm>
-          <a:prstGeom prst="roundRect">
-            <a:avLst>
-              <a:gd name="adj" fmla="val 5973"/>
-            </a:avLst>
-          </a:prstGeom>
-        </p:spPr>
-      </p:pic>
+              <a:t>VETTORI</a:t>
+            </a:r>
+          </a:p>
+        </p:txBody>
+      </p:sp>
     </p:spTree>
     <p:extLst>
       <p:ext uri="{BB962C8B-B14F-4D97-AF65-F5344CB8AC3E}">
-        <p14:creationId xmlns:p14="http://schemas.microsoft.com/office/powerpoint/2010/main" val="200187995"/>
+        <p14:creationId xmlns:p14="http://schemas.microsoft.com/office/powerpoint/2010/main" val="193207225"/>
       </p:ext>
     </p:extLst>
   </p:cSld>
@@ -7652,7 +7776,7 @@
         <p:cNvPr id="1" name="">
           <a:extLst>
             <a:ext uri="{FF2B5EF4-FFF2-40B4-BE49-F238E27FC236}">
-              <a16:creationId xmlns:a16="http://schemas.microsoft.com/office/drawing/2014/main" id="{CC0E06F2-9C75-A5EA-353F-A4A08F5C2BDB}"/>
+              <a16:creationId xmlns:a16="http://schemas.microsoft.com/office/drawing/2014/main" id="{C54B2833-0318-3C76-32F3-229DF64291C8}"/>
             </a:ext>
           </a:extLst>
         </p:cNvPr>
@@ -7672,7 +7796,7 @@
           <p:cNvPr id="8" name="Segnaposto testo 3">
             <a:extLst>
               <a:ext uri="{FF2B5EF4-FFF2-40B4-BE49-F238E27FC236}">
-                <a16:creationId xmlns:a16="http://schemas.microsoft.com/office/drawing/2014/main" id="{5FD4988D-894C-18B2-CC03-E33069EE6E41}"/>
+                <a16:creationId xmlns:a16="http://schemas.microsoft.com/office/drawing/2014/main" id="{D046AFD5-D9D1-47E1-DAA4-8BE98B5C62D0}"/>
               </a:ext>
             </a:extLst>
           </p:cNvPr>
@@ -7685,7 +7809,7 @@
         </p:nvSpPr>
         <p:spPr>
           <a:xfrm>
-            <a:off x="9365146" y="124900"/>
+            <a:off x="9358750" y="119978"/>
             <a:ext cx="356589" cy="436970"/>
           </a:xfrm>
         </p:spPr>
@@ -7695,7 +7819,7 @@
           <a:p>
             <a:r>
               <a:rPr lang="it-IT" dirty="0"/>
-              <a:t>3</a:t>
+              <a:t>2</a:t>
             </a:r>
           </a:p>
         </p:txBody>
@@ -7705,7 +7829,7 @@
           <p:cNvPr id="10" name="Segnaposto testo 4">
             <a:extLst>
               <a:ext uri="{FF2B5EF4-FFF2-40B4-BE49-F238E27FC236}">
-                <a16:creationId xmlns:a16="http://schemas.microsoft.com/office/drawing/2014/main" id="{B3B7D4D8-1E44-50A5-6DBD-917105FA2249}"/>
+                <a16:creationId xmlns:a16="http://schemas.microsoft.com/office/drawing/2014/main" id="{8D7C8C3A-3FFE-A119-C4A2-BF8CC6E151CD}"/>
               </a:ext>
             </a:extLst>
           </p:cNvPr>
@@ -7725,17 +7849,17 @@
           <a:p>
             <a:r>
               <a:rPr lang="it-IT" dirty="0"/>
-              <a:t>INPUT VECTOR</a:t>
+              <a:t>VETTORI</a:t>
             </a:r>
           </a:p>
         </p:txBody>
       </p:sp>
       <p:pic>
         <p:nvPicPr>
-          <p:cNvPr id="6" name="Immagine 5">
-            <a:extLst>
-              <a:ext uri="{FF2B5EF4-FFF2-40B4-BE49-F238E27FC236}">
-                <a16:creationId xmlns:a16="http://schemas.microsoft.com/office/drawing/2014/main" id="{922B767E-B9D6-D520-8B62-C23C2DA7D5BB}"/>
+          <p:cNvPr id="24" name="Immagine 23" descr="Immagine che contiene linea, Diagramma, numero&#10;&#10;Il contenuto generato dall'IA potrebbe non essere corretto.">
+            <a:extLst>
+              <a:ext uri="{FF2B5EF4-FFF2-40B4-BE49-F238E27FC236}">
+                <a16:creationId xmlns:a16="http://schemas.microsoft.com/office/drawing/2014/main" id="{9DF86D01-E7CC-6BBD-E284-60A40B469F9C}"/>
               </a:ext>
             </a:extLst>
           </p:cNvPr>
@@ -7752,17 +7876,18 @@
               </a:ext>
             </a:extLst>
           </a:blip>
-          <a:srcRect/>
-          <a:stretch/>
+          <a:stretch>
+            <a:fillRect/>
+          </a:stretch>
         </p:blipFill>
         <p:spPr>
           <a:xfrm>
-            <a:off x="3011427" y="678589"/>
-            <a:ext cx="6169145" cy="5500821"/>
+            <a:off x="3256490" y="547733"/>
+            <a:ext cx="5679019" cy="5762534"/>
           </a:xfrm>
           <a:prstGeom prst="roundRect">
             <a:avLst>
-              <a:gd name="adj" fmla="val 5973"/>
+              <a:gd name="adj" fmla="val 6222"/>
             </a:avLst>
           </a:prstGeom>
         </p:spPr>
@@ -7770,7 +7895,7 @@
     </p:spTree>
     <p:extLst>
       <p:ext uri="{BB962C8B-B14F-4D97-AF65-F5344CB8AC3E}">
-        <p14:creationId xmlns:p14="http://schemas.microsoft.com/office/powerpoint/2010/main" val="4124662192"/>
+        <p14:creationId xmlns:p14="http://schemas.microsoft.com/office/powerpoint/2010/main" val="1513624221"/>
       </p:ext>
     </p:extLst>
   </p:cSld>
@@ -7800,7 +7925,7 @@
         <p:cNvPr id="1" name="">
           <a:extLst>
             <a:ext uri="{FF2B5EF4-FFF2-40B4-BE49-F238E27FC236}">
-              <a16:creationId xmlns:a16="http://schemas.microsoft.com/office/drawing/2014/main" id="{5C4C06AC-20DB-FEE3-8F15-761C95E6BC72}"/>
+              <a16:creationId xmlns:a16="http://schemas.microsoft.com/office/drawing/2014/main" id="{616C4841-2E36-7AAB-3B51-8FB4A69D6F27}"/>
             </a:ext>
           </a:extLst>
         </p:cNvPr>
@@ -7817,10 +7942,105 @@
       </p:grpSpPr>
       <p:sp>
         <p:nvSpPr>
+          <p:cNvPr id="2" name="Titolo 1">
+            <a:extLst>
+              <a:ext uri="{FF2B5EF4-FFF2-40B4-BE49-F238E27FC236}">
+                <a16:creationId xmlns:a16="http://schemas.microsoft.com/office/drawing/2014/main" id="{0EBBA822-FFEE-30F3-25D5-AFC35E756927}"/>
+              </a:ext>
+            </a:extLst>
+          </p:cNvPr>
+          <p:cNvSpPr>
+            <a:spLocks noGrp="1"/>
+          </p:cNvSpPr>
+          <p:nvPr>
+            <p:ph type="title"/>
+          </p:nvPr>
+        </p:nvSpPr>
+        <p:spPr/>
+        <p:txBody>
+          <a:bodyPr>
+            <a:noAutofit/>
+          </a:bodyPr>
+          <a:lstStyle/>
+          <a:p>
+            <a:r>
+              <a:rPr lang="it-IT" dirty="0">
+                <a:ln w="9525" cmpd="sng">
+                  <a:solidFill>
+                    <a:schemeClr val="tx1">
+                      <a:alpha val="30000"/>
+                    </a:schemeClr>
+                  </a:solidFill>
+                </a:ln>
+              </a:rPr>
+              <a:t>Vettori</a:t>
+            </a:r>
+          </a:p>
+        </p:txBody>
+      </p:sp>
+      <p:sp>
+        <p:nvSpPr>
+          <p:cNvPr id="3" name="Segnaposto contenuto 2">
+            <a:extLst>
+              <a:ext uri="{FF2B5EF4-FFF2-40B4-BE49-F238E27FC236}">
+                <a16:creationId xmlns:a16="http://schemas.microsoft.com/office/drawing/2014/main" id="{8A8DA658-556E-5C7F-596D-5471B6156AF8}"/>
+              </a:ext>
+            </a:extLst>
+          </p:cNvPr>
+          <p:cNvSpPr>
+            <a:spLocks noGrp="1"/>
+          </p:cNvSpPr>
+          <p:nvPr>
+            <p:ph idx="1"/>
+          </p:nvPr>
+        </p:nvSpPr>
+        <p:spPr/>
+        <p:txBody>
+          <a:bodyPr>
+            <a:noAutofit/>
+          </a:bodyPr>
+          <a:lstStyle/>
+          <a:p>
+            <a:pPr marL="0" indent="0">
+              <a:buNone/>
+            </a:pPr>
+            <a:r>
+              <a:rPr lang="it-IT" sz="3000" dirty="0"/>
+              <a:t>Una posizione può trovarsi in qualsiasi punto dello spazio. La posizione </a:t>
+            </a:r>
+            <a:r>
+              <a:rPr lang="it-IT" sz="3000" dirty="0">
+                <a:solidFill>
+                  <a:srgbClr val="FF9933"/>
+                </a:solidFill>
+              </a:rPr>
+              <a:t>(0,0)</a:t>
+            </a:r>
+            <a:r>
+              <a:rPr lang="it-IT" sz="3000" dirty="0"/>
+              <a:t> è chiamata </a:t>
+            </a:r>
+            <a:r>
+              <a:rPr lang="it-IT" sz="3000" dirty="0">
+                <a:solidFill>
+                  <a:srgbClr val="FF9933"/>
+                </a:solidFill>
+              </a:rPr>
+              <a:t>origine</a:t>
+            </a:r>
+            <a:r>
+              <a:rPr lang="it-IT" sz="3000" dirty="0"/>
+              <a:t>.</a:t>
+            </a:r>
+          </a:p>
+        </p:txBody>
+      </p:sp>
+      <p:sp>
+        <p:nvSpPr>
           <p:cNvPr id="8" name="Segnaposto testo 3">
             <a:extLst>
               <a:ext uri="{FF2B5EF4-FFF2-40B4-BE49-F238E27FC236}">
-                <a16:creationId xmlns:a16="http://schemas.microsoft.com/office/drawing/2014/main" id="{0D4C27FA-40C1-D3E4-993E-8B17B4161935}"/>
+                <a16:creationId xmlns:a16="http://schemas.microsoft.com/office/drawing/2014/main" id="{8059890D-FDBA-B56F-65E9-69DEDFD30802}"/>
               </a:ext>
             </a:extLst>
           </p:cNvPr>
@@ -7833,7 +8053,7 @@
         </p:nvSpPr>
         <p:spPr>
           <a:xfrm>
-            <a:off x="9365146" y="124900"/>
+            <a:off x="9358750" y="119978"/>
             <a:ext cx="356589" cy="436970"/>
           </a:xfrm>
         </p:spPr>
@@ -7843,17 +8063,17 @@
           <a:p>
             <a:r>
               <a:rPr lang="it-IT" dirty="0"/>
-              <a:t>3</a:t>
-            </a:r>
-          </a:p>
-        </p:txBody>
-      </p:sp>
-      <p:sp>
-        <p:nvSpPr>
-          <p:cNvPr id="10" name="Segnaposto testo 4">
-            <a:extLst>
-              <a:ext uri="{FF2B5EF4-FFF2-40B4-BE49-F238E27FC236}">
-                <a16:creationId xmlns:a16="http://schemas.microsoft.com/office/drawing/2014/main" id="{B13D0173-C023-FFFC-3AFB-F46F8542290A}"/>
+              <a:t>2</a:t>
+            </a:r>
+          </a:p>
+        </p:txBody>
+      </p:sp>
+      <p:sp>
+        <p:nvSpPr>
+          <p:cNvPr id="9" name="Segnaposto testo 4">
+            <a:extLst>
+              <a:ext uri="{FF2B5EF4-FFF2-40B4-BE49-F238E27FC236}">
+                <a16:creationId xmlns:a16="http://schemas.microsoft.com/office/drawing/2014/main" id="{2478C166-1E86-B461-3B7A-0A3C1879D48A}"/>
               </a:ext>
             </a:extLst>
           </p:cNvPr>
@@ -7864,7 +8084,12 @@
             <p:ph type="body" sz="quarter" idx="11"/>
           </p:nvPr>
         </p:nvSpPr>
-        <p:spPr/>
+        <p:spPr>
+          <a:xfrm>
+            <a:off x="9691997" y="134968"/>
+            <a:ext cx="2152357" cy="436970"/>
+          </a:xfrm>
+        </p:spPr>
         <p:txBody>
           <a:bodyPr>
             <a:normAutofit fontScale="92500" lnSpcReduction="10000"/>
@@ -7873,52 +8098,15 @@
           <a:p>
             <a:r>
               <a:rPr lang="it-IT" dirty="0"/>
-              <a:t>INPUT VECTOR</a:t>
-            </a:r>
-          </a:p>
-        </p:txBody>
-      </p:sp>
-      <p:pic>
-        <p:nvPicPr>
-          <p:cNvPr id="6" name="Immagine 5">
-            <a:extLst>
-              <a:ext uri="{FF2B5EF4-FFF2-40B4-BE49-F238E27FC236}">
-                <a16:creationId xmlns:a16="http://schemas.microsoft.com/office/drawing/2014/main" id="{A688CB55-1F9C-D90F-78F4-FC7781EB3356}"/>
-              </a:ext>
-            </a:extLst>
-          </p:cNvPr>
-          <p:cNvPicPr>
-            <a:picLocks noChangeAspect="1"/>
-          </p:cNvPicPr>
-          <p:nvPr/>
-        </p:nvPicPr>
-        <p:blipFill>
-          <a:blip r:embed="rId2">
-            <a:extLst>
-              <a:ext uri="{28A0092B-C50C-407E-A947-70E740481C1C}">
-                <a14:useLocalDpi xmlns:a14="http://schemas.microsoft.com/office/drawing/2010/main" val="0"/>
-              </a:ext>
-            </a:extLst>
-          </a:blip>
-          <a:srcRect/>
-          <a:stretch/>
-        </p:blipFill>
-        <p:spPr>
-          <a:xfrm>
-            <a:off x="3011427" y="678589"/>
-            <a:ext cx="6169145" cy="5500821"/>
-          </a:xfrm>
-          <a:prstGeom prst="roundRect">
-            <a:avLst>
-              <a:gd name="adj" fmla="val 5973"/>
-            </a:avLst>
-          </a:prstGeom>
-        </p:spPr>
-      </p:pic>
+              <a:t>VETTORI</a:t>
+            </a:r>
+          </a:p>
+        </p:txBody>
+      </p:sp>
     </p:spTree>
     <p:extLst>
       <p:ext uri="{BB962C8B-B14F-4D97-AF65-F5344CB8AC3E}">
-        <p14:creationId xmlns:p14="http://schemas.microsoft.com/office/powerpoint/2010/main" val="4294210345"/>
+        <p14:creationId xmlns:p14="http://schemas.microsoft.com/office/powerpoint/2010/main" val="2030431958"/>
       </p:ext>
     </p:extLst>
   </p:cSld>
@@ -7948,7 +8136,7 @@
         <p:cNvPr id="1" name="">
           <a:extLst>
             <a:ext uri="{FF2B5EF4-FFF2-40B4-BE49-F238E27FC236}">
-              <a16:creationId xmlns:a16="http://schemas.microsoft.com/office/drawing/2014/main" id="{9ADC5AC9-5857-383C-2A98-8ED7A2576245}"/>
+              <a16:creationId xmlns:a16="http://schemas.microsoft.com/office/drawing/2014/main" id="{1DEB785C-3CD0-4C48-CC0E-81060B2D3846}"/>
             </a:ext>
           </a:extLst>
         </p:cNvPr>
@@ -7965,10 +8153,117 @@
       </p:grpSpPr>
       <p:sp>
         <p:nvSpPr>
+          <p:cNvPr id="2" name="Titolo 1">
+            <a:extLst>
+              <a:ext uri="{FF2B5EF4-FFF2-40B4-BE49-F238E27FC236}">
+                <a16:creationId xmlns:a16="http://schemas.microsoft.com/office/drawing/2014/main" id="{E4414D7E-293B-9F13-7C58-480E9F38E2AC}"/>
+              </a:ext>
+            </a:extLst>
+          </p:cNvPr>
+          <p:cNvSpPr>
+            <a:spLocks noGrp="1"/>
+          </p:cNvSpPr>
+          <p:nvPr>
+            <p:ph type="title"/>
+          </p:nvPr>
+        </p:nvSpPr>
+        <p:spPr/>
+        <p:txBody>
+          <a:bodyPr>
+            <a:noAutofit/>
+          </a:bodyPr>
+          <a:lstStyle/>
+          <a:p>
+            <a:r>
+              <a:rPr lang="it-IT" sz="4800" dirty="0">
+                <a:ln w="9525" cmpd="sng">
+                  <a:solidFill>
+                    <a:schemeClr val="tx1">
+                      <a:alpha val="30000"/>
+                    </a:schemeClr>
+                  </a:solidFill>
+                </a:ln>
+              </a:rPr>
+              <a:t>Il dualismo posizione/vettore</a:t>
+            </a:r>
+          </a:p>
+        </p:txBody>
+      </p:sp>
+      <p:sp>
+        <p:nvSpPr>
+          <p:cNvPr id="3" name="Segnaposto contenuto 2">
+            <a:extLst>
+              <a:ext uri="{FF2B5EF4-FFF2-40B4-BE49-F238E27FC236}">
+                <a16:creationId xmlns:a16="http://schemas.microsoft.com/office/drawing/2014/main" id="{0C6CC79A-B6CC-95B4-16E8-89DEE7CC123D}"/>
+              </a:ext>
+            </a:extLst>
+          </p:cNvPr>
+          <p:cNvSpPr>
+            <a:spLocks noGrp="1"/>
+          </p:cNvSpPr>
+          <p:nvPr>
+            <p:ph idx="1"/>
+          </p:nvPr>
+        </p:nvSpPr>
+        <p:spPr/>
+        <p:txBody>
+          <a:bodyPr>
+            <a:noAutofit/>
+          </a:bodyPr>
+          <a:lstStyle/>
+          <a:p>
+            <a:pPr marL="0" indent="0">
+              <a:buNone/>
+            </a:pPr>
+            <a:r>
+              <a:rPr lang="it-IT" sz="3000" dirty="0"/>
+              <a:t>Nella teoria dei vettori, le </a:t>
+            </a:r>
+            <a:r>
+              <a:rPr lang="it-IT" sz="3000" dirty="0">
+                <a:solidFill>
+                  <a:srgbClr val="FF9933"/>
+                </a:solidFill>
+              </a:rPr>
+              <a:t>coordinate</a:t>
+            </a:r>
+            <a:r>
+              <a:rPr lang="it-IT" sz="3000" dirty="0"/>
+              <a:t> hanno due utilizzi diversi, entrambi ugualmente importanti: esse sono utilizzate per rappresentare una </a:t>
+            </a:r>
+            <a:r>
+              <a:rPr lang="it-IT" sz="3000" dirty="0">
+                <a:solidFill>
+                  <a:srgbClr val="FF9933"/>
+                </a:solidFill>
+              </a:rPr>
+              <a:t>posizione</a:t>
+            </a:r>
+            <a:r>
+              <a:rPr lang="it-IT" sz="3000" dirty="0"/>
+              <a:t> ma anche un </a:t>
+            </a:r>
+            <a:r>
+              <a:rPr lang="it-IT" sz="3000" dirty="0">
+                <a:solidFill>
+                  <a:srgbClr val="FF9933"/>
+                </a:solidFill>
+              </a:rPr>
+              <a:t>vettore</a:t>
+            </a:r>
+            <a:r>
+              <a:rPr lang="it-IT" sz="3000" dirty="0"/>
+              <a:t>.</a:t>
+            </a:r>
+          </a:p>
+        </p:txBody>
+      </p:sp>
+      <p:sp>
+        <p:nvSpPr>
           <p:cNvPr id="8" name="Segnaposto testo 3">
             <a:extLst>
               <a:ext uri="{FF2B5EF4-FFF2-40B4-BE49-F238E27FC236}">
-                <a16:creationId xmlns:a16="http://schemas.microsoft.com/office/drawing/2014/main" id="{9B326DBA-CED8-5631-E7B1-F1FA34F16BD4}"/>
+                <a16:creationId xmlns:a16="http://schemas.microsoft.com/office/drawing/2014/main" id="{A357B0A8-6CD3-96E6-2C79-CD9AA71CE683}"/>
               </a:ext>
             </a:extLst>
           </p:cNvPr>
@@ -7981,7 +8276,7 @@
         </p:nvSpPr>
         <p:spPr>
           <a:xfrm>
-            <a:off x="9365146" y="124900"/>
+            <a:off x="9358750" y="119978"/>
             <a:ext cx="356589" cy="436970"/>
           </a:xfrm>
         </p:spPr>
@@ -7991,17 +8286,17 @@
           <a:p>
             <a:r>
               <a:rPr lang="it-IT" dirty="0"/>
-              <a:t>3</a:t>
-            </a:r>
-          </a:p>
-        </p:txBody>
-      </p:sp>
-      <p:sp>
-        <p:nvSpPr>
-          <p:cNvPr id="10" name="Segnaposto testo 4">
-            <a:extLst>
-              <a:ext uri="{FF2B5EF4-FFF2-40B4-BE49-F238E27FC236}">
-                <a16:creationId xmlns:a16="http://schemas.microsoft.com/office/drawing/2014/main" id="{BC2D0996-0AB3-169E-B677-57A073016B20}"/>
+              <a:t>2</a:t>
+            </a:r>
+          </a:p>
+        </p:txBody>
+      </p:sp>
+      <p:sp>
+        <p:nvSpPr>
+          <p:cNvPr id="9" name="Segnaposto testo 4">
+            <a:extLst>
+              <a:ext uri="{FF2B5EF4-FFF2-40B4-BE49-F238E27FC236}">
+                <a16:creationId xmlns:a16="http://schemas.microsoft.com/office/drawing/2014/main" id="{9015062A-C24E-80EC-C234-B982AA8103E4}"/>
               </a:ext>
             </a:extLst>
           </p:cNvPr>
@@ -8012,7 +8307,12 @@
             <p:ph type="body" sz="quarter" idx="11"/>
           </p:nvPr>
         </p:nvSpPr>
-        <p:spPr/>
+        <p:spPr>
+          <a:xfrm>
+            <a:off x="9691997" y="134968"/>
+            <a:ext cx="2152357" cy="436970"/>
+          </a:xfrm>
+        </p:spPr>
         <p:txBody>
           <a:bodyPr>
             <a:normAutofit fontScale="92500" lnSpcReduction="10000"/>
@@ -8021,52 +8321,15 @@
           <a:p>
             <a:r>
               <a:rPr lang="it-IT" dirty="0"/>
-              <a:t>INPUT VECTOR</a:t>
-            </a:r>
-          </a:p>
-        </p:txBody>
-      </p:sp>
-      <p:pic>
-        <p:nvPicPr>
-          <p:cNvPr id="6" name="Immagine 5">
-            <a:extLst>
-              <a:ext uri="{FF2B5EF4-FFF2-40B4-BE49-F238E27FC236}">
-                <a16:creationId xmlns:a16="http://schemas.microsoft.com/office/drawing/2014/main" id="{EBF50B17-B22C-C32F-F192-DC8310C098F8}"/>
-              </a:ext>
-            </a:extLst>
-          </p:cNvPr>
-          <p:cNvPicPr>
-            <a:picLocks noChangeAspect="1"/>
-          </p:cNvPicPr>
-          <p:nvPr/>
-        </p:nvPicPr>
-        <p:blipFill>
-          <a:blip r:embed="rId2">
-            <a:extLst>
-              <a:ext uri="{28A0092B-C50C-407E-A947-70E740481C1C}">
-                <a14:useLocalDpi xmlns:a14="http://schemas.microsoft.com/office/drawing/2010/main" val="0"/>
-              </a:ext>
-            </a:extLst>
-          </a:blip>
-          <a:srcRect/>
-          <a:stretch/>
-        </p:blipFill>
-        <p:spPr>
-          <a:xfrm>
-            <a:off x="3011427" y="678589"/>
-            <a:ext cx="6169145" cy="5500821"/>
-          </a:xfrm>
-          <a:prstGeom prst="roundRect">
-            <a:avLst>
-              <a:gd name="adj" fmla="val 5973"/>
-            </a:avLst>
-          </a:prstGeom>
-        </p:spPr>
-      </p:pic>
+              <a:t>VETTORI</a:t>
+            </a:r>
+          </a:p>
+        </p:txBody>
+      </p:sp>
     </p:spTree>
     <p:extLst>
       <p:ext uri="{BB962C8B-B14F-4D97-AF65-F5344CB8AC3E}">
-        <p14:creationId xmlns:p14="http://schemas.microsoft.com/office/powerpoint/2010/main" val="290908629"/>
+        <p14:creationId xmlns:p14="http://schemas.microsoft.com/office/powerpoint/2010/main" val="431897118"/>
       </p:ext>
     </p:extLst>
   </p:cSld>
@@ -8096,7 +8359,7 @@
         <p:cNvPr id="1" name="">
           <a:extLst>
             <a:ext uri="{FF2B5EF4-FFF2-40B4-BE49-F238E27FC236}">
-              <a16:creationId xmlns:a16="http://schemas.microsoft.com/office/drawing/2014/main" id="{1FED5880-0F06-57E2-828B-EFE80361F76C}"/>
+              <a16:creationId xmlns:a16="http://schemas.microsoft.com/office/drawing/2014/main" id="{50016D93-29EF-F1AE-5C55-A4FBFDCA0335}"/>
             </a:ext>
           </a:extLst>
         </p:cNvPr>
@@ -8113,10 +8376,141 @@
       </p:grpSpPr>
       <p:sp>
         <p:nvSpPr>
+          <p:cNvPr id="2" name="Titolo 1">
+            <a:extLst>
+              <a:ext uri="{FF2B5EF4-FFF2-40B4-BE49-F238E27FC236}">
+                <a16:creationId xmlns:a16="http://schemas.microsoft.com/office/drawing/2014/main" id="{4338AFAC-FC15-AE43-E70F-DDF8527E2E18}"/>
+              </a:ext>
+            </a:extLst>
+          </p:cNvPr>
+          <p:cNvSpPr>
+            <a:spLocks noGrp="1"/>
+          </p:cNvSpPr>
+          <p:nvPr>
+            <p:ph type="title"/>
+          </p:nvPr>
+        </p:nvSpPr>
+        <p:spPr/>
+        <p:txBody>
+          <a:bodyPr>
+            <a:noAutofit/>
+          </a:bodyPr>
+          <a:lstStyle/>
+          <a:p>
+            <a:r>
+              <a:rPr lang="it-IT" sz="4800" dirty="0">
+                <a:ln w="9525" cmpd="sng">
+                  <a:solidFill>
+                    <a:schemeClr val="tx1">
+                      <a:alpha val="30000"/>
+                    </a:schemeClr>
+                  </a:solidFill>
+                </a:ln>
+              </a:rPr>
+              <a:t>Il dualismo posizione/vettore</a:t>
+            </a:r>
+          </a:p>
+        </p:txBody>
+      </p:sp>
+      <p:sp>
+        <p:nvSpPr>
+          <p:cNvPr id="3" name="Segnaposto contenuto 2">
+            <a:extLst>
+              <a:ext uri="{FF2B5EF4-FFF2-40B4-BE49-F238E27FC236}">
+                <a16:creationId xmlns:a16="http://schemas.microsoft.com/office/drawing/2014/main" id="{45C5C075-085B-9D86-F17D-3A7D96E8CDB2}"/>
+              </a:ext>
+            </a:extLst>
+          </p:cNvPr>
+          <p:cNvSpPr>
+            <a:spLocks noGrp="1"/>
+          </p:cNvSpPr>
+          <p:nvPr>
+            <p:ph idx="1"/>
+          </p:nvPr>
+        </p:nvSpPr>
+        <p:spPr/>
+        <p:txBody>
+          <a:bodyPr>
+            <a:noAutofit/>
+          </a:bodyPr>
+          <a:lstStyle/>
+          <a:p>
+            <a:pPr marL="0" indent="0">
+              <a:buNone/>
+            </a:pPr>
+            <a:r>
+              <a:rPr lang="it-IT" sz="3000" dirty="0"/>
+              <a:t>Quando si immagina un vettore, si possono dedurre due proprietà: </a:t>
+            </a:r>
+          </a:p>
+          <a:p>
+            <a:pPr marL="514350" indent="-514350">
+              <a:buFont typeface="+mj-lt"/>
+              <a:buAutoNum type="arabicPeriod"/>
+            </a:pPr>
+            <a:r>
+              <a:rPr lang="it-IT" sz="3000" dirty="0"/>
+              <a:t>la </a:t>
+            </a:r>
+            <a:r>
+              <a:rPr lang="it-IT" sz="3000" dirty="0">
+                <a:solidFill>
+                  <a:srgbClr val="FF9933"/>
+                </a:solidFill>
+              </a:rPr>
+              <a:t>direzione </a:t>
+            </a:r>
+            <a:r>
+              <a:rPr lang="it-IT" sz="3000" dirty="0"/>
+              <a:t>(</a:t>
+            </a:r>
+            <a:r>
+              <a:rPr lang="it-IT" sz="3000" dirty="0" err="1"/>
+              <a:t>direction</a:t>
+            </a:r>
+            <a:r>
+              <a:rPr lang="it-IT" sz="3000" dirty="0"/>
+              <a:t>)</a:t>
+            </a:r>
+          </a:p>
+          <a:p>
+            <a:pPr marL="514350" indent="-514350">
+              <a:buFont typeface="+mj-lt"/>
+              <a:buAutoNum type="arabicPeriod"/>
+            </a:pPr>
+            <a:r>
+              <a:rPr lang="it-IT" sz="3000" dirty="0"/>
+              <a:t>l’</a:t>
+            </a:r>
+            <a:r>
+              <a:rPr lang="it-IT" sz="3000" dirty="0">
+                <a:solidFill>
+                  <a:srgbClr val="FF9933"/>
+                </a:solidFill>
+              </a:rPr>
+              <a:t>intensità</a:t>
+            </a:r>
+            <a:r>
+              <a:rPr lang="it-IT" sz="3000" dirty="0"/>
+              <a:t> (</a:t>
+            </a:r>
+            <a:r>
+              <a:rPr lang="it-IT" sz="3000" dirty="0" err="1"/>
+              <a:t>magnitude</a:t>
+            </a:r>
+            <a:r>
+              <a:rPr lang="it-IT" sz="3000" dirty="0"/>
+              <a:t>).</a:t>
+            </a:r>
+          </a:p>
+        </p:txBody>
+      </p:sp>
+      <p:sp>
+        <p:nvSpPr>
           <p:cNvPr id="8" name="Segnaposto testo 3">
             <a:extLst>
               <a:ext uri="{FF2B5EF4-FFF2-40B4-BE49-F238E27FC236}">
-                <a16:creationId xmlns:a16="http://schemas.microsoft.com/office/drawing/2014/main" id="{00169D88-9B2A-3850-AC77-CD8613C68287}"/>
+                <a16:creationId xmlns:a16="http://schemas.microsoft.com/office/drawing/2014/main" id="{BEB53A88-F461-54A4-EBC5-ED6C24275589}"/>
               </a:ext>
             </a:extLst>
           </p:cNvPr>
@@ -8129,7 +8523,7 @@
         </p:nvSpPr>
         <p:spPr>
           <a:xfrm>
-            <a:off x="9365146" y="124900"/>
+            <a:off x="9358750" y="119978"/>
             <a:ext cx="356589" cy="436970"/>
           </a:xfrm>
         </p:spPr>
@@ -8139,17 +8533,17 @@
           <a:p>
             <a:r>
               <a:rPr lang="it-IT" dirty="0"/>
-              <a:t>3</a:t>
-            </a:r>
-          </a:p>
-        </p:txBody>
-      </p:sp>
-      <p:sp>
-        <p:nvSpPr>
-          <p:cNvPr id="10" name="Segnaposto testo 4">
-            <a:extLst>
-              <a:ext uri="{FF2B5EF4-FFF2-40B4-BE49-F238E27FC236}">
-                <a16:creationId xmlns:a16="http://schemas.microsoft.com/office/drawing/2014/main" id="{AB2B0ABF-BCA3-B64B-A036-81B6CF3DD728}"/>
+              <a:t>2</a:t>
+            </a:r>
+          </a:p>
+        </p:txBody>
+      </p:sp>
+      <p:sp>
+        <p:nvSpPr>
+          <p:cNvPr id="9" name="Segnaposto testo 4">
+            <a:extLst>
+              <a:ext uri="{FF2B5EF4-FFF2-40B4-BE49-F238E27FC236}">
+                <a16:creationId xmlns:a16="http://schemas.microsoft.com/office/drawing/2014/main" id="{14DBA980-1A55-C7B5-F8EB-51488CA36400}"/>
               </a:ext>
             </a:extLst>
           </p:cNvPr>
@@ -8160,7 +8554,12 @@
             <p:ph type="body" sz="quarter" idx="11"/>
           </p:nvPr>
         </p:nvSpPr>
-        <p:spPr/>
+        <p:spPr>
+          <a:xfrm>
+            <a:off x="9691997" y="134968"/>
+            <a:ext cx="2152357" cy="436970"/>
+          </a:xfrm>
+        </p:spPr>
         <p:txBody>
           <a:bodyPr>
             <a:normAutofit fontScale="92500" lnSpcReduction="10000"/>
@@ -8169,52 +8568,15 @@
           <a:p>
             <a:r>
               <a:rPr lang="it-IT" dirty="0"/>
-              <a:t>INPUT VECTOR</a:t>
-            </a:r>
-          </a:p>
-        </p:txBody>
-      </p:sp>
-      <p:pic>
-        <p:nvPicPr>
-          <p:cNvPr id="6" name="Immagine 5">
-            <a:extLst>
-              <a:ext uri="{FF2B5EF4-FFF2-40B4-BE49-F238E27FC236}">
-                <a16:creationId xmlns:a16="http://schemas.microsoft.com/office/drawing/2014/main" id="{9FB68FD5-6E24-CE27-17C2-585C993BA1EF}"/>
-              </a:ext>
-            </a:extLst>
-          </p:cNvPr>
-          <p:cNvPicPr>
-            <a:picLocks noChangeAspect="1"/>
-          </p:cNvPicPr>
-          <p:nvPr/>
-        </p:nvPicPr>
-        <p:blipFill>
-          <a:blip r:embed="rId2">
-            <a:extLst>
-              <a:ext uri="{28A0092B-C50C-407E-A947-70E740481C1C}">
-                <a14:useLocalDpi xmlns:a14="http://schemas.microsoft.com/office/drawing/2010/main" val="0"/>
-              </a:ext>
-            </a:extLst>
-          </a:blip>
-          <a:srcRect/>
-          <a:stretch/>
-        </p:blipFill>
-        <p:spPr>
-          <a:xfrm>
-            <a:off x="3011427" y="678589"/>
-            <a:ext cx="6169145" cy="5500821"/>
-          </a:xfrm>
-          <a:prstGeom prst="roundRect">
-            <a:avLst>
-              <a:gd name="adj" fmla="val 5973"/>
-            </a:avLst>
-          </a:prstGeom>
-        </p:spPr>
-      </p:pic>
+              <a:t>VETTORI</a:t>
+            </a:r>
+          </a:p>
+        </p:txBody>
+      </p:sp>
     </p:spTree>
     <p:extLst>
       <p:ext uri="{BB962C8B-B14F-4D97-AF65-F5344CB8AC3E}">
-        <p14:creationId xmlns:p14="http://schemas.microsoft.com/office/powerpoint/2010/main" val="1293787789"/>
+        <p14:creationId xmlns:p14="http://schemas.microsoft.com/office/powerpoint/2010/main" val="1194777207"/>
       </p:ext>
     </p:extLst>
   </p:cSld>
@@ -8244,7 +8606,7 @@
         <p:cNvPr id="1" name="">
           <a:extLst>
             <a:ext uri="{FF2B5EF4-FFF2-40B4-BE49-F238E27FC236}">
-              <a16:creationId xmlns:a16="http://schemas.microsoft.com/office/drawing/2014/main" id="{CC893946-AEDE-2B0B-2DFC-99D279CCEC4B}"/>
+              <a16:creationId xmlns:a16="http://schemas.microsoft.com/office/drawing/2014/main" id="{439F4BC3-C272-D848-472B-3EE38DF1E4A6}"/>
             </a:ext>
           </a:extLst>
         </p:cNvPr>
@@ -8264,7 +8626,7 @@
           <p:cNvPr id="8" name="Segnaposto testo 3">
             <a:extLst>
               <a:ext uri="{FF2B5EF4-FFF2-40B4-BE49-F238E27FC236}">
-                <a16:creationId xmlns:a16="http://schemas.microsoft.com/office/drawing/2014/main" id="{EC607F65-6D4C-8A91-68D5-EB0939FF9C39}"/>
+                <a16:creationId xmlns:a16="http://schemas.microsoft.com/office/drawing/2014/main" id="{B8A51703-F8BC-AFBF-13CA-5396921BB564}"/>
               </a:ext>
             </a:extLst>
           </p:cNvPr>
@@ -8277,7 +8639,7 @@
         </p:nvSpPr>
         <p:spPr>
           <a:xfrm>
-            <a:off x="9365146" y="124900"/>
+            <a:off x="9358750" y="119978"/>
             <a:ext cx="356589" cy="436970"/>
           </a:xfrm>
         </p:spPr>
@@ -8287,7 +8649,7 @@
           <a:p>
             <a:r>
               <a:rPr lang="it-IT" dirty="0"/>
-              <a:t>3</a:t>
+              <a:t>2</a:t>
             </a:r>
           </a:p>
         </p:txBody>
@@ -8297,7 +8659,7 @@
           <p:cNvPr id="10" name="Segnaposto testo 4">
             <a:extLst>
               <a:ext uri="{FF2B5EF4-FFF2-40B4-BE49-F238E27FC236}">
-                <a16:creationId xmlns:a16="http://schemas.microsoft.com/office/drawing/2014/main" id="{B787840D-DAC4-64BF-9AA2-CD37C1125337}"/>
+                <a16:creationId xmlns:a16="http://schemas.microsoft.com/office/drawing/2014/main" id="{1CD8C8E9-78A2-594C-888A-B9F96C8AD424}"/>
               </a:ext>
             </a:extLst>
           </p:cNvPr>
@@ -8317,17 +8679,17 @@
           <a:p>
             <a:r>
               <a:rPr lang="it-IT" dirty="0"/>
-              <a:t>INPUT VECTOR</a:t>
+              <a:t>VETTORI</a:t>
             </a:r>
           </a:p>
         </p:txBody>
       </p:sp>
       <p:pic>
         <p:nvPicPr>
-          <p:cNvPr id="6" name="Immagine 5">
-            <a:extLst>
-              <a:ext uri="{FF2B5EF4-FFF2-40B4-BE49-F238E27FC236}">
-                <a16:creationId xmlns:a16="http://schemas.microsoft.com/office/drawing/2014/main" id="{BA2D27AC-9BA8-A261-16D9-12D1AE50F688}"/>
+          <p:cNvPr id="24" name="Immagine 23">
+            <a:extLst>
+              <a:ext uri="{FF2B5EF4-FFF2-40B4-BE49-F238E27FC236}">
+                <a16:creationId xmlns:a16="http://schemas.microsoft.com/office/drawing/2014/main" id="{21066244-BC23-B111-0E50-1E7F7A368438}"/>
               </a:ext>
             </a:extLst>
           </p:cNvPr>
@@ -8344,17 +8706,17 @@
               </a:ext>
             </a:extLst>
           </a:blip>
-          <a:srcRect/>
+          <a:srcRect l="479" r="479"/>
           <a:stretch/>
         </p:blipFill>
         <p:spPr>
           <a:xfrm>
-            <a:off x="3011427" y="678589"/>
-            <a:ext cx="6169145" cy="5500821"/>
+            <a:off x="3256490" y="547733"/>
+            <a:ext cx="5679019" cy="5762534"/>
           </a:xfrm>
           <a:prstGeom prst="roundRect">
             <a:avLst>
-              <a:gd name="adj" fmla="val 5973"/>
+              <a:gd name="adj" fmla="val 6222"/>
             </a:avLst>
           </a:prstGeom>
         </p:spPr>
@@ -8362,7 +8724,7 @@
     </p:spTree>
     <p:extLst>
       <p:ext uri="{BB962C8B-B14F-4D97-AF65-F5344CB8AC3E}">
-        <p14:creationId xmlns:p14="http://schemas.microsoft.com/office/powerpoint/2010/main" val="3774761592"/>
+        <p14:creationId xmlns:p14="http://schemas.microsoft.com/office/powerpoint/2010/main" val="841780904"/>
       </p:ext>
     </p:extLst>
   </p:cSld>
@@ -8392,7 +8754,7 @@
         <p:cNvPr id="1" name="">
           <a:extLst>
             <a:ext uri="{FF2B5EF4-FFF2-40B4-BE49-F238E27FC236}">
-              <a16:creationId xmlns:a16="http://schemas.microsoft.com/office/drawing/2014/main" id="{2E2332C4-3859-C3C6-3347-6CDF99794E87}"/>
+              <a16:creationId xmlns:a16="http://schemas.microsoft.com/office/drawing/2014/main" id="{C9686FBF-A43F-9D00-6E83-80DD4BC553FA}"/>
             </a:ext>
           </a:extLst>
         </p:cNvPr>
@@ -8409,45 +8771,114 @@
       </p:grpSpPr>
       <p:sp>
         <p:nvSpPr>
-          <p:cNvPr id="8" name="Segnaposto testo 3">
-            <a:extLst>
-              <a:ext uri="{FF2B5EF4-FFF2-40B4-BE49-F238E27FC236}">
-                <a16:creationId xmlns:a16="http://schemas.microsoft.com/office/drawing/2014/main" id="{89C1BC39-31EF-D0C4-AEE1-59457D5E9BE1}"/>
-              </a:ext>
-            </a:extLst>
-          </p:cNvPr>
-          <p:cNvSpPr>
-            <a:spLocks noGrp="1"/>
-          </p:cNvSpPr>
-          <p:nvPr>
-            <p:ph type="body" sz="quarter" idx="10"/>
-          </p:nvPr>
-        </p:nvSpPr>
-        <p:spPr>
-          <a:xfrm>
-            <a:off x="9365146" y="124900"/>
-            <a:ext cx="356589" cy="436970"/>
-          </a:xfrm>
-        </p:spPr>
+          <p:cNvPr id="2" name="Titolo 1">
+            <a:extLst>
+              <a:ext uri="{FF2B5EF4-FFF2-40B4-BE49-F238E27FC236}">
+                <a16:creationId xmlns:a16="http://schemas.microsoft.com/office/drawing/2014/main" id="{13E6784E-5F9C-664E-8A69-825E6BADB7BD}"/>
+              </a:ext>
+            </a:extLst>
+          </p:cNvPr>
+          <p:cNvSpPr>
+            <a:spLocks noGrp="1"/>
+          </p:cNvSpPr>
+          <p:nvPr>
+            <p:ph type="title"/>
+          </p:nvPr>
+        </p:nvSpPr>
+        <p:spPr/>
         <p:txBody>
           <a:bodyPr>
-            <a:normAutofit/>
+            <a:noAutofit/>
           </a:bodyPr>
           <a:lstStyle/>
           <a:p>
             <a:r>
+              <a:rPr lang="it-IT" sz="4800" dirty="0">
+                <a:ln w="9525" cmpd="sng">
+                  <a:solidFill>
+                    <a:schemeClr val="tx1">
+                      <a:alpha val="30000"/>
+                    </a:schemeClr>
+                  </a:solidFill>
+                </a:ln>
+              </a:rPr>
+              <a:t>Il dualismo posizione/vettore</a:t>
+            </a:r>
+          </a:p>
+        </p:txBody>
+      </p:sp>
+      <p:sp>
+        <p:nvSpPr>
+          <p:cNvPr id="3" name="Segnaposto contenuto 2">
+            <a:extLst>
+              <a:ext uri="{FF2B5EF4-FFF2-40B4-BE49-F238E27FC236}">
+                <a16:creationId xmlns:a16="http://schemas.microsoft.com/office/drawing/2014/main" id="{64FF1256-AA10-DC07-494C-D6F04174DBBB}"/>
+              </a:ext>
+            </a:extLst>
+          </p:cNvPr>
+          <p:cNvSpPr>
+            <a:spLocks noGrp="1"/>
+          </p:cNvSpPr>
+          <p:nvPr>
+            <p:ph idx="1"/>
+          </p:nvPr>
+        </p:nvSpPr>
+        <p:spPr/>
+        <p:txBody>
+          <a:bodyPr>
+            <a:noAutofit/>
+          </a:bodyPr>
+          <a:lstStyle/>
+          <a:p>
+            <a:pPr marL="0" indent="0">
+              <a:buNone/>
+            </a:pPr>
+            <a:r>
+              <a:rPr lang="it-IT" sz="3000" dirty="0"/>
+              <a:t>Ogni posizione nello spazio può essere un vettore, fatta eccezione dell’origine; questo perché le coordinate (0,0) non possono rappresentare una direzione (l’intensità è 0)</a:t>
+            </a:r>
+          </a:p>
+        </p:txBody>
+      </p:sp>
+      <p:sp>
+        <p:nvSpPr>
+          <p:cNvPr id="8" name="Segnaposto testo 3">
+            <a:extLst>
+              <a:ext uri="{FF2B5EF4-FFF2-40B4-BE49-F238E27FC236}">
+                <a16:creationId xmlns:a16="http://schemas.microsoft.com/office/drawing/2014/main" id="{661EB313-9F8A-E63E-495F-4884CFBE585C}"/>
+              </a:ext>
+            </a:extLst>
+          </p:cNvPr>
+          <p:cNvSpPr>
+            <a:spLocks noGrp="1"/>
+          </p:cNvSpPr>
+          <p:nvPr>
+            <p:ph type="body" sz="quarter" idx="10"/>
+          </p:nvPr>
+        </p:nvSpPr>
+        <p:spPr>
+          <a:xfrm>
+            <a:off x="9358750" y="119978"/>
+            <a:ext cx="356589" cy="436970"/>
+          </a:xfrm>
+        </p:spPr>
+        <p:txBody>
+          <a:bodyPr/>
+          <a:lstStyle/>
+          <a:p>
+            <a:r>
               <a:rPr lang="it-IT" dirty="0"/>
-              <a:t>3</a:t>
-            </a:r>
-          </a:p>
-        </p:txBody>
-      </p:sp>
-      <p:sp>
-        <p:nvSpPr>
-          <p:cNvPr id="10" name="Segnaposto testo 4">
-            <a:extLst>
-              <a:ext uri="{FF2B5EF4-FFF2-40B4-BE49-F238E27FC236}">
-                <a16:creationId xmlns:a16="http://schemas.microsoft.com/office/drawing/2014/main" id="{850E42C9-D279-B608-F09F-4881FA832DA4}"/>
+              <a:t>2</a:t>
+            </a:r>
+          </a:p>
+        </p:txBody>
+      </p:sp>
+      <p:sp>
+        <p:nvSpPr>
+          <p:cNvPr id="9" name="Segnaposto testo 4">
+            <a:extLst>
+              <a:ext uri="{FF2B5EF4-FFF2-40B4-BE49-F238E27FC236}">
+                <a16:creationId xmlns:a16="http://schemas.microsoft.com/office/drawing/2014/main" id="{63BF869C-680C-4A7E-2D0D-0A305984C088}"/>
               </a:ext>
             </a:extLst>
           </p:cNvPr>
@@ -8458,7 +8889,12 @@
             <p:ph type="body" sz="quarter" idx="11"/>
           </p:nvPr>
         </p:nvSpPr>
-        <p:spPr/>
+        <p:spPr>
+          <a:xfrm>
+            <a:off x="9691997" y="134968"/>
+            <a:ext cx="2152357" cy="436970"/>
+          </a:xfrm>
+        </p:spPr>
         <p:txBody>
           <a:bodyPr>
             <a:normAutofit fontScale="92500" lnSpcReduction="10000"/>
@@ -8467,52 +8903,15 @@
           <a:p>
             <a:r>
               <a:rPr lang="it-IT" dirty="0"/>
-              <a:t>INPUT VECTOR</a:t>
-            </a:r>
-          </a:p>
-        </p:txBody>
-      </p:sp>
-      <p:pic>
-        <p:nvPicPr>
-          <p:cNvPr id="6" name="Immagine 5">
-            <a:extLst>
-              <a:ext uri="{FF2B5EF4-FFF2-40B4-BE49-F238E27FC236}">
-                <a16:creationId xmlns:a16="http://schemas.microsoft.com/office/drawing/2014/main" id="{66290393-4868-9C17-FCF4-703E98377BD0}"/>
-              </a:ext>
-            </a:extLst>
-          </p:cNvPr>
-          <p:cNvPicPr>
-            <a:picLocks noChangeAspect="1"/>
-          </p:cNvPicPr>
-          <p:nvPr/>
-        </p:nvPicPr>
-        <p:blipFill>
-          <a:blip r:embed="rId2">
-            <a:extLst>
-              <a:ext uri="{28A0092B-C50C-407E-A947-70E740481C1C}">
-                <a14:useLocalDpi xmlns:a14="http://schemas.microsoft.com/office/drawing/2010/main" val="0"/>
-              </a:ext>
-            </a:extLst>
-          </a:blip>
-          <a:srcRect/>
-          <a:stretch/>
-        </p:blipFill>
-        <p:spPr>
-          <a:xfrm>
-            <a:off x="3011427" y="678589"/>
-            <a:ext cx="6169145" cy="5500821"/>
-          </a:xfrm>
-          <a:prstGeom prst="roundRect">
-            <a:avLst>
-              <a:gd name="adj" fmla="val 5973"/>
-            </a:avLst>
-          </a:prstGeom>
-        </p:spPr>
-      </p:pic>
+              <a:t>VETTORI</a:t>
+            </a:r>
+          </a:p>
+        </p:txBody>
+      </p:sp>
     </p:spTree>
     <p:extLst>
       <p:ext uri="{BB962C8B-B14F-4D97-AF65-F5344CB8AC3E}">
-        <p14:creationId xmlns:p14="http://schemas.microsoft.com/office/powerpoint/2010/main" val="3164568964"/>
+        <p14:creationId xmlns:p14="http://schemas.microsoft.com/office/powerpoint/2010/main" val="1312724149"/>
       </p:ext>
     </p:extLst>
   </p:cSld>
@@ -8542,7 +8941,7 @@
         <p:cNvPr id="1" name="">
           <a:extLst>
             <a:ext uri="{FF2B5EF4-FFF2-40B4-BE49-F238E27FC236}">
-              <a16:creationId xmlns:a16="http://schemas.microsoft.com/office/drawing/2014/main" id="{6CCE7A5D-F360-6711-454C-B844BAA483B8}"/>
+              <a16:creationId xmlns:a16="http://schemas.microsoft.com/office/drawing/2014/main" id="{BC78950B-B318-6108-41A7-91F76EC4C9BD}"/>
             </a:ext>
           </a:extLst>
         </p:cNvPr>
@@ -8562,7 +8961,7 @@
           <p:cNvPr id="8" name="Segnaposto testo 3">
             <a:extLst>
               <a:ext uri="{FF2B5EF4-FFF2-40B4-BE49-F238E27FC236}">
-                <a16:creationId xmlns:a16="http://schemas.microsoft.com/office/drawing/2014/main" id="{D1839B27-BBF7-78DC-5C9F-03FCC75A4F93}"/>
+                <a16:creationId xmlns:a16="http://schemas.microsoft.com/office/drawing/2014/main" id="{C781BF1F-E094-7D5B-2245-766E61F8F633}"/>
               </a:ext>
             </a:extLst>
           </p:cNvPr>
@@ -8575,7 +8974,7 @@
         </p:nvSpPr>
         <p:spPr>
           <a:xfrm>
-            <a:off x="9365146" y="124900"/>
+            <a:off x="9358750" y="119978"/>
             <a:ext cx="356589" cy="436970"/>
           </a:xfrm>
         </p:spPr>
@@ -8585,7 +8984,7 @@
           <a:p>
             <a:r>
               <a:rPr lang="it-IT" dirty="0"/>
-              <a:t>3</a:t>
+              <a:t>2</a:t>
             </a:r>
           </a:p>
         </p:txBody>
@@ -8595,7 +8994,7 @@
           <p:cNvPr id="10" name="Segnaposto testo 4">
             <a:extLst>
               <a:ext uri="{FF2B5EF4-FFF2-40B4-BE49-F238E27FC236}">
-                <a16:creationId xmlns:a16="http://schemas.microsoft.com/office/drawing/2014/main" id="{89968D61-1586-2569-3D8C-E66D0535A462}"/>
+                <a16:creationId xmlns:a16="http://schemas.microsoft.com/office/drawing/2014/main" id="{54AC9999-45FE-5283-CB29-962C5987C3B6}"/>
               </a:ext>
             </a:extLst>
           </p:cNvPr>
@@ -8615,17 +9014,17 @@
           <a:p>
             <a:r>
               <a:rPr lang="it-IT" dirty="0"/>
-              <a:t>INPUT VECTOR</a:t>
+              <a:t>VETTORI</a:t>
             </a:r>
           </a:p>
         </p:txBody>
       </p:sp>
       <p:pic>
         <p:nvPicPr>
-          <p:cNvPr id="6" name="Immagine 5">
-            <a:extLst>
-              <a:ext uri="{FF2B5EF4-FFF2-40B4-BE49-F238E27FC236}">
-                <a16:creationId xmlns:a16="http://schemas.microsoft.com/office/drawing/2014/main" id="{E8B95958-42F1-7F8E-DF30-AED97DB09667}"/>
+          <p:cNvPr id="24" name="Immagine 23">
+            <a:extLst>
+              <a:ext uri="{FF2B5EF4-FFF2-40B4-BE49-F238E27FC236}">
+                <a16:creationId xmlns:a16="http://schemas.microsoft.com/office/drawing/2014/main" id="{9557A50F-2A54-AA64-BA7C-FAA3E2EE12B1}"/>
               </a:ext>
             </a:extLst>
           </p:cNvPr>
@@ -8642,17 +9041,17 @@
               </a:ext>
             </a:extLst>
           </a:blip>
-          <a:srcRect/>
+          <a:srcRect l="725" r="725"/>
           <a:stretch/>
         </p:blipFill>
         <p:spPr>
           <a:xfrm>
-            <a:off x="3011427" y="678589"/>
-            <a:ext cx="6169145" cy="5500821"/>
+            <a:off x="3256490" y="547733"/>
+            <a:ext cx="5679019" cy="5762534"/>
           </a:xfrm>
           <a:prstGeom prst="roundRect">
             <a:avLst>
-              <a:gd name="adj" fmla="val 5973"/>
+              <a:gd name="adj" fmla="val 6222"/>
             </a:avLst>
           </a:prstGeom>
         </p:spPr>
@@ -8660,7 +9059,7 @@
     </p:spTree>
     <p:extLst>
       <p:ext uri="{BB962C8B-B14F-4D97-AF65-F5344CB8AC3E}">
-        <p14:creationId xmlns:p14="http://schemas.microsoft.com/office/powerpoint/2010/main" val="3467671158"/>
+        <p14:creationId xmlns:p14="http://schemas.microsoft.com/office/powerpoint/2010/main" val="2955103335"/>
       </p:ext>
     </p:extLst>
   </p:cSld>
@@ -8690,7 +9089,7 @@
         <p:cNvPr id="1" name="">
           <a:extLst>
             <a:ext uri="{FF2B5EF4-FFF2-40B4-BE49-F238E27FC236}">
-              <a16:creationId xmlns:a16="http://schemas.microsoft.com/office/drawing/2014/main" id="{A07ECC25-6154-23C8-B904-CB040EC4C4E0}"/>
+              <a16:creationId xmlns:a16="http://schemas.microsoft.com/office/drawing/2014/main" id="{4DEAA75F-2196-6632-2275-596EA468F4B6}"/>
             </a:ext>
           </a:extLst>
         </p:cNvPr>
@@ -8710,7 +9109,7 @@
           <p:cNvPr id="2" name="Titolo 1">
             <a:extLst>
               <a:ext uri="{FF2B5EF4-FFF2-40B4-BE49-F238E27FC236}">
-                <a16:creationId xmlns:a16="http://schemas.microsoft.com/office/drawing/2014/main" id="{42D3F457-D3D2-067B-4E7B-545B644EB5F8}"/>
+                <a16:creationId xmlns:a16="http://schemas.microsoft.com/office/drawing/2014/main" id="{E33ECDCB-98F7-2C9F-A58D-678AD1809680}"/>
               </a:ext>
             </a:extLst>
           </p:cNvPr>
@@ -8721,50 +9120,24 @@
             <p:ph type="title"/>
           </p:nvPr>
         </p:nvSpPr>
-        <p:spPr>
-          <a:xfrm>
-            <a:off x="5156616" y="2065301"/>
-            <a:ext cx="6739809" cy="3627304"/>
-          </a:xfrm>
-        </p:spPr>
+        <p:spPr/>
         <p:txBody>
           <a:bodyPr>
             <a:noAutofit/>
           </a:bodyPr>
           <a:lstStyle/>
           <a:p>
-            <a:pPr algn="l">
-              <a:lnSpc>
-                <a:spcPct val="50000"/>
-              </a:lnSpc>
-            </a:pPr>
-            <a:r>
-              <a:rPr lang="it-IT" sz="14000" dirty="0" err="1">
-                <a:ln>
+            <a:r>
+              <a:rPr lang="it-IT" sz="4400" dirty="0">
+                <a:ln w="9525" cmpd="sng">
                   <a:solidFill>
                     <a:schemeClr val="tx1">
                       <a:alpha val="30000"/>
                     </a:schemeClr>
                   </a:solidFill>
                 </a:ln>
-                <a:latin typeface="ThaleahFat" panose="02000603000000000000" pitchFamily="2" charset="0"/>
-                <a:ea typeface="ThaleahFat" panose="02000603000000000000" pitchFamily="2" charset="0"/>
               </a:rPr>
-              <a:t>MACCHINe</a:t>
-            </a:r>
-            <a:r>
-              <a:rPr lang="it-IT" sz="14000" dirty="0">
-                <a:ln>
-                  <a:solidFill>
-                    <a:schemeClr val="tx1">
-                      <a:alpha val="30000"/>
-                    </a:schemeClr>
-                  </a:solidFill>
-                </a:ln>
-                <a:latin typeface="ThaleahFat" panose="02000603000000000000" pitchFamily="2" charset="0"/>
-                <a:ea typeface="ThaleahFat" panose="02000603000000000000" pitchFamily="2" charset="0"/>
-              </a:rPr>
-              <a:t> A STATI</a:t>
+              <a:t>Vettori come segmenti orientati</a:t>
             </a:r>
           </a:p>
         </p:txBody>
@@ -8774,23 +9147,18 @@
           <p:cNvPr id="3" name="Segnaposto contenuto 2">
             <a:extLst>
               <a:ext uri="{FF2B5EF4-FFF2-40B4-BE49-F238E27FC236}">
-                <a16:creationId xmlns:a16="http://schemas.microsoft.com/office/drawing/2014/main" id="{45127A0D-A4D9-EDFC-94C4-93B9B7FDC002}"/>
-              </a:ext>
-            </a:extLst>
-          </p:cNvPr>
-          <p:cNvSpPr>
-            <a:spLocks noGrp="1"/>
-          </p:cNvSpPr>
-          <p:nvPr>
-            <p:ph type="body" sz="quarter" idx="13"/>
-          </p:nvPr>
-        </p:nvSpPr>
-        <p:spPr>
-          <a:xfrm>
-            <a:off x="1364745" y="1229929"/>
-            <a:ext cx="2835936" cy="4637984"/>
-          </a:xfrm>
-        </p:spPr>
+                <a16:creationId xmlns:a16="http://schemas.microsoft.com/office/drawing/2014/main" id="{08AE2889-1CA5-7401-8A3E-0AC41581480F}"/>
+              </a:ext>
+            </a:extLst>
+          </p:cNvPr>
+          <p:cNvSpPr>
+            <a:spLocks noGrp="1"/>
+          </p:cNvSpPr>
+          <p:nvPr>
+            <p:ph idx="1"/>
+          </p:nvPr>
+        </p:nvSpPr>
+        <p:spPr/>
         <p:txBody>
           <a:bodyPr>
             <a:noAutofit/>
@@ -8801,17 +9169,131 @@
               <a:buNone/>
             </a:pPr>
             <a:r>
-              <a:rPr lang="it-IT" sz="33000" dirty="0">
-                <a:ln>
-                  <a:solidFill>
-                    <a:schemeClr val="tx1">
-                      <a:alpha val="30000"/>
-                    </a:schemeClr>
-                  </a:solidFill>
-                </a:ln>
-                <a:latin typeface="04b" panose="00000400000000000000" pitchFamily="2" charset="0"/>
+              <a:rPr lang="it-IT" sz="3000" dirty="0"/>
+              <a:t>In uno spazio a due dimensioni (piano </a:t>
+            </a:r>
+            <a:r>
+              <a:rPr lang="it-IT" sz="3000" dirty="0" err="1"/>
+              <a:t>x,y</a:t>
+            </a:r>
+            <a:r>
+              <a:rPr lang="it-IT" sz="3000" dirty="0"/>
+              <a:t>) un vettore può essere dunque immaginato come un segmento orientato al quale è assegnato</a:t>
+            </a:r>
+          </a:p>
+          <a:p>
+            <a:r>
+              <a:rPr lang="it-IT" sz="3000" dirty="0"/>
+              <a:t>un </a:t>
+            </a:r>
+            <a:r>
+              <a:rPr lang="it-IT" sz="3000" dirty="0">
+                <a:solidFill>
+                  <a:srgbClr val="FF9933"/>
+                </a:solidFill>
               </a:rPr>
-              <a:t>4</a:t>
+              <a:t>modulo</a:t>
+            </a:r>
+            <a:r>
+              <a:rPr lang="it-IT" sz="3000" dirty="0"/>
+              <a:t> (intensità, norma o lunghezza)</a:t>
+            </a:r>
+          </a:p>
+          <a:p>
+            <a:r>
+              <a:rPr lang="it-IT" sz="3000" dirty="0"/>
+              <a:t>una </a:t>
+            </a:r>
+            <a:r>
+              <a:rPr lang="it-IT" sz="3000" dirty="0">
+                <a:solidFill>
+                  <a:srgbClr val="FF9933"/>
+                </a:solidFill>
+              </a:rPr>
+              <a:t>direzione</a:t>
+            </a:r>
+          </a:p>
+          <a:p>
+            <a:r>
+              <a:rPr lang="it-IT" sz="3000" dirty="0"/>
+              <a:t>un </a:t>
+            </a:r>
+            <a:r>
+              <a:rPr lang="it-IT" sz="3000" dirty="0">
+                <a:solidFill>
+                  <a:srgbClr val="FF9933"/>
+                </a:solidFill>
+              </a:rPr>
+              <a:t>verso</a:t>
+            </a:r>
+            <a:endParaRPr lang="it-IT" sz="3000" dirty="0"/>
+          </a:p>
+        </p:txBody>
+      </p:sp>
+      <p:sp>
+        <p:nvSpPr>
+          <p:cNvPr id="8" name="Segnaposto testo 3">
+            <a:extLst>
+              <a:ext uri="{FF2B5EF4-FFF2-40B4-BE49-F238E27FC236}">
+                <a16:creationId xmlns:a16="http://schemas.microsoft.com/office/drawing/2014/main" id="{3B2C3E9E-C94A-E210-68E7-45ED510C7F97}"/>
+              </a:ext>
+            </a:extLst>
+          </p:cNvPr>
+          <p:cNvSpPr>
+            <a:spLocks noGrp="1"/>
+          </p:cNvSpPr>
+          <p:nvPr>
+            <p:ph type="body" sz="quarter" idx="10"/>
+          </p:nvPr>
+        </p:nvSpPr>
+        <p:spPr>
+          <a:xfrm>
+            <a:off x="9358750" y="119978"/>
+            <a:ext cx="356589" cy="436970"/>
+          </a:xfrm>
+        </p:spPr>
+        <p:txBody>
+          <a:bodyPr/>
+          <a:lstStyle/>
+          <a:p>
+            <a:r>
+              <a:rPr lang="it-IT" dirty="0"/>
+              <a:t>2</a:t>
+            </a:r>
+          </a:p>
+        </p:txBody>
+      </p:sp>
+      <p:sp>
+        <p:nvSpPr>
+          <p:cNvPr id="9" name="Segnaposto testo 4">
+            <a:extLst>
+              <a:ext uri="{FF2B5EF4-FFF2-40B4-BE49-F238E27FC236}">
+                <a16:creationId xmlns:a16="http://schemas.microsoft.com/office/drawing/2014/main" id="{982B1378-FBD1-DCB8-AA9B-AE99BF8A217A}"/>
+              </a:ext>
+            </a:extLst>
+          </p:cNvPr>
+          <p:cNvSpPr>
+            <a:spLocks noGrp="1"/>
+          </p:cNvSpPr>
+          <p:nvPr>
+            <p:ph type="body" sz="quarter" idx="11"/>
+          </p:nvPr>
+        </p:nvSpPr>
+        <p:spPr>
+          <a:xfrm>
+            <a:off x="9691997" y="134968"/>
+            <a:ext cx="2152357" cy="436970"/>
+          </a:xfrm>
+        </p:spPr>
+        <p:txBody>
+          <a:bodyPr>
+            <a:normAutofit fontScale="92500" lnSpcReduction="10000"/>
+          </a:bodyPr>
+          <a:lstStyle/>
+          <a:p>
+            <a:r>
+              <a:rPr lang="it-IT" dirty="0"/>
+              <a:t>VETTORI</a:t>
             </a:r>
           </a:p>
         </p:txBody>
@@ -8819,7 +9301,7 @@
     </p:spTree>
     <p:extLst>
       <p:ext uri="{BB962C8B-B14F-4D97-AF65-F5344CB8AC3E}">
-        <p14:creationId xmlns:p14="http://schemas.microsoft.com/office/powerpoint/2010/main" val="1074923493"/>
+        <p14:creationId xmlns:p14="http://schemas.microsoft.com/office/powerpoint/2010/main" val="3569212101"/>
       </p:ext>
     </p:extLst>
   </p:cSld>
@@ -9095,7 +9577,7 @@
         <p:cNvPr id="1" name="">
           <a:extLst>
             <a:ext uri="{FF2B5EF4-FFF2-40B4-BE49-F238E27FC236}">
-              <a16:creationId xmlns:a16="http://schemas.microsoft.com/office/drawing/2014/main" id="{5FE49464-060F-E6E0-49F2-94967421C4D6}"/>
+              <a16:creationId xmlns:a16="http://schemas.microsoft.com/office/drawing/2014/main" id="{2C79DDFB-A247-1C7B-34E0-CBE11B98AB16}"/>
             </a:ext>
           </a:extLst>
         </p:cNvPr>
@@ -9112,10 +9594,93 @@
       </p:grpSpPr>
       <p:sp>
         <p:nvSpPr>
+          <p:cNvPr id="2" name="Titolo 1">
+            <a:extLst>
+              <a:ext uri="{FF2B5EF4-FFF2-40B4-BE49-F238E27FC236}">
+                <a16:creationId xmlns:a16="http://schemas.microsoft.com/office/drawing/2014/main" id="{23F2C68D-30E2-6497-F9AF-FCF46D36C5FF}"/>
+              </a:ext>
+            </a:extLst>
+          </p:cNvPr>
+          <p:cNvSpPr>
+            <a:spLocks noGrp="1"/>
+          </p:cNvSpPr>
+          <p:nvPr>
+            <p:ph type="title"/>
+          </p:nvPr>
+        </p:nvSpPr>
+        <p:spPr/>
+        <p:txBody>
+          <a:bodyPr>
+            <a:noAutofit/>
+          </a:bodyPr>
+          <a:lstStyle/>
+          <a:p>
+            <a:r>
+              <a:rPr lang="it-IT" sz="4400" dirty="0">
+                <a:ln w="9525" cmpd="sng">
+                  <a:solidFill>
+                    <a:schemeClr val="tx1">
+                      <a:alpha val="30000"/>
+                    </a:schemeClr>
+                  </a:solidFill>
+                </a:ln>
+              </a:rPr>
+              <a:t>Vettori come segmenti orientati</a:t>
+            </a:r>
+          </a:p>
+        </p:txBody>
+      </p:sp>
+      <p:sp>
+        <p:nvSpPr>
+          <p:cNvPr id="3" name="Segnaposto contenuto 2">
+            <a:extLst>
+              <a:ext uri="{FF2B5EF4-FFF2-40B4-BE49-F238E27FC236}">
+                <a16:creationId xmlns:a16="http://schemas.microsoft.com/office/drawing/2014/main" id="{E9F00C6C-97C5-0824-660A-986C201E947B}"/>
+              </a:ext>
+            </a:extLst>
+          </p:cNvPr>
+          <p:cNvSpPr>
+            <a:spLocks noGrp="1"/>
+          </p:cNvSpPr>
+          <p:nvPr>
+            <p:ph idx="1"/>
+          </p:nvPr>
+        </p:nvSpPr>
+        <p:spPr/>
+        <p:txBody>
+          <a:bodyPr>
+            <a:noAutofit/>
+          </a:bodyPr>
+          <a:lstStyle/>
+          <a:p>
+            <a:pPr marL="0" indent="0">
+              <a:buNone/>
+            </a:pPr>
+            <a:r>
+              <a:rPr lang="it-IT" sz="3000" dirty="0"/>
+              <a:t>Il punto da cui "ha origine" un vettore è detto </a:t>
+            </a:r>
+            <a:r>
+              <a:rPr lang="it-IT" sz="3000" dirty="0">
+                <a:solidFill>
+                  <a:srgbClr val="FF9933"/>
+                </a:solidFill>
+              </a:rPr>
+              <a:t>punto di applicazione</a:t>
+            </a:r>
+            <a:r>
+              <a:rPr lang="it-IT" sz="3000" dirty="0"/>
+              <a:t>.</a:t>
+            </a:r>
+          </a:p>
+        </p:txBody>
+      </p:sp>
+      <p:sp>
+        <p:nvSpPr>
           <p:cNvPr id="8" name="Segnaposto testo 3">
             <a:extLst>
               <a:ext uri="{FF2B5EF4-FFF2-40B4-BE49-F238E27FC236}">
-                <a16:creationId xmlns:a16="http://schemas.microsoft.com/office/drawing/2014/main" id="{C6077BFE-9536-34E6-BF0C-30972F5FAA7F}"/>
+                <a16:creationId xmlns:a16="http://schemas.microsoft.com/office/drawing/2014/main" id="{98934348-B64A-B80B-54F4-6E60DC81A229}"/>
               </a:ext>
             </a:extLst>
           </p:cNvPr>
@@ -9128,7 +9693,7 @@
         </p:nvSpPr>
         <p:spPr>
           <a:xfrm>
-            <a:off x="9305186" y="64940"/>
+            <a:off x="9358750" y="119978"/>
             <a:ext cx="356589" cy="436970"/>
           </a:xfrm>
         </p:spPr>
@@ -9138,17 +9703,17 @@
           <a:p>
             <a:r>
               <a:rPr lang="it-IT" dirty="0"/>
-              <a:t>4</a:t>
-            </a:r>
-          </a:p>
-        </p:txBody>
-      </p:sp>
-      <p:sp>
-        <p:nvSpPr>
-          <p:cNvPr id="10" name="Segnaposto testo 4">
-            <a:extLst>
-              <a:ext uri="{FF2B5EF4-FFF2-40B4-BE49-F238E27FC236}">
-                <a16:creationId xmlns:a16="http://schemas.microsoft.com/office/drawing/2014/main" id="{402EBA03-2BAD-E68D-CF5B-F4AD5D825C2D}"/>
+              <a:t>2</a:t>
+            </a:r>
+          </a:p>
+        </p:txBody>
+      </p:sp>
+      <p:sp>
+        <p:nvSpPr>
+          <p:cNvPr id="9" name="Segnaposto testo 4">
+            <a:extLst>
+              <a:ext uri="{FF2B5EF4-FFF2-40B4-BE49-F238E27FC236}">
+                <a16:creationId xmlns:a16="http://schemas.microsoft.com/office/drawing/2014/main" id="{955281F1-6B76-C6BC-9F9E-8052A38866D7}"/>
               </a:ext>
             </a:extLst>
           </p:cNvPr>
@@ -9159,62 +9724,29 @@
             <p:ph type="body" sz="quarter" idx="11"/>
           </p:nvPr>
         </p:nvSpPr>
-        <p:spPr/>
+        <p:spPr>
+          <a:xfrm>
+            <a:off x="9691997" y="134968"/>
+            <a:ext cx="2152357" cy="436970"/>
+          </a:xfrm>
+        </p:spPr>
         <p:txBody>
           <a:bodyPr>
-            <a:normAutofit fontScale="77500" lnSpcReduction="20000"/>
+            <a:normAutofit fontScale="92500" lnSpcReduction="10000"/>
           </a:bodyPr>
           <a:lstStyle/>
           <a:p>
             <a:r>
               <a:rPr lang="it-IT" dirty="0"/>
-              <a:t>Macchine a stati</a:t>
-            </a:r>
-          </a:p>
-        </p:txBody>
-      </p:sp>
-      <p:pic>
-        <p:nvPicPr>
-          <p:cNvPr id="6" name="Immagine 5" descr="Immagine che contiene diagramma, schizzo, linea, testo&#10;&#10;Il contenuto generato dall'IA potrebbe non essere corretto.">
-            <a:extLst>
-              <a:ext uri="{FF2B5EF4-FFF2-40B4-BE49-F238E27FC236}">
-                <a16:creationId xmlns:a16="http://schemas.microsoft.com/office/drawing/2014/main" id="{6CBD9459-7B84-F2E4-E622-504DECB827C1}"/>
-              </a:ext>
-            </a:extLst>
-          </p:cNvPr>
-          <p:cNvPicPr>
-            <a:picLocks noChangeAspect="1"/>
-          </p:cNvPicPr>
-          <p:nvPr/>
-        </p:nvPicPr>
-        <p:blipFill>
-          <a:blip r:embed="rId2">
-            <a:extLst>
-              <a:ext uri="{28A0092B-C50C-407E-A947-70E740481C1C}">
-                <a14:useLocalDpi xmlns:a14="http://schemas.microsoft.com/office/drawing/2010/main" val="0"/>
-              </a:ext>
-            </a:extLst>
-          </a:blip>
-          <a:stretch>
-            <a:fillRect/>
-          </a:stretch>
-        </p:blipFill>
-        <p:spPr>
-          <a:xfrm>
-            <a:off x="1099175" y="1111540"/>
-            <a:ext cx="9993650" cy="4634920"/>
-          </a:xfrm>
-          <a:prstGeom prst="roundRect">
-            <a:avLst>
-              <a:gd name="adj" fmla="val 5994"/>
-            </a:avLst>
-          </a:prstGeom>
-        </p:spPr>
-      </p:pic>
+              <a:t>VETTORI</a:t>
+            </a:r>
+          </a:p>
+        </p:txBody>
+      </p:sp>
     </p:spTree>
     <p:extLst>
       <p:ext uri="{BB962C8B-B14F-4D97-AF65-F5344CB8AC3E}">
-        <p14:creationId xmlns:p14="http://schemas.microsoft.com/office/powerpoint/2010/main" val="3276950991"/>
+        <p14:creationId xmlns:p14="http://schemas.microsoft.com/office/powerpoint/2010/main" val="1755599697"/>
       </p:ext>
     </p:extLst>
   </p:cSld>
@@ -9244,7 +9776,7 @@
         <p:cNvPr id="1" name="">
           <a:extLst>
             <a:ext uri="{FF2B5EF4-FFF2-40B4-BE49-F238E27FC236}">
-              <a16:creationId xmlns:a16="http://schemas.microsoft.com/office/drawing/2014/main" id="{D37365EA-5500-B432-BE26-37AC6E513D3A}"/>
+              <a16:creationId xmlns:a16="http://schemas.microsoft.com/office/drawing/2014/main" id="{EFAD5D60-2C49-6B7A-1E8E-1C275E6782B8}"/>
             </a:ext>
           </a:extLst>
         </p:cNvPr>
@@ -9259,99 +9791,108 @@
           <a:chExt cx="0" cy="0"/>
         </a:xfrm>
       </p:grpSpPr>
-      <p:sp>
-        <p:nvSpPr>
-          <p:cNvPr id="2" name="Titolo 1">
-            <a:extLst>
-              <a:ext uri="{FF2B5EF4-FFF2-40B4-BE49-F238E27FC236}">
-                <a16:creationId xmlns:a16="http://schemas.microsoft.com/office/drawing/2014/main" id="{BDBA6FB5-9796-B798-3257-A42F6ECC877E}"/>
-              </a:ext>
-            </a:extLst>
-          </p:cNvPr>
-          <p:cNvSpPr>
-            <a:spLocks noGrp="1"/>
-          </p:cNvSpPr>
-          <p:nvPr>
-            <p:ph type="title"/>
-          </p:nvPr>
-        </p:nvSpPr>
-        <p:spPr>
-          <a:xfrm>
-            <a:off x="5576341" y="2065301"/>
-            <a:ext cx="6320084" cy="3627304"/>
+      <p:pic>
+        <p:nvPicPr>
+          <p:cNvPr id="3" name="Immagine 2" descr="Immagine che contiene linea, diagramma, testo, Diagramma&#10;&#10;Il contenuto generato dall'IA potrebbe non essere corretto.">
+            <a:extLst>
+              <a:ext uri="{FF2B5EF4-FFF2-40B4-BE49-F238E27FC236}">
+                <a16:creationId xmlns:a16="http://schemas.microsoft.com/office/drawing/2014/main" id="{2B993BAA-3B1F-7BB6-65A6-5919E55FBDAA}"/>
+              </a:ext>
+            </a:extLst>
+          </p:cNvPr>
+          <p:cNvPicPr>
+            <a:picLocks noChangeAspect="1"/>
+          </p:cNvPicPr>
+          <p:nvPr/>
+        </p:nvPicPr>
+        <p:blipFill>
+          <a:blip r:embed="rId2">
+            <a:extLst>
+              <a:ext uri="{28A0092B-C50C-407E-A947-70E740481C1C}">
+                <a14:useLocalDpi xmlns:a14="http://schemas.microsoft.com/office/drawing/2010/main" val="0"/>
+              </a:ext>
+            </a:extLst>
+          </a:blip>
+          <a:stretch>
+            <a:fillRect/>
+          </a:stretch>
+        </p:blipFill>
+        <p:spPr>
+          <a:xfrm>
+            <a:off x="2006729" y="982252"/>
+            <a:ext cx="8178541" cy="5164165"/>
+          </a:xfrm>
+          <a:prstGeom prst="roundRect">
+            <a:avLst>
+              <a:gd name="adj" fmla="val 5786"/>
+            </a:avLst>
+          </a:prstGeom>
+        </p:spPr>
+      </p:pic>
+      <p:sp>
+        <p:nvSpPr>
+          <p:cNvPr id="7" name="Segnaposto testo 3">
+            <a:extLst>
+              <a:ext uri="{FF2B5EF4-FFF2-40B4-BE49-F238E27FC236}">
+                <a16:creationId xmlns:a16="http://schemas.microsoft.com/office/drawing/2014/main" id="{6A4E1217-E44E-4B93-131F-EF27499F8DE6}"/>
+              </a:ext>
+            </a:extLst>
+          </p:cNvPr>
+          <p:cNvSpPr>
+            <a:spLocks noGrp="1"/>
+          </p:cNvSpPr>
+          <p:nvPr>
+            <p:ph type="body" sz="quarter" idx="10"/>
+          </p:nvPr>
+        </p:nvSpPr>
+        <p:spPr>
+          <a:xfrm>
+            <a:off x="9358750" y="119978"/>
+            <a:ext cx="356589" cy="436970"/>
+          </a:xfrm>
+        </p:spPr>
+        <p:txBody>
+          <a:bodyPr/>
+          <a:lstStyle/>
+          <a:p>
+            <a:r>
+              <a:rPr lang="it-IT" dirty="0"/>
+              <a:t>2</a:t>
+            </a:r>
+          </a:p>
+        </p:txBody>
+      </p:sp>
+      <p:sp>
+        <p:nvSpPr>
+          <p:cNvPr id="9" name="Segnaposto testo 4">
+            <a:extLst>
+              <a:ext uri="{FF2B5EF4-FFF2-40B4-BE49-F238E27FC236}">
+                <a16:creationId xmlns:a16="http://schemas.microsoft.com/office/drawing/2014/main" id="{2AFA88B9-78F9-3B96-EB79-DCB13800013E}"/>
+              </a:ext>
+            </a:extLst>
+          </p:cNvPr>
+          <p:cNvSpPr>
+            <a:spLocks noGrp="1"/>
+          </p:cNvSpPr>
+          <p:nvPr>
+            <p:ph type="body" sz="quarter" idx="11"/>
+          </p:nvPr>
+        </p:nvSpPr>
+        <p:spPr>
+          <a:xfrm>
+            <a:off x="9691997" y="134968"/>
+            <a:ext cx="2152357" cy="436970"/>
           </a:xfrm>
         </p:spPr>
         <p:txBody>
           <a:bodyPr>
-            <a:noAutofit/>
+            <a:normAutofit fontScale="92500" lnSpcReduction="10000"/>
           </a:bodyPr>
           <a:lstStyle/>
           <a:p>
-            <a:pPr algn="l">
-              <a:lnSpc>
-                <a:spcPct val="50000"/>
-              </a:lnSpc>
-            </a:pPr>
-            <a:r>
-              <a:rPr lang="it-IT" sz="14000" dirty="0">
-                <a:ln>
-                  <a:solidFill>
-                    <a:schemeClr val="tx1">
-                      <a:alpha val="30000"/>
-                    </a:schemeClr>
-                  </a:solidFill>
-                </a:ln>
-                <a:latin typeface="ThaleahFat" panose="02000603000000000000" pitchFamily="2" charset="0"/>
-                <a:ea typeface="ThaleahFat" panose="02000603000000000000" pitchFamily="2" charset="0"/>
-              </a:rPr>
-              <a:t>ARRAY</a:t>
-            </a:r>
-          </a:p>
-        </p:txBody>
-      </p:sp>
-      <p:sp>
-        <p:nvSpPr>
-          <p:cNvPr id="3" name="Segnaposto contenuto 2">
-            <a:extLst>
-              <a:ext uri="{FF2B5EF4-FFF2-40B4-BE49-F238E27FC236}">
-                <a16:creationId xmlns:a16="http://schemas.microsoft.com/office/drawing/2014/main" id="{31F07CA5-E157-8FA7-47C7-B54E4869C304}"/>
-              </a:ext>
-            </a:extLst>
-          </p:cNvPr>
-          <p:cNvSpPr>
-            <a:spLocks noGrp="1"/>
-          </p:cNvSpPr>
-          <p:nvPr>
-            <p:ph type="body" sz="quarter" idx="13"/>
-          </p:nvPr>
-        </p:nvSpPr>
-        <p:spPr>
-          <a:xfrm>
-            <a:off x="1814450" y="1229929"/>
-            <a:ext cx="2835936" cy="4637984"/>
-          </a:xfrm>
-        </p:spPr>
-        <p:txBody>
-          <a:bodyPr>
-            <a:noAutofit/>
-          </a:bodyPr>
-          <a:lstStyle/>
-          <a:p>
-            <a:pPr marL="0" indent="0">
-              <a:buNone/>
-            </a:pPr>
-            <a:r>
-              <a:rPr lang="it-IT" sz="33000" dirty="0">
-                <a:ln>
-                  <a:solidFill>
-                    <a:schemeClr val="tx1">
-                      <a:alpha val="30000"/>
-                    </a:schemeClr>
-                  </a:solidFill>
-                </a:ln>
-                <a:latin typeface="04b" panose="00000400000000000000" pitchFamily="2" charset="0"/>
-              </a:rPr>
-              <a:t>5</a:t>
+            <a:r>
+              <a:rPr lang="it-IT" dirty="0"/>
+              <a:t>VETTORI</a:t>
             </a:r>
           </a:p>
         </p:txBody>
@@ -9359,7 +9900,7 @@
     </p:spTree>
     <p:extLst>
       <p:ext uri="{BB962C8B-B14F-4D97-AF65-F5344CB8AC3E}">
-        <p14:creationId xmlns:p14="http://schemas.microsoft.com/office/powerpoint/2010/main" val="2182934117"/>
+        <p14:creationId xmlns:p14="http://schemas.microsoft.com/office/powerpoint/2010/main" val="1611436615"/>
       </p:ext>
     </p:extLst>
   </p:cSld>
@@ -9389,7 +9930,7 @@
         <p:cNvPr id="1" name="">
           <a:extLst>
             <a:ext uri="{FF2B5EF4-FFF2-40B4-BE49-F238E27FC236}">
-              <a16:creationId xmlns:a16="http://schemas.microsoft.com/office/drawing/2014/main" id="{10BF40C9-E702-0520-D7D1-FC675AE5D858}"/>
+              <a16:creationId xmlns:a16="http://schemas.microsoft.com/office/drawing/2014/main" id="{FC4719C9-DD04-AC04-5DA5-F31B11602D1B}"/>
             </a:ext>
           </a:extLst>
         </p:cNvPr>
@@ -9406,109 +9947,105 @@
       </p:grpSpPr>
       <p:sp>
         <p:nvSpPr>
-          <p:cNvPr id="8" name="Segnaposto testo 3">
-            <a:extLst>
-              <a:ext uri="{FF2B5EF4-FFF2-40B4-BE49-F238E27FC236}">
-                <a16:creationId xmlns:a16="http://schemas.microsoft.com/office/drawing/2014/main" id="{77EC6555-B94A-BDA2-2055-59A4C77C587A}"/>
-              </a:ext>
-            </a:extLst>
-          </p:cNvPr>
-          <p:cNvSpPr>
-            <a:spLocks noGrp="1"/>
-          </p:cNvSpPr>
-          <p:nvPr>
-            <p:ph type="body" sz="quarter" idx="10"/>
-          </p:nvPr>
-        </p:nvSpPr>
-        <p:spPr>
-          <a:xfrm>
-            <a:off x="9350156" y="124900"/>
-            <a:ext cx="356589" cy="436970"/>
-          </a:xfrm>
-        </p:spPr>
-        <p:txBody>
-          <a:bodyPr/>
-          <a:lstStyle/>
-          <a:p>
-            <a:r>
-              <a:rPr lang="it-IT" dirty="0"/>
-              <a:t>5</a:t>
-            </a:r>
-          </a:p>
-        </p:txBody>
-      </p:sp>
-      <p:sp>
-        <p:nvSpPr>
-          <p:cNvPr id="10" name="Segnaposto testo 4">
-            <a:extLst>
-              <a:ext uri="{FF2B5EF4-FFF2-40B4-BE49-F238E27FC236}">
-                <a16:creationId xmlns:a16="http://schemas.microsoft.com/office/drawing/2014/main" id="{B160D713-69A8-CED5-C40C-A3571ED1E1CC}"/>
-              </a:ext>
-            </a:extLst>
-          </p:cNvPr>
-          <p:cNvSpPr>
-            <a:spLocks noGrp="1"/>
-          </p:cNvSpPr>
-          <p:nvPr>
-            <p:ph type="body" sz="quarter" idx="11"/>
-          </p:nvPr>
-        </p:nvSpPr>
-        <p:spPr/>
+          <p:cNvPr id="2" name="Titolo 1">
+            <a:extLst>
+              <a:ext uri="{FF2B5EF4-FFF2-40B4-BE49-F238E27FC236}">
+                <a16:creationId xmlns:a16="http://schemas.microsoft.com/office/drawing/2014/main" id="{D794C4A1-4C30-8DB2-1D89-B5180F73B9D1}"/>
+              </a:ext>
+            </a:extLst>
+          </p:cNvPr>
+          <p:cNvSpPr>
+            <a:spLocks noGrp="1"/>
+          </p:cNvSpPr>
+          <p:nvPr>
+            <p:ph type="title"/>
+          </p:nvPr>
+        </p:nvSpPr>
+        <p:spPr>
+          <a:xfrm>
+            <a:off x="5576341" y="2065301"/>
+            <a:ext cx="6320084" cy="3627304"/>
+          </a:xfrm>
+        </p:spPr>
         <p:txBody>
           <a:bodyPr>
-            <a:normAutofit fontScale="92500" lnSpcReduction="10000"/>
+            <a:noAutofit/>
           </a:bodyPr>
           <a:lstStyle/>
           <a:p>
-            <a:r>
-              <a:rPr lang="it-IT" dirty="0"/>
-              <a:t>ARRAY</a:t>
-            </a:r>
-          </a:p>
-        </p:txBody>
-      </p:sp>
-      <p:pic>
-        <p:nvPicPr>
-          <p:cNvPr id="3" name="Immagine 2" descr="Immagine che contiene testo, Carattere, diagramma, linea&#10;&#10;Il contenuto generato dall'IA potrebbe non essere corretto.">
-            <a:extLst>
-              <a:ext uri="{FF2B5EF4-FFF2-40B4-BE49-F238E27FC236}">
-                <a16:creationId xmlns:a16="http://schemas.microsoft.com/office/drawing/2014/main" id="{94C927DB-BA94-8D38-3616-CA42F4F26F77}"/>
-              </a:ext>
-            </a:extLst>
-          </p:cNvPr>
-          <p:cNvPicPr>
-            <a:picLocks noChangeAspect="1"/>
-          </p:cNvPicPr>
-          <p:nvPr/>
-        </p:nvPicPr>
-        <p:blipFill>
-          <a:blip r:embed="rId2">
-            <a:extLst>
-              <a:ext uri="{28A0092B-C50C-407E-A947-70E740481C1C}">
-                <a14:useLocalDpi xmlns:a14="http://schemas.microsoft.com/office/drawing/2010/main" val="0"/>
-              </a:ext>
-            </a:extLst>
-          </a:blip>
-          <a:stretch>
-            <a:fillRect/>
-          </a:stretch>
-        </p:blipFill>
-        <p:spPr>
-          <a:xfrm>
-            <a:off x="592111" y="1827368"/>
-            <a:ext cx="11007777" cy="3203263"/>
-          </a:xfrm>
-          <a:prstGeom prst="roundRect">
-            <a:avLst>
-              <a:gd name="adj" fmla="val 7776"/>
-            </a:avLst>
-          </a:prstGeom>
-        </p:spPr>
-      </p:pic>
+            <a:pPr algn="l">
+              <a:lnSpc>
+                <a:spcPct val="50000"/>
+              </a:lnSpc>
+            </a:pPr>
+            <a:r>
+              <a:rPr lang="it-IT" sz="14000" dirty="0">
+                <a:ln>
+                  <a:solidFill>
+                    <a:schemeClr val="tx1">
+                      <a:alpha val="30000"/>
+                    </a:schemeClr>
+                  </a:solidFill>
+                </a:ln>
+                <a:latin typeface="ThaleahFat" panose="02000603000000000000" pitchFamily="2" charset="0"/>
+                <a:ea typeface="ThaleahFat" panose="02000603000000000000" pitchFamily="2" charset="0"/>
+              </a:rPr>
+              <a:t>INPUT VECTOR</a:t>
+            </a:r>
+          </a:p>
+        </p:txBody>
+      </p:sp>
+      <p:sp>
+        <p:nvSpPr>
+          <p:cNvPr id="3" name="Segnaposto contenuto 2">
+            <a:extLst>
+              <a:ext uri="{FF2B5EF4-FFF2-40B4-BE49-F238E27FC236}">
+                <a16:creationId xmlns:a16="http://schemas.microsoft.com/office/drawing/2014/main" id="{28C50089-44DA-D404-E8A6-2C09F8249247}"/>
+              </a:ext>
+            </a:extLst>
+          </p:cNvPr>
+          <p:cNvSpPr>
+            <a:spLocks noGrp="1"/>
+          </p:cNvSpPr>
+          <p:nvPr>
+            <p:ph type="body" sz="quarter" idx="13"/>
+          </p:nvPr>
+        </p:nvSpPr>
+        <p:spPr>
+          <a:xfrm>
+            <a:off x="1814450" y="1229929"/>
+            <a:ext cx="2835936" cy="4637984"/>
+          </a:xfrm>
+        </p:spPr>
+        <p:txBody>
+          <a:bodyPr>
+            <a:noAutofit/>
+          </a:bodyPr>
+          <a:lstStyle/>
+          <a:p>
+            <a:pPr marL="0" indent="0">
+              <a:buNone/>
+            </a:pPr>
+            <a:r>
+              <a:rPr lang="it-IT" sz="33000" dirty="0">
+                <a:ln>
+                  <a:solidFill>
+                    <a:schemeClr val="tx1">
+                      <a:alpha val="30000"/>
+                    </a:schemeClr>
+                  </a:solidFill>
+                </a:ln>
+                <a:latin typeface="04b" panose="00000400000000000000" pitchFamily="2" charset="0"/>
+              </a:rPr>
+              <a:t>3</a:t>
+            </a:r>
+          </a:p>
+        </p:txBody>
+      </p:sp>
     </p:spTree>
     <p:extLst>
       <p:ext uri="{BB962C8B-B14F-4D97-AF65-F5344CB8AC3E}">
-        <p14:creationId xmlns:p14="http://schemas.microsoft.com/office/powerpoint/2010/main" val="663979444"/>
+        <p14:creationId xmlns:p14="http://schemas.microsoft.com/office/powerpoint/2010/main" val="2138970845"/>
       </p:ext>
     </p:extLst>
   </p:cSld>
@@ -9538,7 +10075,7 @@
         <p:cNvPr id="1" name="">
           <a:extLst>
             <a:ext uri="{FF2B5EF4-FFF2-40B4-BE49-F238E27FC236}">
-              <a16:creationId xmlns:a16="http://schemas.microsoft.com/office/drawing/2014/main" id="{2ABCCE7A-8104-4711-6B06-91FC58FCA0BA}"/>
+              <a16:creationId xmlns:a16="http://schemas.microsoft.com/office/drawing/2014/main" id="{713A10CF-FBA3-BB94-BA6F-DE69A14E2D36}"/>
             </a:ext>
           </a:extLst>
         </p:cNvPr>
@@ -9555,105 +10092,109 @@
       </p:grpSpPr>
       <p:sp>
         <p:nvSpPr>
-          <p:cNvPr id="2" name="Titolo 1">
-            <a:extLst>
-              <a:ext uri="{FF2B5EF4-FFF2-40B4-BE49-F238E27FC236}">
-                <a16:creationId xmlns:a16="http://schemas.microsoft.com/office/drawing/2014/main" id="{B0DEB7D7-92EC-F448-26F7-42EC71FC8E9A}"/>
-              </a:ext>
-            </a:extLst>
-          </p:cNvPr>
-          <p:cNvSpPr>
-            <a:spLocks noGrp="1"/>
-          </p:cNvSpPr>
-          <p:nvPr>
-            <p:ph type="title"/>
-          </p:nvPr>
-        </p:nvSpPr>
-        <p:spPr>
-          <a:xfrm>
-            <a:off x="5711251" y="2065301"/>
-            <a:ext cx="6185173" cy="3627304"/>
-          </a:xfrm>
-        </p:spPr>
+          <p:cNvPr id="8" name="Segnaposto testo 3">
+            <a:extLst>
+              <a:ext uri="{FF2B5EF4-FFF2-40B4-BE49-F238E27FC236}">
+                <a16:creationId xmlns:a16="http://schemas.microsoft.com/office/drawing/2014/main" id="{45F0E347-DFC0-12F4-BF37-50FAF6EB5A11}"/>
+              </a:ext>
+            </a:extLst>
+          </p:cNvPr>
+          <p:cNvSpPr>
+            <a:spLocks noGrp="1"/>
+          </p:cNvSpPr>
+          <p:nvPr>
+            <p:ph type="body" sz="quarter" idx="10"/>
+          </p:nvPr>
+        </p:nvSpPr>
+        <p:spPr>
+          <a:xfrm>
+            <a:off x="9365146" y="124900"/>
+            <a:ext cx="356589" cy="436970"/>
+          </a:xfrm>
+        </p:spPr>
+        <p:txBody>
+          <a:bodyPr/>
+          <a:lstStyle/>
+          <a:p>
+            <a:r>
+              <a:rPr lang="it-IT" dirty="0"/>
+              <a:t>3</a:t>
+            </a:r>
+          </a:p>
+        </p:txBody>
+      </p:sp>
+      <p:sp>
+        <p:nvSpPr>
+          <p:cNvPr id="10" name="Segnaposto testo 4">
+            <a:extLst>
+              <a:ext uri="{FF2B5EF4-FFF2-40B4-BE49-F238E27FC236}">
+                <a16:creationId xmlns:a16="http://schemas.microsoft.com/office/drawing/2014/main" id="{73B5EFD1-9137-39A4-CD51-CE39F60DC3B5}"/>
+              </a:ext>
+            </a:extLst>
+          </p:cNvPr>
+          <p:cNvSpPr>
+            <a:spLocks noGrp="1"/>
+          </p:cNvSpPr>
+          <p:nvPr>
+            <p:ph type="body" sz="quarter" idx="11"/>
+          </p:nvPr>
+        </p:nvSpPr>
+        <p:spPr/>
         <p:txBody>
           <a:bodyPr>
-            <a:noAutofit/>
+            <a:normAutofit fontScale="92500" lnSpcReduction="10000"/>
           </a:bodyPr>
           <a:lstStyle/>
           <a:p>
-            <a:pPr algn="l">
-              <a:lnSpc>
-                <a:spcPct val="50000"/>
-              </a:lnSpc>
-            </a:pPr>
-            <a:r>
-              <a:rPr lang="it-IT" sz="14000" dirty="0">
-                <a:ln>
-                  <a:solidFill>
-                    <a:schemeClr val="tx1">
-                      <a:alpha val="30000"/>
-                    </a:schemeClr>
-                  </a:solidFill>
-                </a:ln>
-                <a:latin typeface="ThaleahFat" panose="02000603000000000000" pitchFamily="2" charset="0"/>
-                <a:ea typeface="ThaleahFat" panose="02000603000000000000" pitchFamily="2" charset="0"/>
-              </a:rPr>
-              <a:t>attacco</a:t>
-            </a:r>
-          </a:p>
-        </p:txBody>
-      </p:sp>
-      <p:sp>
-        <p:nvSpPr>
-          <p:cNvPr id="3" name="Segnaposto contenuto 2">
-            <a:extLst>
-              <a:ext uri="{FF2B5EF4-FFF2-40B4-BE49-F238E27FC236}">
-                <a16:creationId xmlns:a16="http://schemas.microsoft.com/office/drawing/2014/main" id="{7A016416-6042-81BD-8106-96540DCE61EC}"/>
-              </a:ext>
-            </a:extLst>
-          </p:cNvPr>
-          <p:cNvSpPr>
-            <a:spLocks noGrp="1"/>
-          </p:cNvSpPr>
-          <p:nvPr>
-            <p:ph type="body" sz="quarter" idx="13"/>
-          </p:nvPr>
-        </p:nvSpPr>
-        <p:spPr>
-          <a:xfrm>
-            <a:off x="1814450" y="1229929"/>
-            <a:ext cx="2835936" cy="4637984"/>
-          </a:xfrm>
-        </p:spPr>
-        <p:txBody>
-          <a:bodyPr>
-            <a:noAutofit/>
-          </a:bodyPr>
-          <a:lstStyle/>
-          <a:p>
-            <a:pPr marL="0" indent="0">
-              <a:buNone/>
-            </a:pPr>
-            <a:r>
-              <a:rPr lang="it-IT" sz="33000" dirty="0">
-                <a:ln>
-                  <a:solidFill>
-                    <a:schemeClr val="tx1">
-                      <a:alpha val="30000"/>
-                    </a:schemeClr>
-                  </a:solidFill>
-                </a:ln>
-                <a:latin typeface="04b" panose="00000400000000000000" pitchFamily="2" charset="0"/>
-              </a:rPr>
-              <a:t>6</a:t>
-            </a:r>
-          </a:p>
-        </p:txBody>
-      </p:sp>
+            <a:r>
+              <a:rPr lang="it-IT" dirty="0"/>
+              <a:t>INPUT VECTOR</a:t>
+            </a:r>
+          </a:p>
+        </p:txBody>
+      </p:sp>
+      <p:pic>
+        <p:nvPicPr>
+          <p:cNvPr id="6" name="Immagine 5" descr="Immagine che contiene linea, diagramma, Parallelo&#10;&#10;Il contenuto generato dall'IA potrebbe non essere corretto.">
+            <a:extLst>
+              <a:ext uri="{FF2B5EF4-FFF2-40B4-BE49-F238E27FC236}">
+                <a16:creationId xmlns:a16="http://schemas.microsoft.com/office/drawing/2014/main" id="{35BBCD5D-F3FB-90B7-B2CD-DCB0397DEE5F}"/>
+              </a:ext>
+            </a:extLst>
+          </p:cNvPr>
+          <p:cNvPicPr>
+            <a:picLocks noChangeAspect="1"/>
+          </p:cNvPicPr>
+          <p:nvPr/>
+        </p:nvPicPr>
+        <p:blipFill>
+          <a:blip r:embed="rId2">
+            <a:extLst>
+              <a:ext uri="{28A0092B-C50C-407E-A947-70E740481C1C}">
+                <a14:useLocalDpi xmlns:a14="http://schemas.microsoft.com/office/drawing/2010/main" val="0"/>
+              </a:ext>
+            </a:extLst>
+          </a:blip>
+          <a:stretch>
+            <a:fillRect/>
+          </a:stretch>
+        </p:blipFill>
+        <p:spPr>
+          <a:xfrm>
+            <a:off x="3011427" y="678589"/>
+            <a:ext cx="6169145" cy="5500821"/>
+          </a:xfrm>
+          <a:prstGeom prst="roundRect">
+            <a:avLst>
+              <a:gd name="adj" fmla="val 5973"/>
+            </a:avLst>
+          </a:prstGeom>
+        </p:spPr>
+      </p:pic>
     </p:spTree>
     <p:extLst>
       <p:ext uri="{BB962C8B-B14F-4D97-AF65-F5344CB8AC3E}">
-        <p14:creationId xmlns:p14="http://schemas.microsoft.com/office/powerpoint/2010/main" val="2155888833"/>
+        <p14:creationId xmlns:p14="http://schemas.microsoft.com/office/powerpoint/2010/main" val="1058402182"/>
       </p:ext>
     </p:extLst>
   </p:cSld>
@@ -9683,7 +10224,7 @@
         <p:cNvPr id="1" name="">
           <a:extLst>
             <a:ext uri="{FF2B5EF4-FFF2-40B4-BE49-F238E27FC236}">
-              <a16:creationId xmlns:a16="http://schemas.microsoft.com/office/drawing/2014/main" id="{5D43D1F5-C7D8-CDBC-BF25-EA60312417FE}"/>
+              <a16:creationId xmlns:a16="http://schemas.microsoft.com/office/drawing/2014/main" id="{1F1C7AE8-B963-AA10-F6B3-CDCEBF22DB3A}"/>
             </a:ext>
           </a:extLst>
         </p:cNvPr>
@@ -9703,7 +10244,7 @@
           <p:cNvPr id="8" name="Segnaposto testo 3">
             <a:extLst>
               <a:ext uri="{FF2B5EF4-FFF2-40B4-BE49-F238E27FC236}">
-                <a16:creationId xmlns:a16="http://schemas.microsoft.com/office/drawing/2014/main" id="{E1D70E12-68F4-D04A-43C6-9FAD49924078}"/>
+                <a16:creationId xmlns:a16="http://schemas.microsoft.com/office/drawing/2014/main" id="{334A72B0-9421-7264-C75D-84295B882136}"/>
               </a:ext>
             </a:extLst>
           </p:cNvPr>
@@ -9716,7 +10257,7 @@
         </p:nvSpPr>
         <p:spPr>
           <a:xfrm>
-            <a:off x="9305186" y="64940"/>
+            <a:off x="9365146" y="124900"/>
             <a:ext cx="356589" cy="436970"/>
           </a:xfrm>
         </p:spPr>
@@ -9726,7 +10267,7 @@
           <a:p>
             <a:r>
               <a:rPr lang="it-IT" dirty="0"/>
-              <a:t>6</a:t>
+              <a:t>3</a:t>
             </a:r>
           </a:p>
         </p:txBody>
@@ -9736,7 +10277,7 @@
           <p:cNvPr id="10" name="Segnaposto testo 4">
             <a:extLst>
               <a:ext uri="{FF2B5EF4-FFF2-40B4-BE49-F238E27FC236}">
-                <a16:creationId xmlns:a16="http://schemas.microsoft.com/office/drawing/2014/main" id="{020054E1-50F3-17ED-601C-2A0EAE80BFBE}"/>
+                <a16:creationId xmlns:a16="http://schemas.microsoft.com/office/drawing/2014/main" id="{957CC31F-63C2-7435-2CFA-1C04A239609A}"/>
               </a:ext>
             </a:extLst>
           </p:cNvPr>
@@ -9756,17 +10297,17 @@
           <a:p>
             <a:r>
               <a:rPr lang="it-IT" dirty="0"/>
-              <a:t>attacco</a:t>
+              <a:t>INPUT VECTOR</a:t>
             </a:r>
           </a:p>
         </p:txBody>
       </p:sp>
       <p:pic>
         <p:nvPicPr>
-          <p:cNvPr id="2" name="Immagine 1">
-            <a:extLst>
-              <a:ext uri="{FF2B5EF4-FFF2-40B4-BE49-F238E27FC236}">
-                <a16:creationId xmlns:a16="http://schemas.microsoft.com/office/drawing/2014/main" id="{1BB61A26-65A4-C89C-985C-B58CD0B886C1}"/>
+          <p:cNvPr id="6" name="Immagine 5">
+            <a:extLst>
+              <a:ext uri="{FF2B5EF4-FFF2-40B4-BE49-F238E27FC236}">
+                <a16:creationId xmlns:a16="http://schemas.microsoft.com/office/drawing/2014/main" id="{F08FBFD0-31E5-0F8E-8FE2-1245063D2220}"/>
               </a:ext>
             </a:extLst>
           </p:cNvPr>
@@ -9788,12 +10329,12 @@
         </p:blipFill>
         <p:spPr>
           <a:xfrm>
-            <a:off x="1099175" y="1111540"/>
-            <a:ext cx="9993650" cy="4634920"/>
+            <a:off x="3011427" y="678589"/>
+            <a:ext cx="6169145" cy="5500821"/>
           </a:xfrm>
           <a:prstGeom prst="roundRect">
             <a:avLst>
-              <a:gd name="adj" fmla="val 5994"/>
+              <a:gd name="adj" fmla="val 5973"/>
             </a:avLst>
           </a:prstGeom>
         </p:spPr>
@@ -9801,7 +10342,7 @@
     </p:spTree>
     <p:extLst>
       <p:ext uri="{BB962C8B-B14F-4D97-AF65-F5344CB8AC3E}">
-        <p14:creationId xmlns:p14="http://schemas.microsoft.com/office/powerpoint/2010/main" val="2262487947"/>
+        <p14:creationId xmlns:p14="http://schemas.microsoft.com/office/powerpoint/2010/main" val="3327217461"/>
       </p:ext>
     </p:extLst>
   </p:cSld>
@@ -9831,6 +10372,3973 @@
         <p:cNvPr id="1" name="">
           <a:extLst>
             <a:ext uri="{FF2B5EF4-FFF2-40B4-BE49-F238E27FC236}">
+              <a16:creationId xmlns:a16="http://schemas.microsoft.com/office/drawing/2014/main" id="{1C64E921-3C22-F5D1-E419-A4B493E4A989}"/>
+            </a:ext>
+          </a:extLst>
+        </p:cNvPr>
+        <p:cNvGrpSpPr/>
+        <p:nvPr/>
+      </p:nvGrpSpPr>
+      <p:grpSpPr>
+        <a:xfrm>
+          <a:off x="0" y="0"/>
+          <a:ext cx="0" cy="0"/>
+          <a:chOff x="0" y="0"/>
+          <a:chExt cx="0" cy="0"/>
+        </a:xfrm>
+      </p:grpSpPr>
+      <p:sp>
+        <p:nvSpPr>
+          <p:cNvPr id="8" name="Segnaposto testo 3">
+            <a:extLst>
+              <a:ext uri="{FF2B5EF4-FFF2-40B4-BE49-F238E27FC236}">
+                <a16:creationId xmlns:a16="http://schemas.microsoft.com/office/drawing/2014/main" id="{AE1CE6C1-C086-96D0-2D29-F52452DF6453}"/>
+              </a:ext>
+            </a:extLst>
+          </p:cNvPr>
+          <p:cNvSpPr>
+            <a:spLocks noGrp="1"/>
+          </p:cNvSpPr>
+          <p:nvPr>
+            <p:ph type="body" sz="quarter" idx="10"/>
+          </p:nvPr>
+        </p:nvSpPr>
+        <p:spPr>
+          <a:xfrm>
+            <a:off x="9365146" y="124900"/>
+            <a:ext cx="356589" cy="436970"/>
+          </a:xfrm>
+        </p:spPr>
+        <p:txBody>
+          <a:bodyPr/>
+          <a:lstStyle/>
+          <a:p>
+            <a:r>
+              <a:rPr lang="it-IT" dirty="0"/>
+              <a:t>3</a:t>
+            </a:r>
+          </a:p>
+        </p:txBody>
+      </p:sp>
+      <p:sp>
+        <p:nvSpPr>
+          <p:cNvPr id="10" name="Segnaposto testo 4">
+            <a:extLst>
+              <a:ext uri="{FF2B5EF4-FFF2-40B4-BE49-F238E27FC236}">
+                <a16:creationId xmlns:a16="http://schemas.microsoft.com/office/drawing/2014/main" id="{117D1856-DB68-9352-BF85-B3E277C45E5C}"/>
+              </a:ext>
+            </a:extLst>
+          </p:cNvPr>
+          <p:cNvSpPr>
+            <a:spLocks noGrp="1"/>
+          </p:cNvSpPr>
+          <p:nvPr>
+            <p:ph type="body" sz="quarter" idx="11"/>
+          </p:nvPr>
+        </p:nvSpPr>
+        <p:spPr/>
+        <p:txBody>
+          <a:bodyPr>
+            <a:normAutofit fontScale="92500" lnSpcReduction="10000"/>
+          </a:bodyPr>
+          <a:lstStyle/>
+          <a:p>
+            <a:r>
+              <a:rPr lang="it-IT" dirty="0"/>
+              <a:t>INPUT VECTOR</a:t>
+            </a:r>
+          </a:p>
+        </p:txBody>
+      </p:sp>
+      <p:pic>
+        <p:nvPicPr>
+          <p:cNvPr id="6" name="Immagine 5">
+            <a:extLst>
+              <a:ext uri="{FF2B5EF4-FFF2-40B4-BE49-F238E27FC236}">
+                <a16:creationId xmlns:a16="http://schemas.microsoft.com/office/drawing/2014/main" id="{36D73839-1B36-F861-EDA9-E0D7707FD15B}"/>
+              </a:ext>
+            </a:extLst>
+          </p:cNvPr>
+          <p:cNvPicPr>
+            <a:picLocks noChangeAspect="1"/>
+          </p:cNvPicPr>
+          <p:nvPr/>
+        </p:nvPicPr>
+        <p:blipFill>
+          <a:blip r:embed="rId2">
+            <a:extLst>
+              <a:ext uri="{28A0092B-C50C-407E-A947-70E740481C1C}">
+                <a14:useLocalDpi xmlns:a14="http://schemas.microsoft.com/office/drawing/2010/main" val="0"/>
+              </a:ext>
+            </a:extLst>
+          </a:blip>
+          <a:srcRect/>
+          <a:stretch/>
+        </p:blipFill>
+        <p:spPr>
+          <a:xfrm>
+            <a:off x="3011427" y="678589"/>
+            <a:ext cx="6169145" cy="5500821"/>
+          </a:xfrm>
+          <a:prstGeom prst="roundRect">
+            <a:avLst>
+              <a:gd name="adj" fmla="val 5973"/>
+            </a:avLst>
+          </a:prstGeom>
+        </p:spPr>
+      </p:pic>
+    </p:spTree>
+    <p:extLst>
+      <p:ext uri="{BB962C8B-B14F-4D97-AF65-F5344CB8AC3E}">
+        <p14:creationId xmlns:p14="http://schemas.microsoft.com/office/powerpoint/2010/main" val="200187995"/>
+      </p:ext>
+    </p:extLst>
+  </p:cSld>
+  <p:clrMapOvr>
+    <a:masterClrMapping/>
+  </p:clrMapOvr>
+  <mc:AlternateContent xmlns:mc="http://schemas.openxmlformats.org/markup-compatibility/2006" xmlns:p14="http://schemas.microsoft.com/office/powerpoint/2010/main">
+    <mc:Choice Requires="p14">
+      <p:transition spd="med" p14:dur="700">
+        <p:fade/>
+      </p:transition>
+    </mc:Choice>
+    <mc:Fallback xmlns="">
+      <p:transition spd="med">
+        <p:fade/>
+      </p:transition>
+    </mc:Fallback>
+  </mc:AlternateContent>
+</p:sld>
+</file>
+
+<file path=ppt/slides/slide26.xml><?xml version="1.0" encoding="utf-8"?>
+<p:sld xmlns:a="http://schemas.openxmlformats.org/drawingml/2006/main" xmlns:r="http://schemas.openxmlformats.org/officeDocument/2006/relationships" xmlns:p="http://schemas.openxmlformats.org/presentationml/2006/main">
+  <p:cSld>
+    <p:spTree>
+      <p:nvGrpSpPr>
+        <p:cNvPr id="1" name="">
+          <a:extLst>
+            <a:ext uri="{FF2B5EF4-FFF2-40B4-BE49-F238E27FC236}">
+              <a16:creationId xmlns:a16="http://schemas.microsoft.com/office/drawing/2014/main" id="{CC0E06F2-9C75-A5EA-353F-A4A08F5C2BDB}"/>
+            </a:ext>
+          </a:extLst>
+        </p:cNvPr>
+        <p:cNvGrpSpPr/>
+        <p:nvPr/>
+      </p:nvGrpSpPr>
+      <p:grpSpPr>
+        <a:xfrm>
+          <a:off x="0" y="0"/>
+          <a:ext cx="0" cy="0"/>
+          <a:chOff x="0" y="0"/>
+          <a:chExt cx="0" cy="0"/>
+        </a:xfrm>
+      </p:grpSpPr>
+      <p:sp>
+        <p:nvSpPr>
+          <p:cNvPr id="8" name="Segnaposto testo 3">
+            <a:extLst>
+              <a:ext uri="{FF2B5EF4-FFF2-40B4-BE49-F238E27FC236}">
+                <a16:creationId xmlns:a16="http://schemas.microsoft.com/office/drawing/2014/main" id="{5FD4988D-894C-18B2-CC03-E33069EE6E41}"/>
+              </a:ext>
+            </a:extLst>
+          </p:cNvPr>
+          <p:cNvSpPr>
+            <a:spLocks noGrp="1"/>
+          </p:cNvSpPr>
+          <p:nvPr>
+            <p:ph type="body" sz="quarter" idx="10"/>
+          </p:nvPr>
+        </p:nvSpPr>
+        <p:spPr>
+          <a:xfrm>
+            <a:off x="9365146" y="124900"/>
+            <a:ext cx="356589" cy="436970"/>
+          </a:xfrm>
+        </p:spPr>
+        <p:txBody>
+          <a:bodyPr/>
+          <a:lstStyle/>
+          <a:p>
+            <a:r>
+              <a:rPr lang="it-IT" dirty="0"/>
+              <a:t>3</a:t>
+            </a:r>
+          </a:p>
+        </p:txBody>
+      </p:sp>
+      <p:sp>
+        <p:nvSpPr>
+          <p:cNvPr id="10" name="Segnaposto testo 4">
+            <a:extLst>
+              <a:ext uri="{FF2B5EF4-FFF2-40B4-BE49-F238E27FC236}">
+                <a16:creationId xmlns:a16="http://schemas.microsoft.com/office/drawing/2014/main" id="{B3B7D4D8-1E44-50A5-6DBD-917105FA2249}"/>
+              </a:ext>
+            </a:extLst>
+          </p:cNvPr>
+          <p:cNvSpPr>
+            <a:spLocks noGrp="1"/>
+          </p:cNvSpPr>
+          <p:nvPr>
+            <p:ph type="body" sz="quarter" idx="11"/>
+          </p:nvPr>
+        </p:nvSpPr>
+        <p:spPr/>
+        <p:txBody>
+          <a:bodyPr>
+            <a:normAutofit fontScale="92500" lnSpcReduction="10000"/>
+          </a:bodyPr>
+          <a:lstStyle/>
+          <a:p>
+            <a:r>
+              <a:rPr lang="it-IT" dirty="0"/>
+              <a:t>INPUT VECTOR</a:t>
+            </a:r>
+          </a:p>
+        </p:txBody>
+      </p:sp>
+      <p:pic>
+        <p:nvPicPr>
+          <p:cNvPr id="6" name="Immagine 5">
+            <a:extLst>
+              <a:ext uri="{FF2B5EF4-FFF2-40B4-BE49-F238E27FC236}">
+                <a16:creationId xmlns:a16="http://schemas.microsoft.com/office/drawing/2014/main" id="{922B767E-B9D6-D520-8B62-C23C2DA7D5BB}"/>
+              </a:ext>
+            </a:extLst>
+          </p:cNvPr>
+          <p:cNvPicPr>
+            <a:picLocks noChangeAspect="1"/>
+          </p:cNvPicPr>
+          <p:nvPr/>
+        </p:nvPicPr>
+        <p:blipFill>
+          <a:blip r:embed="rId2">
+            <a:extLst>
+              <a:ext uri="{28A0092B-C50C-407E-A947-70E740481C1C}">
+                <a14:useLocalDpi xmlns:a14="http://schemas.microsoft.com/office/drawing/2010/main" val="0"/>
+              </a:ext>
+            </a:extLst>
+          </a:blip>
+          <a:srcRect/>
+          <a:stretch/>
+        </p:blipFill>
+        <p:spPr>
+          <a:xfrm>
+            <a:off x="3011427" y="678589"/>
+            <a:ext cx="6169145" cy="5500821"/>
+          </a:xfrm>
+          <a:prstGeom prst="roundRect">
+            <a:avLst>
+              <a:gd name="adj" fmla="val 5973"/>
+            </a:avLst>
+          </a:prstGeom>
+        </p:spPr>
+      </p:pic>
+    </p:spTree>
+    <p:extLst>
+      <p:ext uri="{BB962C8B-B14F-4D97-AF65-F5344CB8AC3E}">
+        <p14:creationId xmlns:p14="http://schemas.microsoft.com/office/powerpoint/2010/main" val="4124662192"/>
+      </p:ext>
+    </p:extLst>
+  </p:cSld>
+  <p:clrMapOvr>
+    <a:masterClrMapping/>
+  </p:clrMapOvr>
+  <mc:AlternateContent xmlns:mc="http://schemas.openxmlformats.org/markup-compatibility/2006" xmlns:p14="http://schemas.microsoft.com/office/powerpoint/2010/main">
+    <mc:Choice Requires="p14">
+      <p:transition spd="med" p14:dur="700">
+        <p:fade/>
+      </p:transition>
+    </mc:Choice>
+    <mc:Fallback xmlns="">
+      <p:transition spd="med">
+        <p:fade/>
+      </p:transition>
+    </mc:Fallback>
+  </mc:AlternateContent>
+</p:sld>
+</file>
+
+<file path=ppt/slides/slide27.xml><?xml version="1.0" encoding="utf-8"?>
+<p:sld xmlns:a="http://schemas.openxmlformats.org/drawingml/2006/main" xmlns:r="http://schemas.openxmlformats.org/officeDocument/2006/relationships" xmlns:p="http://schemas.openxmlformats.org/presentationml/2006/main">
+  <p:cSld>
+    <p:spTree>
+      <p:nvGrpSpPr>
+        <p:cNvPr id="1" name="">
+          <a:extLst>
+            <a:ext uri="{FF2B5EF4-FFF2-40B4-BE49-F238E27FC236}">
+              <a16:creationId xmlns:a16="http://schemas.microsoft.com/office/drawing/2014/main" id="{5C4C06AC-20DB-FEE3-8F15-761C95E6BC72}"/>
+            </a:ext>
+          </a:extLst>
+        </p:cNvPr>
+        <p:cNvGrpSpPr/>
+        <p:nvPr/>
+      </p:nvGrpSpPr>
+      <p:grpSpPr>
+        <a:xfrm>
+          <a:off x="0" y="0"/>
+          <a:ext cx="0" cy="0"/>
+          <a:chOff x="0" y="0"/>
+          <a:chExt cx="0" cy="0"/>
+        </a:xfrm>
+      </p:grpSpPr>
+      <p:sp>
+        <p:nvSpPr>
+          <p:cNvPr id="8" name="Segnaposto testo 3">
+            <a:extLst>
+              <a:ext uri="{FF2B5EF4-FFF2-40B4-BE49-F238E27FC236}">
+                <a16:creationId xmlns:a16="http://schemas.microsoft.com/office/drawing/2014/main" id="{0D4C27FA-40C1-D3E4-993E-8B17B4161935}"/>
+              </a:ext>
+            </a:extLst>
+          </p:cNvPr>
+          <p:cNvSpPr>
+            <a:spLocks noGrp="1"/>
+          </p:cNvSpPr>
+          <p:nvPr>
+            <p:ph type="body" sz="quarter" idx="10"/>
+          </p:nvPr>
+        </p:nvSpPr>
+        <p:spPr>
+          <a:xfrm>
+            <a:off x="9365146" y="124900"/>
+            <a:ext cx="356589" cy="436970"/>
+          </a:xfrm>
+        </p:spPr>
+        <p:txBody>
+          <a:bodyPr/>
+          <a:lstStyle/>
+          <a:p>
+            <a:r>
+              <a:rPr lang="it-IT" dirty="0"/>
+              <a:t>3</a:t>
+            </a:r>
+          </a:p>
+        </p:txBody>
+      </p:sp>
+      <p:sp>
+        <p:nvSpPr>
+          <p:cNvPr id="10" name="Segnaposto testo 4">
+            <a:extLst>
+              <a:ext uri="{FF2B5EF4-FFF2-40B4-BE49-F238E27FC236}">
+                <a16:creationId xmlns:a16="http://schemas.microsoft.com/office/drawing/2014/main" id="{B13D0173-C023-FFFC-3AFB-F46F8542290A}"/>
+              </a:ext>
+            </a:extLst>
+          </p:cNvPr>
+          <p:cNvSpPr>
+            <a:spLocks noGrp="1"/>
+          </p:cNvSpPr>
+          <p:nvPr>
+            <p:ph type="body" sz="quarter" idx="11"/>
+          </p:nvPr>
+        </p:nvSpPr>
+        <p:spPr/>
+        <p:txBody>
+          <a:bodyPr>
+            <a:normAutofit fontScale="92500" lnSpcReduction="10000"/>
+          </a:bodyPr>
+          <a:lstStyle/>
+          <a:p>
+            <a:r>
+              <a:rPr lang="it-IT" dirty="0"/>
+              <a:t>INPUT VECTOR</a:t>
+            </a:r>
+          </a:p>
+        </p:txBody>
+      </p:sp>
+      <p:pic>
+        <p:nvPicPr>
+          <p:cNvPr id="6" name="Immagine 5">
+            <a:extLst>
+              <a:ext uri="{FF2B5EF4-FFF2-40B4-BE49-F238E27FC236}">
+                <a16:creationId xmlns:a16="http://schemas.microsoft.com/office/drawing/2014/main" id="{A688CB55-1F9C-D90F-78F4-FC7781EB3356}"/>
+              </a:ext>
+            </a:extLst>
+          </p:cNvPr>
+          <p:cNvPicPr>
+            <a:picLocks noChangeAspect="1"/>
+          </p:cNvPicPr>
+          <p:nvPr/>
+        </p:nvPicPr>
+        <p:blipFill>
+          <a:blip r:embed="rId2">
+            <a:extLst>
+              <a:ext uri="{28A0092B-C50C-407E-A947-70E740481C1C}">
+                <a14:useLocalDpi xmlns:a14="http://schemas.microsoft.com/office/drawing/2010/main" val="0"/>
+              </a:ext>
+            </a:extLst>
+          </a:blip>
+          <a:srcRect/>
+          <a:stretch/>
+        </p:blipFill>
+        <p:spPr>
+          <a:xfrm>
+            <a:off x="3011427" y="678589"/>
+            <a:ext cx="6169145" cy="5500821"/>
+          </a:xfrm>
+          <a:prstGeom prst="roundRect">
+            <a:avLst>
+              <a:gd name="adj" fmla="val 5973"/>
+            </a:avLst>
+          </a:prstGeom>
+        </p:spPr>
+      </p:pic>
+    </p:spTree>
+    <p:extLst>
+      <p:ext uri="{BB962C8B-B14F-4D97-AF65-F5344CB8AC3E}">
+        <p14:creationId xmlns:p14="http://schemas.microsoft.com/office/powerpoint/2010/main" val="4294210345"/>
+      </p:ext>
+    </p:extLst>
+  </p:cSld>
+  <p:clrMapOvr>
+    <a:masterClrMapping/>
+  </p:clrMapOvr>
+  <mc:AlternateContent xmlns:mc="http://schemas.openxmlformats.org/markup-compatibility/2006" xmlns:p14="http://schemas.microsoft.com/office/powerpoint/2010/main">
+    <mc:Choice Requires="p14">
+      <p:transition spd="med" p14:dur="700">
+        <p:fade/>
+      </p:transition>
+    </mc:Choice>
+    <mc:Fallback xmlns="">
+      <p:transition spd="med">
+        <p:fade/>
+      </p:transition>
+    </mc:Fallback>
+  </mc:AlternateContent>
+</p:sld>
+</file>
+
+<file path=ppt/slides/slide28.xml><?xml version="1.0" encoding="utf-8"?>
+<p:sld xmlns:a="http://schemas.openxmlformats.org/drawingml/2006/main" xmlns:r="http://schemas.openxmlformats.org/officeDocument/2006/relationships" xmlns:p="http://schemas.openxmlformats.org/presentationml/2006/main">
+  <p:cSld>
+    <p:spTree>
+      <p:nvGrpSpPr>
+        <p:cNvPr id="1" name="">
+          <a:extLst>
+            <a:ext uri="{FF2B5EF4-FFF2-40B4-BE49-F238E27FC236}">
+              <a16:creationId xmlns:a16="http://schemas.microsoft.com/office/drawing/2014/main" id="{9ADC5AC9-5857-383C-2A98-8ED7A2576245}"/>
+            </a:ext>
+          </a:extLst>
+        </p:cNvPr>
+        <p:cNvGrpSpPr/>
+        <p:nvPr/>
+      </p:nvGrpSpPr>
+      <p:grpSpPr>
+        <a:xfrm>
+          <a:off x="0" y="0"/>
+          <a:ext cx="0" cy="0"/>
+          <a:chOff x="0" y="0"/>
+          <a:chExt cx="0" cy="0"/>
+        </a:xfrm>
+      </p:grpSpPr>
+      <p:sp>
+        <p:nvSpPr>
+          <p:cNvPr id="8" name="Segnaposto testo 3">
+            <a:extLst>
+              <a:ext uri="{FF2B5EF4-FFF2-40B4-BE49-F238E27FC236}">
+                <a16:creationId xmlns:a16="http://schemas.microsoft.com/office/drawing/2014/main" id="{9B326DBA-CED8-5631-E7B1-F1FA34F16BD4}"/>
+              </a:ext>
+            </a:extLst>
+          </p:cNvPr>
+          <p:cNvSpPr>
+            <a:spLocks noGrp="1"/>
+          </p:cNvSpPr>
+          <p:nvPr>
+            <p:ph type="body" sz="quarter" idx="10"/>
+          </p:nvPr>
+        </p:nvSpPr>
+        <p:spPr>
+          <a:xfrm>
+            <a:off x="9365146" y="124900"/>
+            <a:ext cx="356589" cy="436970"/>
+          </a:xfrm>
+        </p:spPr>
+        <p:txBody>
+          <a:bodyPr/>
+          <a:lstStyle/>
+          <a:p>
+            <a:r>
+              <a:rPr lang="it-IT" dirty="0"/>
+              <a:t>3</a:t>
+            </a:r>
+          </a:p>
+        </p:txBody>
+      </p:sp>
+      <p:sp>
+        <p:nvSpPr>
+          <p:cNvPr id="10" name="Segnaposto testo 4">
+            <a:extLst>
+              <a:ext uri="{FF2B5EF4-FFF2-40B4-BE49-F238E27FC236}">
+                <a16:creationId xmlns:a16="http://schemas.microsoft.com/office/drawing/2014/main" id="{BC2D0996-0AB3-169E-B677-57A073016B20}"/>
+              </a:ext>
+            </a:extLst>
+          </p:cNvPr>
+          <p:cNvSpPr>
+            <a:spLocks noGrp="1"/>
+          </p:cNvSpPr>
+          <p:nvPr>
+            <p:ph type="body" sz="quarter" idx="11"/>
+          </p:nvPr>
+        </p:nvSpPr>
+        <p:spPr/>
+        <p:txBody>
+          <a:bodyPr>
+            <a:normAutofit fontScale="92500" lnSpcReduction="10000"/>
+          </a:bodyPr>
+          <a:lstStyle/>
+          <a:p>
+            <a:r>
+              <a:rPr lang="it-IT" dirty="0"/>
+              <a:t>INPUT VECTOR</a:t>
+            </a:r>
+          </a:p>
+        </p:txBody>
+      </p:sp>
+      <p:pic>
+        <p:nvPicPr>
+          <p:cNvPr id="6" name="Immagine 5">
+            <a:extLst>
+              <a:ext uri="{FF2B5EF4-FFF2-40B4-BE49-F238E27FC236}">
+                <a16:creationId xmlns:a16="http://schemas.microsoft.com/office/drawing/2014/main" id="{EBF50B17-B22C-C32F-F192-DC8310C098F8}"/>
+              </a:ext>
+            </a:extLst>
+          </p:cNvPr>
+          <p:cNvPicPr>
+            <a:picLocks noChangeAspect="1"/>
+          </p:cNvPicPr>
+          <p:nvPr/>
+        </p:nvPicPr>
+        <p:blipFill>
+          <a:blip r:embed="rId2">
+            <a:extLst>
+              <a:ext uri="{28A0092B-C50C-407E-A947-70E740481C1C}">
+                <a14:useLocalDpi xmlns:a14="http://schemas.microsoft.com/office/drawing/2010/main" val="0"/>
+              </a:ext>
+            </a:extLst>
+          </a:blip>
+          <a:srcRect/>
+          <a:stretch/>
+        </p:blipFill>
+        <p:spPr>
+          <a:xfrm>
+            <a:off x="3011427" y="678589"/>
+            <a:ext cx="6169145" cy="5500821"/>
+          </a:xfrm>
+          <a:prstGeom prst="roundRect">
+            <a:avLst>
+              <a:gd name="adj" fmla="val 5973"/>
+            </a:avLst>
+          </a:prstGeom>
+        </p:spPr>
+      </p:pic>
+    </p:spTree>
+    <p:extLst>
+      <p:ext uri="{BB962C8B-B14F-4D97-AF65-F5344CB8AC3E}">
+        <p14:creationId xmlns:p14="http://schemas.microsoft.com/office/powerpoint/2010/main" val="290908629"/>
+      </p:ext>
+    </p:extLst>
+  </p:cSld>
+  <p:clrMapOvr>
+    <a:masterClrMapping/>
+  </p:clrMapOvr>
+  <mc:AlternateContent xmlns:mc="http://schemas.openxmlformats.org/markup-compatibility/2006" xmlns:p14="http://schemas.microsoft.com/office/powerpoint/2010/main">
+    <mc:Choice Requires="p14">
+      <p:transition spd="med" p14:dur="700">
+        <p:fade/>
+      </p:transition>
+    </mc:Choice>
+    <mc:Fallback xmlns="">
+      <p:transition spd="med">
+        <p:fade/>
+      </p:transition>
+    </mc:Fallback>
+  </mc:AlternateContent>
+</p:sld>
+</file>
+
+<file path=ppt/slides/slide29.xml><?xml version="1.0" encoding="utf-8"?>
+<p:sld xmlns:a="http://schemas.openxmlformats.org/drawingml/2006/main" xmlns:r="http://schemas.openxmlformats.org/officeDocument/2006/relationships" xmlns:p="http://schemas.openxmlformats.org/presentationml/2006/main">
+  <p:cSld>
+    <p:spTree>
+      <p:nvGrpSpPr>
+        <p:cNvPr id="1" name="">
+          <a:extLst>
+            <a:ext uri="{FF2B5EF4-FFF2-40B4-BE49-F238E27FC236}">
+              <a16:creationId xmlns:a16="http://schemas.microsoft.com/office/drawing/2014/main" id="{1FED5880-0F06-57E2-828B-EFE80361F76C}"/>
+            </a:ext>
+          </a:extLst>
+        </p:cNvPr>
+        <p:cNvGrpSpPr/>
+        <p:nvPr/>
+      </p:nvGrpSpPr>
+      <p:grpSpPr>
+        <a:xfrm>
+          <a:off x="0" y="0"/>
+          <a:ext cx="0" cy="0"/>
+          <a:chOff x="0" y="0"/>
+          <a:chExt cx="0" cy="0"/>
+        </a:xfrm>
+      </p:grpSpPr>
+      <p:sp>
+        <p:nvSpPr>
+          <p:cNvPr id="8" name="Segnaposto testo 3">
+            <a:extLst>
+              <a:ext uri="{FF2B5EF4-FFF2-40B4-BE49-F238E27FC236}">
+                <a16:creationId xmlns:a16="http://schemas.microsoft.com/office/drawing/2014/main" id="{00169D88-9B2A-3850-AC77-CD8613C68287}"/>
+              </a:ext>
+            </a:extLst>
+          </p:cNvPr>
+          <p:cNvSpPr>
+            <a:spLocks noGrp="1"/>
+          </p:cNvSpPr>
+          <p:nvPr>
+            <p:ph type="body" sz="quarter" idx="10"/>
+          </p:nvPr>
+        </p:nvSpPr>
+        <p:spPr>
+          <a:xfrm>
+            <a:off x="9365146" y="124900"/>
+            <a:ext cx="356589" cy="436970"/>
+          </a:xfrm>
+        </p:spPr>
+        <p:txBody>
+          <a:bodyPr/>
+          <a:lstStyle/>
+          <a:p>
+            <a:r>
+              <a:rPr lang="it-IT" dirty="0"/>
+              <a:t>3</a:t>
+            </a:r>
+          </a:p>
+        </p:txBody>
+      </p:sp>
+      <p:sp>
+        <p:nvSpPr>
+          <p:cNvPr id="10" name="Segnaposto testo 4">
+            <a:extLst>
+              <a:ext uri="{FF2B5EF4-FFF2-40B4-BE49-F238E27FC236}">
+                <a16:creationId xmlns:a16="http://schemas.microsoft.com/office/drawing/2014/main" id="{AB2B0ABF-BCA3-B64B-A036-81B6CF3DD728}"/>
+              </a:ext>
+            </a:extLst>
+          </p:cNvPr>
+          <p:cNvSpPr>
+            <a:spLocks noGrp="1"/>
+          </p:cNvSpPr>
+          <p:nvPr>
+            <p:ph type="body" sz="quarter" idx="11"/>
+          </p:nvPr>
+        </p:nvSpPr>
+        <p:spPr/>
+        <p:txBody>
+          <a:bodyPr>
+            <a:normAutofit fontScale="92500" lnSpcReduction="10000"/>
+          </a:bodyPr>
+          <a:lstStyle/>
+          <a:p>
+            <a:r>
+              <a:rPr lang="it-IT" dirty="0"/>
+              <a:t>INPUT VECTOR</a:t>
+            </a:r>
+          </a:p>
+        </p:txBody>
+      </p:sp>
+      <p:pic>
+        <p:nvPicPr>
+          <p:cNvPr id="6" name="Immagine 5">
+            <a:extLst>
+              <a:ext uri="{FF2B5EF4-FFF2-40B4-BE49-F238E27FC236}">
+                <a16:creationId xmlns:a16="http://schemas.microsoft.com/office/drawing/2014/main" id="{9FB68FD5-6E24-CE27-17C2-585C993BA1EF}"/>
+              </a:ext>
+            </a:extLst>
+          </p:cNvPr>
+          <p:cNvPicPr>
+            <a:picLocks noChangeAspect="1"/>
+          </p:cNvPicPr>
+          <p:nvPr/>
+        </p:nvPicPr>
+        <p:blipFill>
+          <a:blip r:embed="rId2">
+            <a:extLst>
+              <a:ext uri="{28A0092B-C50C-407E-A947-70E740481C1C}">
+                <a14:useLocalDpi xmlns:a14="http://schemas.microsoft.com/office/drawing/2010/main" val="0"/>
+              </a:ext>
+            </a:extLst>
+          </a:blip>
+          <a:srcRect/>
+          <a:stretch/>
+        </p:blipFill>
+        <p:spPr>
+          <a:xfrm>
+            <a:off x="3011427" y="678589"/>
+            <a:ext cx="6169145" cy="5500821"/>
+          </a:xfrm>
+          <a:prstGeom prst="roundRect">
+            <a:avLst>
+              <a:gd name="adj" fmla="val 5973"/>
+            </a:avLst>
+          </a:prstGeom>
+        </p:spPr>
+      </p:pic>
+    </p:spTree>
+    <p:extLst>
+      <p:ext uri="{BB962C8B-B14F-4D97-AF65-F5344CB8AC3E}">
+        <p14:creationId xmlns:p14="http://schemas.microsoft.com/office/powerpoint/2010/main" val="1293787789"/>
+      </p:ext>
+    </p:extLst>
+  </p:cSld>
+  <p:clrMapOvr>
+    <a:masterClrMapping/>
+  </p:clrMapOvr>
+  <mc:AlternateContent xmlns:mc="http://schemas.openxmlformats.org/markup-compatibility/2006" xmlns:p14="http://schemas.microsoft.com/office/powerpoint/2010/main">
+    <mc:Choice Requires="p14">
+      <p:transition spd="med" p14:dur="700">
+        <p:fade/>
+      </p:transition>
+    </mc:Choice>
+    <mc:Fallback xmlns="">
+      <p:transition spd="med">
+        <p:fade/>
+      </p:transition>
+    </mc:Fallback>
+  </mc:AlternateContent>
+</p:sld>
+</file>
+
+<file path=ppt/slides/slide3.xml><?xml version="1.0" encoding="utf-8"?>
+<p:sld xmlns:a="http://schemas.openxmlformats.org/drawingml/2006/main" xmlns:r="http://schemas.openxmlformats.org/officeDocument/2006/relationships" xmlns:p="http://schemas.openxmlformats.org/presentationml/2006/main">
+  <p:cSld>
+    <p:spTree>
+      <p:nvGrpSpPr>
+        <p:cNvPr id="1" name="">
+          <a:extLst>
+            <a:ext uri="{FF2B5EF4-FFF2-40B4-BE49-F238E27FC236}">
+              <a16:creationId xmlns:a16="http://schemas.microsoft.com/office/drawing/2014/main" id="{2F3B9732-03DC-2A16-4A10-F88CC6F98F46}"/>
+            </a:ext>
+          </a:extLst>
+        </p:cNvPr>
+        <p:cNvGrpSpPr/>
+        <p:nvPr/>
+      </p:nvGrpSpPr>
+      <p:grpSpPr>
+        <a:xfrm>
+          <a:off x="0" y="0"/>
+          <a:ext cx="0" cy="0"/>
+          <a:chOff x="0" y="0"/>
+          <a:chExt cx="0" cy="0"/>
+        </a:xfrm>
+      </p:grpSpPr>
+      <p:sp>
+        <p:nvSpPr>
+          <p:cNvPr id="2" name="Titolo 1">
+            <a:extLst>
+              <a:ext uri="{FF2B5EF4-FFF2-40B4-BE49-F238E27FC236}">
+                <a16:creationId xmlns:a16="http://schemas.microsoft.com/office/drawing/2014/main" id="{81CC3DE5-2B5B-7D9E-4987-11D50EE3EF4B}"/>
+              </a:ext>
+            </a:extLst>
+          </p:cNvPr>
+          <p:cNvSpPr>
+            <a:spLocks noGrp="1"/>
+          </p:cNvSpPr>
+          <p:nvPr>
+            <p:ph type="title"/>
+          </p:nvPr>
+        </p:nvSpPr>
+        <p:spPr>
+          <a:xfrm>
+            <a:off x="4650386" y="2065301"/>
+            <a:ext cx="7246039" cy="3627304"/>
+          </a:xfrm>
+        </p:spPr>
+        <p:txBody>
+          <a:bodyPr>
+            <a:noAutofit/>
+          </a:bodyPr>
+          <a:lstStyle/>
+          <a:p>
+            <a:pPr algn="l">
+              <a:lnSpc>
+                <a:spcPct val="50000"/>
+              </a:lnSpc>
+            </a:pPr>
+            <a:r>
+              <a:rPr lang="it-IT" sz="14000" dirty="0">
+                <a:ln>
+                  <a:solidFill>
+                    <a:schemeClr val="tx1">
+                      <a:alpha val="30000"/>
+                    </a:schemeClr>
+                  </a:solidFill>
+                </a:ln>
+                <a:latin typeface="ThaleahFat" panose="02000603000000000000" pitchFamily="2" charset="0"/>
+                <a:ea typeface="ThaleahFat" panose="02000603000000000000" pitchFamily="2" charset="0"/>
+              </a:rPr>
+              <a:t>CLASSI</a:t>
+            </a:r>
+          </a:p>
+        </p:txBody>
+      </p:sp>
+      <p:sp>
+        <p:nvSpPr>
+          <p:cNvPr id="3" name="Segnaposto contenuto 2">
+            <a:extLst>
+              <a:ext uri="{FF2B5EF4-FFF2-40B4-BE49-F238E27FC236}">
+                <a16:creationId xmlns:a16="http://schemas.microsoft.com/office/drawing/2014/main" id="{68F32F5D-9650-8062-F4DC-244091D199D0}"/>
+              </a:ext>
+            </a:extLst>
+          </p:cNvPr>
+          <p:cNvSpPr>
+            <a:spLocks noGrp="1"/>
+          </p:cNvSpPr>
+          <p:nvPr>
+            <p:ph type="body" sz="quarter" idx="13"/>
+          </p:nvPr>
+        </p:nvSpPr>
+        <p:spPr>
+          <a:xfrm>
+            <a:off x="1814450" y="1229929"/>
+            <a:ext cx="2835936" cy="4637984"/>
+          </a:xfrm>
+        </p:spPr>
+        <p:txBody>
+          <a:bodyPr>
+            <a:noAutofit/>
+          </a:bodyPr>
+          <a:lstStyle/>
+          <a:p>
+            <a:pPr marL="0" indent="0">
+              <a:buNone/>
+            </a:pPr>
+            <a:r>
+              <a:rPr lang="it-IT" sz="33000" dirty="0">
+                <a:ln>
+                  <a:solidFill>
+                    <a:schemeClr val="tx1">
+                      <a:alpha val="30000"/>
+                    </a:schemeClr>
+                  </a:solidFill>
+                </a:ln>
+                <a:latin typeface="04b" panose="00000400000000000000" pitchFamily="2" charset="0"/>
+              </a:rPr>
+              <a:t>1</a:t>
+            </a:r>
+          </a:p>
+        </p:txBody>
+      </p:sp>
+    </p:spTree>
+    <p:extLst>
+      <p:ext uri="{BB962C8B-B14F-4D97-AF65-F5344CB8AC3E}">
+        <p14:creationId xmlns:p14="http://schemas.microsoft.com/office/powerpoint/2010/main" val="754695"/>
+      </p:ext>
+    </p:extLst>
+  </p:cSld>
+  <p:clrMapOvr>
+    <a:masterClrMapping/>
+  </p:clrMapOvr>
+  <mc:AlternateContent xmlns:mc="http://schemas.openxmlformats.org/markup-compatibility/2006" xmlns:p14="http://schemas.microsoft.com/office/powerpoint/2010/main">
+    <mc:Choice Requires="p14">
+      <p:transition spd="med" p14:dur="700">
+        <p:fade/>
+      </p:transition>
+    </mc:Choice>
+    <mc:Fallback xmlns="">
+      <p:transition spd="med">
+        <p:fade/>
+      </p:transition>
+    </mc:Fallback>
+  </mc:AlternateContent>
+</p:sld>
+</file>
+
+<file path=ppt/slides/slide30.xml><?xml version="1.0" encoding="utf-8"?>
+<p:sld xmlns:a="http://schemas.openxmlformats.org/drawingml/2006/main" xmlns:r="http://schemas.openxmlformats.org/officeDocument/2006/relationships" xmlns:p="http://schemas.openxmlformats.org/presentationml/2006/main">
+  <p:cSld>
+    <p:spTree>
+      <p:nvGrpSpPr>
+        <p:cNvPr id="1" name="">
+          <a:extLst>
+            <a:ext uri="{FF2B5EF4-FFF2-40B4-BE49-F238E27FC236}">
+              <a16:creationId xmlns:a16="http://schemas.microsoft.com/office/drawing/2014/main" id="{CC893946-AEDE-2B0B-2DFC-99D279CCEC4B}"/>
+            </a:ext>
+          </a:extLst>
+        </p:cNvPr>
+        <p:cNvGrpSpPr/>
+        <p:nvPr/>
+      </p:nvGrpSpPr>
+      <p:grpSpPr>
+        <a:xfrm>
+          <a:off x="0" y="0"/>
+          <a:ext cx="0" cy="0"/>
+          <a:chOff x="0" y="0"/>
+          <a:chExt cx="0" cy="0"/>
+        </a:xfrm>
+      </p:grpSpPr>
+      <p:sp>
+        <p:nvSpPr>
+          <p:cNvPr id="8" name="Segnaposto testo 3">
+            <a:extLst>
+              <a:ext uri="{FF2B5EF4-FFF2-40B4-BE49-F238E27FC236}">
+                <a16:creationId xmlns:a16="http://schemas.microsoft.com/office/drawing/2014/main" id="{EC607F65-6D4C-8A91-68D5-EB0939FF9C39}"/>
+              </a:ext>
+            </a:extLst>
+          </p:cNvPr>
+          <p:cNvSpPr>
+            <a:spLocks noGrp="1"/>
+          </p:cNvSpPr>
+          <p:nvPr>
+            <p:ph type="body" sz="quarter" idx="10"/>
+          </p:nvPr>
+        </p:nvSpPr>
+        <p:spPr>
+          <a:xfrm>
+            <a:off x="9365146" y="124900"/>
+            <a:ext cx="356589" cy="436970"/>
+          </a:xfrm>
+        </p:spPr>
+        <p:txBody>
+          <a:bodyPr/>
+          <a:lstStyle/>
+          <a:p>
+            <a:r>
+              <a:rPr lang="it-IT" dirty="0"/>
+              <a:t>3</a:t>
+            </a:r>
+          </a:p>
+        </p:txBody>
+      </p:sp>
+      <p:sp>
+        <p:nvSpPr>
+          <p:cNvPr id="10" name="Segnaposto testo 4">
+            <a:extLst>
+              <a:ext uri="{FF2B5EF4-FFF2-40B4-BE49-F238E27FC236}">
+                <a16:creationId xmlns:a16="http://schemas.microsoft.com/office/drawing/2014/main" id="{B787840D-DAC4-64BF-9AA2-CD37C1125337}"/>
+              </a:ext>
+            </a:extLst>
+          </p:cNvPr>
+          <p:cNvSpPr>
+            <a:spLocks noGrp="1"/>
+          </p:cNvSpPr>
+          <p:nvPr>
+            <p:ph type="body" sz="quarter" idx="11"/>
+          </p:nvPr>
+        </p:nvSpPr>
+        <p:spPr/>
+        <p:txBody>
+          <a:bodyPr>
+            <a:normAutofit fontScale="92500" lnSpcReduction="10000"/>
+          </a:bodyPr>
+          <a:lstStyle/>
+          <a:p>
+            <a:r>
+              <a:rPr lang="it-IT" dirty="0"/>
+              <a:t>INPUT VECTOR</a:t>
+            </a:r>
+          </a:p>
+        </p:txBody>
+      </p:sp>
+      <p:pic>
+        <p:nvPicPr>
+          <p:cNvPr id="6" name="Immagine 5">
+            <a:extLst>
+              <a:ext uri="{FF2B5EF4-FFF2-40B4-BE49-F238E27FC236}">
+                <a16:creationId xmlns:a16="http://schemas.microsoft.com/office/drawing/2014/main" id="{BA2D27AC-9BA8-A261-16D9-12D1AE50F688}"/>
+              </a:ext>
+            </a:extLst>
+          </p:cNvPr>
+          <p:cNvPicPr>
+            <a:picLocks noChangeAspect="1"/>
+          </p:cNvPicPr>
+          <p:nvPr/>
+        </p:nvPicPr>
+        <p:blipFill>
+          <a:blip r:embed="rId2">
+            <a:extLst>
+              <a:ext uri="{28A0092B-C50C-407E-A947-70E740481C1C}">
+                <a14:useLocalDpi xmlns:a14="http://schemas.microsoft.com/office/drawing/2010/main" val="0"/>
+              </a:ext>
+            </a:extLst>
+          </a:blip>
+          <a:srcRect/>
+          <a:stretch/>
+        </p:blipFill>
+        <p:spPr>
+          <a:xfrm>
+            <a:off x="3011427" y="678589"/>
+            <a:ext cx="6169145" cy="5500821"/>
+          </a:xfrm>
+          <a:prstGeom prst="roundRect">
+            <a:avLst>
+              <a:gd name="adj" fmla="val 5973"/>
+            </a:avLst>
+          </a:prstGeom>
+        </p:spPr>
+      </p:pic>
+    </p:spTree>
+    <p:extLst>
+      <p:ext uri="{BB962C8B-B14F-4D97-AF65-F5344CB8AC3E}">
+        <p14:creationId xmlns:p14="http://schemas.microsoft.com/office/powerpoint/2010/main" val="3774761592"/>
+      </p:ext>
+    </p:extLst>
+  </p:cSld>
+  <p:clrMapOvr>
+    <a:masterClrMapping/>
+  </p:clrMapOvr>
+  <mc:AlternateContent xmlns:mc="http://schemas.openxmlformats.org/markup-compatibility/2006" xmlns:p14="http://schemas.microsoft.com/office/powerpoint/2010/main">
+    <mc:Choice Requires="p14">
+      <p:transition spd="med" p14:dur="700">
+        <p:fade/>
+      </p:transition>
+    </mc:Choice>
+    <mc:Fallback xmlns="">
+      <p:transition spd="med">
+        <p:fade/>
+      </p:transition>
+    </mc:Fallback>
+  </mc:AlternateContent>
+</p:sld>
+</file>
+
+<file path=ppt/slides/slide31.xml><?xml version="1.0" encoding="utf-8"?>
+<p:sld xmlns:a="http://schemas.openxmlformats.org/drawingml/2006/main" xmlns:r="http://schemas.openxmlformats.org/officeDocument/2006/relationships" xmlns:p="http://schemas.openxmlformats.org/presentationml/2006/main">
+  <p:cSld>
+    <p:spTree>
+      <p:nvGrpSpPr>
+        <p:cNvPr id="1" name="">
+          <a:extLst>
+            <a:ext uri="{FF2B5EF4-FFF2-40B4-BE49-F238E27FC236}">
+              <a16:creationId xmlns:a16="http://schemas.microsoft.com/office/drawing/2014/main" id="{2E2332C4-3859-C3C6-3347-6CDF99794E87}"/>
+            </a:ext>
+          </a:extLst>
+        </p:cNvPr>
+        <p:cNvGrpSpPr/>
+        <p:nvPr/>
+      </p:nvGrpSpPr>
+      <p:grpSpPr>
+        <a:xfrm>
+          <a:off x="0" y="0"/>
+          <a:ext cx="0" cy="0"/>
+          <a:chOff x="0" y="0"/>
+          <a:chExt cx="0" cy="0"/>
+        </a:xfrm>
+      </p:grpSpPr>
+      <p:sp>
+        <p:nvSpPr>
+          <p:cNvPr id="8" name="Segnaposto testo 3">
+            <a:extLst>
+              <a:ext uri="{FF2B5EF4-FFF2-40B4-BE49-F238E27FC236}">
+                <a16:creationId xmlns:a16="http://schemas.microsoft.com/office/drawing/2014/main" id="{89C1BC39-31EF-D0C4-AEE1-59457D5E9BE1}"/>
+              </a:ext>
+            </a:extLst>
+          </p:cNvPr>
+          <p:cNvSpPr>
+            <a:spLocks noGrp="1"/>
+          </p:cNvSpPr>
+          <p:nvPr>
+            <p:ph type="body" sz="quarter" idx="10"/>
+          </p:nvPr>
+        </p:nvSpPr>
+        <p:spPr>
+          <a:xfrm>
+            <a:off x="9365146" y="124900"/>
+            <a:ext cx="356589" cy="436970"/>
+          </a:xfrm>
+        </p:spPr>
+        <p:txBody>
+          <a:bodyPr>
+            <a:normAutofit/>
+          </a:bodyPr>
+          <a:lstStyle/>
+          <a:p>
+            <a:r>
+              <a:rPr lang="it-IT" dirty="0"/>
+              <a:t>3</a:t>
+            </a:r>
+          </a:p>
+        </p:txBody>
+      </p:sp>
+      <p:sp>
+        <p:nvSpPr>
+          <p:cNvPr id="10" name="Segnaposto testo 4">
+            <a:extLst>
+              <a:ext uri="{FF2B5EF4-FFF2-40B4-BE49-F238E27FC236}">
+                <a16:creationId xmlns:a16="http://schemas.microsoft.com/office/drawing/2014/main" id="{850E42C9-D279-B608-F09F-4881FA832DA4}"/>
+              </a:ext>
+            </a:extLst>
+          </p:cNvPr>
+          <p:cNvSpPr>
+            <a:spLocks noGrp="1"/>
+          </p:cNvSpPr>
+          <p:nvPr>
+            <p:ph type="body" sz="quarter" idx="11"/>
+          </p:nvPr>
+        </p:nvSpPr>
+        <p:spPr/>
+        <p:txBody>
+          <a:bodyPr>
+            <a:normAutofit fontScale="92500" lnSpcReduction="10000"/>
+          </a:bodyPr>
+          <a:lstStyle/>
+          <a:p>
+            <a:r>
+              <a:rPr lang="it-IT" dirty="0"/>
+              <a:t>INPUT VECTOR</a:t>
+            </a:r>
+          </a:p>
+        </p:txBody>
+      </p:sp>
+      <p:pic>
+        <p:nvPicPr>
+          <p:cNvPr id="6" name="Immagine 5">
+            <a:extLst>
+              <a:ext uri="{FF2B5EF4-FFF2-40B4-BE49-F238E27FC236}">
+                <a16:creationId xmlns:a16="http://schemas.microsoft.com/office/drawing/2014/main" id="{66290393-4868-9C17-FCF4-703E98377BD0}"/>
+              </a:ext>
+            </a:extLst>
+          </p:cNvPr>
+          <p:cNvPicPr>
+            <a:picLocks noChangeAspect="1"/>
+          </p:cNvPicPr>
+          <p:nvPr/>
+        </p:nvPicPr>
+        <p:blipFill>
+          <a:blip r:embed="rId2">
+            <a:extLst>
+              <a:ext uri="{28A0092B-C50C-407E-A947-70E740481C1C}">
+                <a14:useLocalDpi xmlns:a14="http://schemas.microsoft.com/office/drawing/2010/main" val="0"/>
+              </a:ext>
+            </a:extLst>
+          </a:blip>
+          <a:srcRect/>
+          <a:stretch/>
+        </p:blipFill>
+        <p:spPr>
+          <a:xfrm>
+            <a:off x="3011427" y="678589"/>
+            <a:ext cx="6169145" cy="5500821"/>
+          </a:xfrm>
+          <a:prstGeom prst="roundRect">
+            <a:avLst>
+              <a:gd name="adj" fmla="val 5973"/>
+            </a:avLst>
+          </a:prstGeom>
+        </p:spPr>
+      </p:pic>
+    </p:spTree>
+    <p:extLst>
+      <p:ext uri="{BB962C8B-B14F-4D97-AF65-F5344CB8AC3E}">
+        <p14:creationId xmlns:p14="http://schemas.microsoft.com/office/powerpoint/2010/main" val="3164568964"/>
+      </p:ext>
+    </p:extLst>
+  </p:cSld>
+  <p:clrMapOvr>
+    <a:masterClrMapping/>
+  </p:clrMapOvr>
+  <mc:AlternateContent xmlns:mc="http://schemas.openxmlformats.org/markup-compatibility/2006" xmlns:p14="http://schemas.microsoft.com/office/powerpoint/2010/main">
+    <mc:Choice Requires="p14">
+      <p:transition spd="med" p14:dur="700">
+        <p:fade/>
+      </p:transition>
+    </mc:Choice>
+    <mc:Fallback xmlns="">
+      <p:transition spd="med">
+        <p:fade/>
+      </p:transition>
+    </mc:Fallback>
+  </mc:AlternateContent>
+</p:sld>
+</file>
+
+<file path=ppt/slides/slide32.xml><?xml version="1.0" encoding="utf-8"?>
+<p:sld xmlns:a="http://schemas.openxmlformats.org/drawingml/2006/main" xmlns:r="http://schemas.openxmlformats.org/officeDocument/2006/relationships" xmlns:p="http://schemas.openxmlformats.org/presentationml/2006/main">
+  <p:cSld>
+    <p:spTree>
+      <p:nvGrpSpPr>
+        <p:cNvPr id="1" name="">
+          <a:extLst>
+            <a:ext uri="{FF2B5EF4-FFF2-40B4-BE49-F238E27FC236}">
+              <a16:creationId xmlns:a16="http://schemas.microsoft.com/office/drawing/2014/main" id="{6CCE7A5D-F360-6711-454C-B844BAA483B8}"/>
+            </a:ext>
+          </a:extLst>
+        </p:cNvPr>
+        <p:cNvGrpSpPr/>
+        <p:nvPr/>
+      </p:nvGrpSpPr>
+      <p:grpSpPr>
+        <a:xfrm>
+          <a:off x="0" y="0"/>
+          <a:ext cx="0" cy="0"/>
+          <a:chOff x="0" y="0"/>
+          <a:chExt cx="0" cy="0"/>
+        </a:xfrm>
+      </p:grpSpPr>
+      <p:sp>
+        <p:nvSpPr>
+          <p:cNvPr id="8" name="Segnaposto testo 3">
+            <a:extLst>
+              <a:ext uri="{FF2B5EF4-FFF2-40B4-BE49-F238E27FC236}">
+                <a16:creationId xmlns:a16="http://schemas.microsoft.com/office/drawing/2014/main" id="{D1839B27-BBF7-78DC-5C9F-03FCC75A4F93}"/>
+              </a:ext>
+            </a:extLst>
+          </p:cNvPr>
+          <p:cNvSpPr>
+            <a:spLocks noGrp="1"/>
+          </p:cNvSpPr>
+          <p:nvPr>
+            <p:ph type="body" sz="quarter" idx="10"/>
+          </p:nvPr>
+        </p:nvSpPr>
+        <p:spPr>
+          <a:xfrm>
+            <a:off x="9365146" y="124900"/>
+            <a:ext cx="356589" cy="436970"/>
+          </a:xfrm>
+        </p:spPr>
+        <p:txBody>
+          <a:bodyPr/>
+          <a:lstStyle/>
+          <a:p>
+            <a:r>
+              <a:rPr lang="it-IT" dirty="0"/>
+              <a:t>3</a:t>
+            </a:r>
+          </a:p>
+        </p:txBody>
+      </p:sp>
+      <p:sp>
+        <p:nvSpPr>
+          <p:cNvPr id="10" name="Segnaposto testo 4">
+            <a:extLst>
+              <a:ext uri="{FF2B5EF4-FFF2-40B4-BE49-F238E27FC236}">
+                <a16:creationId xmlns:a16="http://schemas.microsoft.com/office/drawing/2014/main" id="{89968D61-1586-2569-3D8C-E66D0535A462}"/>
+              </a:ext>
+            </a:extLst>
+          </p:cNvPr>
+          <p:cNvSpPr>
+            <a:spLocks noGrp="1"/>
+          </p:cNvSpPr>
+          <p:nvPr>
+            <p:ph type="body" sz="quarter" idx="11"/>
+          </p:nvPr>
+        </p:nvSpPr>
+        <p:spPr/>
+        <p:txBody>
+          <a:bodyPr>
+            <a:normAutofit fontScale="92500" lnSpcReduction="10000"/>
+          </a:bodyPr>
+          <a:lstStyle/>
+          <a:p>
+            <a:r>
+              <a:rPr lang="it-IT" dirty="0"/>
+              <a:t>INPUT VECTOR</a:t>
+            </a:r>
+          </a:p>
+        </p:txBody>
+      </p:sp>
+      <p:pic>
+        <p:nvPicPr>
+          <p:cNvPr id="6" name="Immagine 5">
+            <a:extLst>
+              <a:ext uri="{FF2B5EF4-FFF2-40B4-BE49-F238E27FC236}">
+                <a16:creationId xmlns:a16="http://schemas.microsoft.com/office/drawing/2014/main" id="{E8B95958-42F1-7F8E-DF30-AED97DB09667}"/>
+              </a:ext>
+            </a:extLst>
+          </p:cNvPr>
+          <p:cNvPicPr>
+            <a:picLocks noChangeAspect="1"/>
+          </p:cNvPicPr>
+          <p:nvPr/>
+        </p:nvPicPr>
+        <p:blipFill>
+          <a:blip r:embed="rId2">
+            <a:extLst>
+              <a:ext uri="{28A0092B-C50C-407E-A947-70E740481C1C}">
+                <a14:useLocalDpi xmlns:a14="http://schemas.microsoft.com/office/drawing/2010/main" val="0"/>
+              </a:ext>
+            </a:extLst>
+          </a:blip>
+          <a:srcRect/>
+          <a:stretch/>
+        </p:blipFill>
+        <p:spPr>
+          <a:xfrm>
+            <a:off x="3011427" y="678589"/>
+            <a:ext cx="6169145" cy="5500821"/>
+          </a:xfrm>
+          <a:prstGeom prst="roundRect">
+            <a:avLst>
+              <a:gd name="adj" fmla="val 5973"/>
+            </a:avLst>
+          </a:prstGeom>
+        </p:spPr>
+      </p:pic>
+    </p:spTree>
+    <p:extLst>
+      <p:ext uri="{BB962C8B-B14F-4D97-AF65-F5344CB8AC3E}">
+        <p14:creationId xmlns:p14="http://schemas.microsoft.com/office/powerpoint/2010/main" val="3467671158"/>
+      </p:ext>
+    </p:extLst>
+  </p:cSld>
+  <p:clrMapOvr>
+    <a:masterClrMapping/>
+  </p:clrMapOvr>
+  <mc:AlternateContent xmlns:mc="http://schemas.openxmlformats.org/markup-compatibility/2006" xmlns:p14="http://schemas.microsoft.com/office/powerpoint/2010/main">
+    <mc:Choice Requires="p14">
+      <p:transition spd="med" p14:dur="700">
+        <p:fade/>
+      </p:transition>
+    </mc:Choice>
+    <mc:Fallback xmlns="">
+      <p:transition spd="med">
+        <p:fade/>
+      </p:transition>
+    </mc:Fallback>
+  </mc:AlternateContent>
+</p:sld>
+</file>
+
+<file path=ppt/slides/slide33.xml><?xml version="1.0" encoding="utf-8"?>
+<p:sld xmlns:a="http://schemas.openxmlformats.org/drawingml/2006/main" xmlns:r="http://schemas.openxmlformats.org/officeDocument/2006/relationships" xmlns:p="http://schemas.openxmlformats.org/presentationml/2006/main">
+  <p:cSld>
+    <p:spTree>
+      <p:nvGrpSpPr>
+        <p:cNvPr id="1" name="">
+          <a:extLst>
+            <a:ext uri="{FF2B5EF4-FFF2-40B4-BE49-F238E27FC236}">
+              <a16:creationId xmlns:a16="http://schemas.microsoft.com/office/drawing/2014/main" id="{A07ECC25-6154-23C8-B904-CB040EC4C4E0}"/>
+            </a:ext>
+          </a:extLst>
+        </p:cNvPr>
+        <p:cNvGrpSpPr/>
+        <p:nvPr/>
+      </p:nvGrpSpPr>
+      <p:grpSpPr>
+        <a:xfrm>
+          <a:off x="0" y="0"/>
+          <a:ext cx="0" cy="0"/>
+          <a:chOff x="0" y="0"/>
+          <a:chExt cx="0" cy="0"/>
+        </a:xfrm>
+      </p:grpSpPr>
+      <p:sp>
+        <p:nvSpPr>
+          <p:cNvPr id="2" name="Titolo 1">
+            <a:extLst>
+              <a:ext uri="{FF2B5EF4-FFF2-40B4-BE49-F238E27FC236}">
+                <a16:creationId xmlns:a16="http://schemas.microsoft.com/office/drawing/2014/main" id="{42D3F457-D3D2-067B-4E7B-545B644EB5F8}"/>
+              </a:ext>
+            </a:extLst>
+          </p:cNvPr>
+          <p:cNvSpPr>
+            <a:spLocks noGrp="1"/>
+          </p:cNvSpPr>
+          <p:nvPr>
+            <p:ph type="title"/>
+          </p:nvPr>
+        </p:nvSpPr>
+        <p:spPr>
+          <a:xfrm>
+            <a:off x="5156616" y="2065301"/>
+            <a:ext cx="6739809" cy="3627304"/>
+          </a:xfrm>
+        </p:spPr>
+        <p:txBody>
+          <a:bodyPr>
+            <a:noAutofit/>
+          </a:bodyPr>
+          <a:lstStyle/>
+          <a:p>
+            <a:pPr algn="l">
+              <a:lnSpc>
+                <a:spcPct val="50000"/>
+              </a:lnSpc>
+            </a:pPr>
+            <a:r>
+              <a:rPr lang="it-IT" sz="14000" dirty="0" err="1">
+                <a:ln>
+                  <a:solidFill>
+                    <a:schemeClr val="tx1">
+                      <a:alpha val="30000"/>
+                    </a:schemeClr>
+                  </a:solidFill>
+                </a:ln>
+                <a:latin typeface="ThaleahFat" panose="02000603000000000000" pitchFamily="2" charset="0"/>
+                <a:ea typeface="ThaleahFat" panose="02000603000000000000" pitchFamily="2" charset="0"/>
+              </a:rPr>
+              <a:t>MACCHINe</a:t>
+            </a:r>
+            <a:r>
+              <a:rPr lang="it-IT" sz="14000" dirty="0">
+                <a:ln>
+                  <a:solidFill>
+                    <a:schemeClr val="tx1">
+                      <a:alpha val="30000"/>
+                    </a:schemeClr>
+                  </a:solidFill>
+                </a:ln>
+                <a:latin typeface="ThaleahFat" panose="02000603000000000000" pitchFamily="2" charset="0"/>
+                <a:ea typeface="ThaleahFat" panose="02000603000000000000" pitchFamily="2" charset="0"/>
+              </a:rPr>
+              <a:t> A STATI</a:t>
+            </a:r>
+          </a:p>
+        </p:txBody>
+      </p:sp>
+      <p:sp>
+        <p:nvSpPr>
+          <p:cNvPr id="3" name="Segnaposto contenuto 2">
+            <a:extLst>
+              <a:ext uri="{FF2B5EF4-FFF2-40B4-BE49-F238E27FC236}">
+                <a16:creationId xmlns:a16="http://schemas.microsoft.com/office/drawing/2014/main" id="{45127A0D-A4D9-EDFC-94C4-93B9B7FDC002}"/>
+              </a:ext>
+            </a:extLst>
+          </p:cNvPr>
+          <p:cNvSpPr>
+            <a:spLocks noGrp="1"/>
+          </p:cNvSpPr>
+          <p:nvPr>
+            <p:ph type="body" sz="quarter" idx="13"/>
+          </p:nvPr>
+        </p:nvSpPr>
+        <p:spPr>
+          <a:xfrm>
+            <a:off x="1364745" y="1229929"/>
+            <a:ext cx="2835936" cy="4637984"/>
+          </a:xfrm>
+        </p:spPr>
+        <p:txBody>
+          <a:bodyPr>
+            <a:noAutofit/>
+          </a:bodyPr>
+          <a:lstStyle/>
+          <a:p>
+            <a:pPr marL="0" indent="0">
+              <a:buNone/>
+            </a:pPr>
+            <a:r>
+              <a:rPr lang="it-IT" sz="33000" dirty="0">
+                <a:ln>
+                  <a:solidFill>
+                    <a:schemeClr val="tx1">
+                      <a:alpha val="30000"/>
+                    </a:schemeClr>
+                  </a:solidFill>
+                </a:ln>
+                <a:latin typeface="04b" panose="00000400000000000000" pitchFamily="2" charset="0"/>
+              </a:rPr>
+              <a:t>4</a:t>
+            </a:r>
+          </a:p>
+        </p:txBody>
+      </p:sp>
+    </p:spTree>
+    <p:extLst>
+      <p:ext uri="{BB962C8B-B14F-4D97-AF65-F5344CB8AC3E}">
+        <p14:creationId xmlns:p14="http://schemas.microsoft.com/office/powerpoint/2010/main" val="1074923493"/>
+      </p:ext>
+    </p:extLst>
+  </p:cSld>
+  <p:clrMapOvr>
+    <a:masterClrMapping/>
+  </p:clrMapOvr>
+  <mc:AlternateContent xmlns:mc="http://schemas.openxmlformats.org/markup-compatibility/2006" xmlns:p14="http://schemas.microsoft.com/office/powerpoint/2010/main">
+    <mc:Choice Requires="p14">
+      <p:transition spd="med" p14:dur="700">
+        <p:fade/>
+      </p:transition>
+    </mc:Choice>
+    <mc:Fallback xmlns="">
+      <p:transition spd="med">
+        <p:fade/>
+      </p:transition>
+    </mc:Fallback>
+  </mc:AlternateContent>
+</p:sld>
+</file>
+
+<file path=ppt/slides/slide34.xml><?xml version="1.0" encoding="utf-8"?>
+<p:sld xmlns:a="http://schemas.openxmlformats.org/drawingml/2006/main" xmlns:r="http://schemas.openxmlformats.org/officeDocument/2006/relationships" xmlns:p="http://schemas.openxmlformats.org/presentationml/2006/main">
+  <p:cSld>
+    <p:spTree>
+      <p:nvGrpSpPr>
+        <p:cNvPr id="1" name="">
+          <a:extLst>
+            <a:ext uri="{FF2B5EF4-FFF2-40B4-BE49-F238E27FC236}">
+              <a16:creationId xmlns:a16="http://schemas.microsoft.com/office/drawing/2014/main" id="{A13FD3B4-2670-1AFF-7363-103F0C1FDCF6}"/>
+            </a:ext>
+          </a:extLst>
+        </p:cNvPr>
+        <p:cNvGrpSpPr/>
+        <p:nvPr/>
+      </p:nvGrpSpPr>
+      <p:grpSpPr>
+        <a:xfrm>
+          <a:off x="0" y="0"/>
+          <a:ext cx="0" cy="0"/>
+          <a:chOff x="0" y="0"/>
+          <a:chExt cx="0" cy="0"/>
+        </a:xfrm>
+      </p:grpSpPr>
+      <p:sp>
+        <p:nvSpPr>
+          <p:cNvPr id="2" name="Titolo 1">
+            <a:extLst>
+              <a:ext uri="{FF2B5EF4-FFF2-40B4-BE49-F238E27FC236}">
+                <a16:creationId xmlns:a16="http://schemas.microsoft.com/office/drawing/2014/main" id="{22395661-B59B-211E-45F1-1A74CFAF1458}"/>
+              </a:ext>
+            </a:extLst>
+          </p:cNvPr>
+          <p:cNvSpPr>
+            <a:spLocks noGrp="1"/>
+          </p:cNvSpPr>
+          <p:nvPr>
+            <p:ph type="title"/>
+          </p:nvPr>
+        </p:nvSpPr>
+        <p:spPr/>
+        <p:txBody>
+          <a:bodyPr>
+            <a:noAutofit/>
+          </a:bodyPr>
+          <a:lstStyle/>
+          <a:p>
+            <a:r>
+              <a:rPr lang="it-IT" dirty="0">
+                <a:ln w="9525" cmpd="sng">
+                  <a:solidFill>
+                    <a:schemeClr val="tx1">
+                      <a:alpha val="30000"/>
+                    </a:schemeClr>
+                  </a:solidFill>
+                </a:ln>
+              </a:rPr>
+              <a:t>Macchine a stati</a:t>
+            </a:r>
+          </a:p>
+        </p:txBody>
+      </p:sp>
+      <p:sp>
+        <p:nvSpPr>
+          <p:cNvPr id="3" name="Segnaposto contenuto 2">
+            <a:extLst>
+              <a:ext uri="{FF2B5EF4-FFF2-40B4-BE49-F238E27FC236}">
+                <a16:creationId xmlns:a16="http://schemas.microsoft.com/office/drawing/2014/main" id="{F5D0FBF5-CB78-59F2-415D-2EF374B372D7}"/>
+              </a:ext>
+            </a:extLst>
+          </p:cNvPr>
+          <p:cNvSpPr>
+            <a:spLocks noGrp="1"/>
+          </p:cNvSpPr>
+          <p:nvPr>
+            <p:ph idx="1"/>
+          </p:nvPr>
+        </p:nvSpPr>
+        <p:spPr/>
+        <p:txBody>
+          <a:bodyPr>
+            <a:noAutofit/>
+          </a:bodyPr>
+          <a:lstStyle/>
+          <a:p>
+            <a:pPr marL="0" indent="0">
+              <a:buNone/>
+            </a:pPr>
+            <a:r>
+              <a:rPr lang="it-IT" sz="3000" dirty="0"/>
+              <a:t>Una </a:t>
+            </a:r>
+            <a:r>
+              <a:rPr lang="it-IT" sz="3000" dirty="0">
+                <a:solidFill>
+                  <a:srgbClr val="FF9933"/>
+                </a:solidFill>
+              </a:rPr>
+              <a:t>state machine</a:t>
+            </a:r>
+            <a:r>
+              <a:rPr lang="it-IT" sz="3000" dirty="0"/>
+              <a:t>, in italiano </a:t>
+            </a:r>
+            <a:r>
+              <a:rPr lang="it-IT" sz="3000" dirty="0">
+                <a:solidFill>
+                  <a:srgbClr val="FF9933"/>
+                </a:solidFill>
+              </a:rPr>
+              <a:t>macchina a stati</a:t>
+            </a:r>
+            <a:r>
+              <a:rPr lang="it-IT" sz="3000" dirty="0"/>
+              <a:t>, è un modello di comportamento che, poiché consiste di un numero finito di stati, è anche chiamata finite-state machine(FSM) o finite-state </a:t>
+            </a:r>
+            <a:r>
+              <a:rPr lang="it-IT" sz="3000" dirty="0" err="1"/>
+              <a:t>automaton</a:t>
+            </a:r>
+            <a:r>
+              <a:rPr lang="it-IT" sz="3000" dirty="0"/>
+              <a:t> (FSA), in italiano macchina a stati finiti o automa a stati finiti.</a:t>
+            </a:r>
+          </a:p>
+        </p:txBody>
+      </p:sp>
+      <p:sp>
+        <p:nvSpPr>
+          <p:cNvPr id="10" name="Segnaposto testo 3">
+            <a:extLst>
+              <a:ext uri="{FF2B5EF4-FFF2-40B4-BE49-F238E27FC236}">
+                <a16:creationId xmlns:a16="http://schemas.microsoft.com/office/drawing/2014/main" id="{77AC0A22-7DD8-18B9-FC00-665687E021CC}"/>
+              </a:ext>
+            </a:extLst>
+          </p:cNvPr>
+          <p:cNvSpPr>
+            <a:spLocks noGrp="1"/>
+          </p:cNvSpPr>
+          <p:nvPr>
+            <p:ph type="body" sz="quarter" idx="10"/>
+          </p:nvPr>
+        </p:nvSpPr>
+        <p:spPr>
+          <a:xfrm>
+            <a:off x="9305186" y="64940"/>
+            <a:ext cx="356589" cy="436970"/>
+          </a:xfrm>
+        </p:spPr>
+        <p:txBody>
+          <a:bodyPr/>
+          <a:lstStyle/>
+          <a:p>
+            <a:r>
+              <a:rPr lang="it-IT" dirty="0"/>
+              <a:t>4</a:t>
+            </a:r>
+          </a:p>
+        </p:txBody>
+      </p:sp>
+      <p:sp>
+        <p:nvSpPr>
+          <p:cNvPr id="11" name="Segnaposto testo 4">
+            <a:extLst>
+              <a:ext uri="{FF2B5EF4-FFF2-40B4-BE49-F238E27FC236}">
+                <a16:creationId xmlns:a16="http://schemas.microsoft.com/office/drawing/2014/main" id="{EC69C1FB-5FF2-919F-E758-DDD45D43538F}"/>
+              </a:ext>
+            </a:extLst>
+          </p:cNvPr>
+          <p:cNvSpPr>
+            <a:spLocks noGrp="1"/>
+          </p:cNvSpPr>
+          <p:nvPr>
+            <p:ph type="body" sz="quarter" idx="11"/>
+          </p:nvPr>
+        </p:nvSpPr>
+        <p:spPr>
+          <a:xfrm>
+            <a:off x="9691997" y="134968"/>
+            <a:ext cx="2152357" cy="436970"/>
+          </a:xfrm>
+        </p:spPr>
+        <p:txBody>
+          <a:bodyPr>
+            <a:normAutofit fontScale="77500" lnSpcReduction="20000"/>
+          </a:bodyPr>
+          <a:lstStyle/>
+          <a:p>
+            <a:r>
+              <a:rPr lang="it-IT" dirty="0"/>
+              <a:t>Macchine a stati</a:t>
+            </a:r>
+          </a:p>
+        </p:txBody>
+      </p:sp>
+    </p:spTree>
+    <p:extLst>
+      <p:ext uri="{BB962C8B-B14F-4D97-AF65-F5344CB8AC3E}">
+        <p14:creationId xmlns:p14="http://schemas.microsoft.com/office/powerpoint/2010/main" val="2642705898"/>
+      </p:ext>
+    </p:extLst>
+  </p:cSld>
+  <p:clrMapOvr>
+    <a:masterClrMapping/>
+  </p:clrMapOvr>
+  <mc:AlternateContent xmlns:mc="http://schemas.openxmlformats.org/markup-compatibility/2006" xmlns:p14="http://schemas.microsoft.com/office/powerpoint/2010/main">
+    <mc:Choice Requires="p14">
+      <p:transition spd="med" p14:dur="700">
+        <p:fade/>
+      </p:transition>
+    </mc:Choice>
+    <mc:Fallback xmlns="">
+      <p:transition spd="med">
+        <p:fade/>
+      </p:transition>
+    </mc:Fallback>
+  </mc:AlternateContent>
+</p:sld>
+</file>
+
+<file path=ppt/slides/slide35.xml><?xml version="1.0" encoding="utf-8"?>
+<p:sld xmlns:a="http://schemas.openxmlformats.org/drawingml/2006/main" xmlns:r="http://schemas.openxmlformats.org/officeDocument/2006/relationships" xmlns:p="http://schemas.openxmlformats.org/presentationml/2006/main">
+  <p:cSld>
+    <p:spTree>
+      <p:nvGrpSpPr>
+        <p:cNvPr id="1" name="">
+          <a:extLst>
+            <a:ext uri="{FF2B5EF4-FFF2-40B4-BE49-F238E27FC236}">
+              <a16:creationId xmlns:a16="http://schemas.microsoft.com/office/drawing/2014/main" id="{DE6C0CAF-F8E0-003A-6703-B95B923F302B}"/>
+            </a:ext>
+          </a:extLst>
+        </p:cNvPr>
+        <p:cNvGrpSpPr/>
+        <p:nvPr/>
+      </p:nvGrpSpPr>
+      <p:grpSpPr>
+        <a:xfrm>
+          <a:off x="0" y="0"/>
+          <a:ext cx="0" cy="0"/>
+          <a:chOff x="0" y="0"/>
+          <a:chExt cx="0" cy="0"/>
+        </a:xfrm>
+      </p:grpSpPr>
+      <p:sp>
+        <p:nvSpPr>
+          <p:cNvPr id="2" name="Titolo 1">
+            <a:extLst>
+              <a:ext uri="{FF2B5EF4-FFF2-40B4-BE49-F238E27FC236}">
+                <a16:creationId xmlns:a16="http://schemas.microsoft.com/office/drawing/2014/main" id="{5102F7B0-6395-34F7-EC13-148044DB8981}"/>
+              </a:ext>
+            </a:extLst>
+          </p:cNvPr>
+          <p:cNvSpPr>
+            <a:spLocks noGrp="1"/>
+          </p:cNvSpPr>
+          <p:nvPr>
+            <p:ph type="title"/>
+          </p:nvPr>
+        </p:nvSpPr>
+        <p:spPr/>
+        <p:txBody>
+          <a:bodyPr>
+            <a:noAutofit/>
+          </a:bodyPr>
+          <a:lstStyle/>
+          <a:p>
+            <a:r>
+              <a:rPr lang="it-IT" dirty="0">
+                <a:ln w="9525" cmpd="sng">
+                  <a:solidFill>
+                    <a:schemeClr val="tx1">
+                      <a:alpha val="30000"/>
+                    </a:schemeClr>
+                  </a:solidFill>
+                </a:ln>
+              </a:rPr>
+              <a:t>Macchine a stati</a:t>
+            </a:r>
+          </a:p>
+        </p:txBody>
+      </p:sp>
+      <p:sp>
+        <p:nvSpPr>
+          <p:cNvPr id="3" name="Segnaposto contenuto 2">
+            <a:extLst>
+              <a:ext uri="{FF2B5EF4-FFF2-40B4-BE49-F238E27FC236}">
+                <a16:creationId xmlns:a16="http://schemas.microsoft.com/office/drawing/2014/main" id="{344B87B3-4BDC-9C73-2A4B-17CFE680CE34}"/>
+              </a:ext>
+            </a:extLst>
+          </p:cNvPr>
+          <p:cNvSpPr>
+            <a:spLocks noGrp="1"/>
+          </p:cNvSpPr>
+          <p:nvPr>
+            <p:ph idx="1"/>
+          </p:nvPr>
+        </p:nvSpPr>
+        <p:spPr/>
+        <p:txBody>
+          <a:bodyPr>
+            <a:noAutofit/>
+          </a:bodyPr>
+          <a:lstStyle/>
+          <a:p>
+            <a:pPr marL="0" indent="0">
+              <a:buNone/>
+            </a:pPr>
+            <a:r>
+              <a:rPr lang="it-IT" sz="3000" dirty="0"/>
+              <a:t>Una macchina a stati esegue transizioni di stato e produce output in base allo stato corrente e a un dato input.</a:t>
+            </a:r>
+          </a:p>
+        </p:txBody>
+      </p:sp>
+      <p:sp>
+        <p:nvSpPr>
+          <p:cNvPr id="10" name="Segnaposto testo 3">
+            <a:extLst>
+              <a:ext uri="{FF2B5EF4-FFF2-40B4-BE49-F238E27FC236}">
+                <a16:creationId xmlns:a16="http://schemas.microsoft.com/office/drawing/2014/main" id="{325C8CBF-4377-0AD2-71AE-22A0C852A169}"/>
+              </a:ext>
+            </a:extLst>
+          </p:cNvPr>
+          <p:cNvSpPr>
+            <a:spLocks noGrp="1"/>
+          </p:cNvSpPr>
+          <p:nvPr>
+            <p:ph type="body" sz="quarter" idx="10"/>
+          </p:nvPr>
+        </p:nvSpPr>
+        <p:spPr>
+          <a:xfrm>
+            <a:off x="9305186" y="64940"/>
+            <a:ext cx="356589" cy="436970"/>
+          </a:xfrm>
+        </p:spPr>
+        <p:txBody>
+          <a:bodyPr/>
+          <a:lstStyle/>
+          <a:p>
+            <a:r>
+              <a:rPr lang="it-IT" dirty="0"/>
+              <a:t>4</a:t>
+            </a:r>
+          </a:p>
+        </p:txBody>
+      </p:sp>
+      <p:sp>
+        <p:nvSpPr>
+          <p:cNvPr id="11" name="Segnaposto testo 4">
+            <a:extLst>
+              <a:ext uri="{FF2B5EF4-FFF2-40B4-BE49-F238E27FC236}">
+                <a16:creationId xmlns:a16="http://schemas.microsoft.com/office/drawing/2014/main" id="{97D13DB1-D857-0EF1-96CE-0B275FB67719}"/>
+              </a:ext>
+            </a:extLst>
+          </p:cNvPr>
+          <p:cNvSpPr>
+            <a:spLocks noGrp="1"/>
+          </p:cNvSpPr>
+          <p:nvPr>
+            <p:ph type="body" sz="quarter" idx="11"/>
+          </p:nvPr>
+        </p:nvSpPr>
+        <p:spPr>
+          <a:xfrm>
+            <a:off x="9691997" y="134968"/>
+            <a:ext cx="2152357" cy="436970"/>
+          </a:xfrm>
+        </p:spPr>
+        <p:txBody>
+          <a:bodyPr>
+            <a:normAutofit fontScale="77500" lnSpcReduction="20000"/>
+          </a:bodyPr>
+          <a:lstStyle/>
+          <a:p>
+            <a:r>
+              <a:rPr lang="it-IT" dirty="0"/>
+              <a:t>Macchine a stati</a:t>
+            </a:r>
+          </a:p>
+        </p:txBody>
+      </p:sp>
+    </p:spTree>
+    <p:extLst>
+      <p:ext uri="{BB962C8B-B14F-4D97-AF65-F5344CB8AC3E}">
+        <p14:creationId xmlns:p14="http://schemas.microsoft.com/office/powerpoint/2010/main" val="3413983378"/>
+      </p:ext>
+    </p:extLst>
+  </p:cSld>
+  <p:clrMapOvr>
+    <a:masterClrMapping/>
+  </p:clrMapOvr>
+  <mc:AlternateContent xmlns:mc="http://schemas.openxmlformats.org/markup-compatibility/2006" xmlns:p14="http://schemas.microsoft.com/office/powerpoint/2010/main">
+    <mc:Choice Requires="p14">
+      <p:transition spd="med" p14:dur="700">
+        <p:fade/>
+      </p:transition>
+    </mc:Choice>
+    <mc:Fallback xmlns="">
+      <p:transition spd="med">
+        <p:fade/>
+      </p:transition>
+    </mc:Fallback>
+  </mc:AlternateContent>
+</p:sld>
+</file>
+
+<file path=ppt/slides/slide36.xml><?xml version="1.0" encoding="utf-8"?>
+<p:sld xmlns:a="http://schemas.openxmlformats.org/drawingml/2006/main" xmlns:r="http://schemas.openxmlformats.org/officeDocument/2006/relationships" xmlns:p="http://schemas.openxmlformats.org/presentationml/2006/main">
+  <p:cSld>
+    <p:spTree>
+      <p:nvGrpSpPr>
+        <p:cNvPr id="1" name="">
+          <a:extLst>
+            <a:ext uri="{FF2B5EF4-FFF2-40B4-BE49-F238E27FC236}">
+              <a16:creationId xmlns:a16="http://schemas.microsoft.com/office/drawing/2014/main" id="{3282959F-A65A-0567-1159-A46B5AA98DDE}"/>
+            </a:ext>
+          </a:extLst>
+        </p:cNvPr>
+        <p:cNvGrpSpPr/>
+        <p:nvPr/>
+      </p:nvGrpSpPr>
+      <p:grpSpPr>
+        <a:xfrm>
+          <a:off x="0" y="0"/>
+          <a:ext cx="0" cy="0"/>
+          <a:chOff x="0" y="0"/>
+          <a:chExt cx="0" cy="0"/>
+        </a:xfrm>
+      </p:grpSpPr>
+      <p:sp>
+        <p:nvSpPr>
+          <p:cNvPr id="2" name="Titolo 1">
+            <a:extLst>
+              <a:ext uri="{FF2B5EF4-FFF2-40B4-BE49-F238E27FC236}">
+                <a16:creationId xmlns:a16="http://schemas.microsoft.com/office/drawing/2014/main" id="{55DE0309-DDDA-03C6-982D-04960E04885D}"/>
+              </a:ext>
+            </a:extLst>
+          </p:cNvPr>
+          <p:cNvSpPr>
+            <a:spLocks noGrp="1"/>
+          </p:cNvSpPr>
+          <p:nvPr>
+            <p:ph type="title"/>
+          </p:nvPr>
+        </p:nvSpPr>
+        <p:spPr/>
+        <p:txBody>
+          <a:bodyPr>
+            <a:noAutofit/>
+          </a:bodyPr>
+          <a:lstStyle/>
+          <a:p>
+            <a:r>
+              <a:rPr lang="it-IT" sz="4800" dirty="0">
+                <a:ln w="9525" cmpd="sng">
+                  <a:solidFill>
+                    <a:schemeClr val="tx1">
+                      <a:alpha val="30000"/>
+                    </a:schemeClr>
+                  </a:solidFill>
+                </a:ln>
+              </a:rPr>
+              <a:t>Il Player come macchina a stati</a:t>
+            </a:r>
+          </a:p>
+        </p:txBody>
+      </p:sp>
+      <p:sp>
+        <p:nvSpPr>
+          <p:cNvPr id="3" name="Segnaposto contenuto 2">
+            <a:extLst>
+              <a:ext uri="{FF2B5EF4-FFF2-40B4-BE49-F238E27FC236}">
+                <a16:creationId xmlns:a16="http://schemas.microsoft.com/office/drawing/2014/main" id="{46A150A7-7CD7-394C-B872-1A692D8DB073}"/>
+              </a:ext>
+            </a:extLst>
+          </p:cNvPr>
+          <p:cNvSpPr>
+            <a:spLocks noGrp="1"/>
+          </p:cNvSpPr>
+          <p:nvPr>
+            <p:ph idx="1"/>
+          </p:nvPr>
+        </p:nvSpPr>
+        <p:spPr/>
+        <p:txBody>
+          <a:bodyPr>
+            <a:noAutofit/>
+          </a:bodyPr>
+          <a:lstStyle/>
+          <a:p>
+            <a:pPr marL="0" indent="0">
+              <a:buNone/>
+            </a:pPr>
+            <a:r>
+              <a:rPr lang="it-IT" sz="3000" dirty="0"/>
+              <a:t>Ripensando ai due comportamenti del nostro player, </a:t>
+            </a:r>
+            <a:r>
+              <a:rPr lang="it-IT" sz="3000" dirty="0" err="1">
+                <a:solidFill>
+                  <a:srgbClr val="FF9933"/>
+                </a:solidFill>
+              </a:rPr>
+              <a:t>idle</a:t>
+            </a:r>
+            <a:r>
+              <a:rPr lang="it-IT" sz="3000" dirty="0"/>
+              <a:t> e </a:t>
+            </a:r>
+            <a:r>
+              <a:rPr lang="it-IT" sz="3000" dirty="0" err="1">
+                <a:solidFill>
+                  <a:srgbClr val="FF9933"/>
+                </a:solidFill>
+              </a:rPr>
+              <a:t>walk</a:t>
+            </a:r>
+            <a:r>
+              <a:rPr lang="it-IT" sz="3000" dirty="0"/>
+              <a:t>, ci accorgiamo che il player stesso può in realtà essere visto come una macchina a stati finiti.</a:t>
+            </a:r>
+          </a:p>
+        </p:txBody>
+      </p:sp>
+      <p:sp>
+        <p:nvSpPr>
+          <p:cNvPr id="10" name="Segnaposto testo 3">
+            <a:extLst>
+              <a:ext uri="{FF2B5EF4-FFF2-40B4-BE49-F238E27FC236}">
+                <a16:creationId xmlns:a16="http://schemas.microsoft.com/office/drawing/2014/main" id="{D9A41A80-E175-630F-81D3-0A5083EA1A0A}"/>
+              </a:ext>
+            </a:extLst>
+          </p:cNvPr>
+          <p:cNvSpPr>
+            <a:spLocks noGrp="1"/>
+          </p:cNvSpPr>
+          <p:nvPr>
+            <p:ph type="body" sz="quarter" idx="10"/>
+          </p:nvPr>
+        </p:nvSpPr>
+        <p:spPr>
+          <a:xfrm>
+            <a:off x="9305186" y="64940"/>
+            <a:ext cx="356589" cy="436970"/>
+          </a:xfrm>
+        </p:spPr>
+        <p:txBody>
+          <a:bodyPr/>
+          <a:lstStyle/>
+          <a:p>
+            <a:r>
+              <a:rPr lang="it-IT" dirty="0"/>
+              <a:t>4</a:t>
+            </a:r>
+          </a:p>
+        </p:txBody>
+      </p:sp>
+      <p:sp>
+        <p:nvSpPr>
+          <p:cNvPr id="11" name="Segnaposto testo 4">
+            <a:extLst>
+              <a:ext uri="{FF2B5EF4-FFF2-40B4-BE49-F238E27FC236}">
+                <a16:creationId xmlns:a16="http://schemas.microsoft.com/office/drawing/2014/main" id="{1606CFF8-5762-DB98-45E2-132445268071}"/>
+              </a:ext>
+            </a:extLst>
+          </p:cNvPr>
+          <p:cNvSpPr>
+            <a:spLocks noGrp="1"/>
+          </p:cNvSpPr>
+          <p:nvPr>
+            <p:ph type="body" sz="quarter" idx="11"/>
+          </p:nvPr>
+        </p:nvSpPr>
+        <p:spPr>
+          <a:xfrm>
+            <a:off x="9691997" y="134968"/>
+            <a:ext cx="2152357" cy="436970"/>
+          </a:xfrm>
+        </p:spPr>
+        <p:txBody>
+          <a:bodyPr>
+            <a:normAutofit fontScale="77500" lnSpcReduction="20000"/>
+          </a:bodyPr>
+          <a:lstStyle/>
+          <a:p>
+            <a:r>
+              <a:rPr lang="it-IT" dirty="0"/>
+              <a:t>Macchine a stati</a:t>
+            </a:r>
+          </a:p>
+        </p:txBody>
+      </p:sp>
+    </p:spTree>
+    <p:extLst>
+      <p:ext uri="{BB962C8B-B14F-4D97-AF65-F5344CB8AC3E}">
+        <p14:creationId xmlns:p14="http://schemas.microsoft.com/office/powerpoint/2010/main" val="1638840523"/>
+      </p:ext>
+    </p:extLst>
+  </p:cSld>
+  <p:clrMapOvr>
+    <a:masterClrMapping/>
+  </p:clrMapOvr>
+  <mc:AlternateContent xmlns:mc="http://schemas.openxmlformats.org/markup-compatibility/2006" xmlns:p14="http://schemas.microsoft.com/office/powerpoint/2010/main">
+    <mc:Choice Requires="p14">
+      <p:transition spd="med" p14:dur="700">
+        <p:fade/>
+      </p:transition>
+    </mc:Choice>
+    <mc:Fallback xmlns="">
+      <p:transition spd="med">
+        <p:fade/>
+      </p:transition>
+    </mc:Fallback>
+  </mc:AlternateContent>
+</p:sld>
+</file>
+
+<file path=ppt/slides/slide37.xml><?xml version="1.0" encoding="utf-8"?>
+<p:sld xmlns:a="http://schemas.openxmlformats.org/drawingml/2006/main" xmlns:r="http://schemas.openxmlformats.org/officeDocument/2006/relationships" xmlns:p="http://schemas.openxmlformats.org/presentationml/2006/main">
+  <p:cSld>
+    <p:spTree>
+      <p:nvGrpSpPr>
+        <p:cNvPr id="1" name="">
+          <a:extLst>
+            <a:ext uri="{FF2B5EF4-FFF2-40B4-BE49-F238E27FC236}">
+              <a16:creationId xmlns:a16="http://schemas.microsoft.com/office/drawing/2014/main" id="{87A227B0-56C9-7ECA-364D-761ABDD6FCAF}"/>
+            </a:ext>
+          </a:extLst>
+        </p:cNvPr>
+        <p:cNvGrpSpPr/>
+        <p:nvPr/>
+      </p:nvGrpSpPr>
+      <p:grpSpPr>
+        <a:xfrm>
+          <a:off x="0" y="0"/>
+          <a:ext cx="0" cy="0"/>
+          <a:chOff x="0" y="0"/>
+          <a:chExt cx="0" cy="0"/>
+        </a:xfrm>
+      </p:grpSpPr>
+      <p:sp>
+        <p:nvSpPr>
+          <p:cNvPr id="2" name="Titolo 1">
+            <a:extLst>
+              <a:ext uri="{FF2B5EF4-FFF2-40B4-BE49-F238E27FC236}">
+                <a16:creationId xmlns:a16="http://schemas.microsoft.com/office/drawing/2014/main" id="{05CECFCD-2341-D59D-FEF6-51F0C8726C9B}"/>
+              </a:ext>
+            </a:extLst>
+          </p:cNvPr>
+          <p:cNvSpPr>
+            <a:spLocks noGrp="1"/>
+          </p:cNvSpPr>
+          <p:nvPr>
+            <p:ph type="title"/>
+          </p:nvPr>
+        </p:nvSpPr>
+        <p:spPr/>
+        <p:txBody>
+          <a:bodyPr>
+            <a:noAutofit/>
+          </a:bodyPr>
+          <a:lstStyle/>
+          <a:p>
+            <a:r>
+              <a:rPr lang="it-IT" sz="4800" dirty="0">
+                <a:ln w="9525" cmpd="sng">
+                  <a:solidFill>
+                    <a:schemeClr val="tx1">
+                      <a:alpha val="30000"/>
+                    </a:schemeClr>
+                  </a:solidFill>
+                </a:ln>
+              </a:rPr>
+              <a:t>Il Player come macchina a stati</a:t>
+            </a:r>
+          </a:p>
+        </p:txBody>
+      </p:sp>
+      <p:sp>
+        <p:nvSpPr>
+          <p:cNvPr id="3" name="Segnaposto contenuto 2">
+            <a:extLst>
+              <a:ext uri="{FF2B5EF4-FFF2-40B4-BE49-F238E27FC236}">
+                <a16:creationId xmlns:a16="http://schemas.microsoft.com/office/drawing/2014/main" id="{FCD0CA54-7574-93FE-0D36-B2AE7C18FE4C}"/>
+              </a:ext>
+            </a:extLst>
+          </p:cNvPr>
+          <p:cNvSpPr>
+            <a:spLocks noGrp="1"/>
+          </p:cNvSpPr>
+          <p:nvPr>
+            <p:ph idx="1"/>
+          </p:nvPr>
+        </p:nvSpPr>
+        <p:spPr/>
+        <p:txBody>
+          <a:bodyPr>
+            <a:noAutofit/>
+          </a:bodyPr>
+          <a:lstStyle/>
+          <a:p>
+            <a:pPr marL="0" indent="0">
+              <a:buNone/>
+            </a:pPr>
+            <a:r>
+              <a:rPr lang="it-IT" sz="3000" dirty="0"/>
+              <a:t>Il player, all’inizio in stato </a:t>
+            </a:r>
+            <a:r>
+              <a:rPr lang="it-IT" sz="3000" dirty="0" err="1">
+                <a:solidFill>
+                  <a:srgbClr val="FF9933"/>
+                </a:solidFill>
+              </a:rPr>
+              <a:t>idle</a:t>
+            </a:r>
+            <a:r>
+              <a:rPr lang="it-IT" sz="3000" dirty="0"/>
+              <a:t>, transisce nello stato </a:t>
+            </a:r>
+            <a:r>
+              <a:rPr lang="it-IT" sz="3000" dirty="0" err="1">
+                <a:solidFill>
+                  <a:srgbClr val="FF9933"/>
+                </a:solidFill>
+              </a:rPr>
+              <a:t>walk</a:t>
+            </a:r>
+            <a:r>
+              <a:rPr lang="it-IT" sz="3000" dirty="0"/>
+              <a:t> nel momento in cui il giocatore preme almeno una freccia direzionale, per poi tornare nuovamente nello stato </a:t>
+            </a:r>
+            <a:r>
+              <a:rPr lang="it-IT" sz="3000" dirty="0" err="1">
+                <a:solidFill>
+                  <a:srgbClr val="FF9933"/>
+                </a:solidFill>
+              </a:rPr>
+              <a:t>idle</a:t>
+            </a:r>
+            <a:r>
+              <a:rPr lang="it-IT" sz="3000" dirty="0"/>
+              <a:t> quando quest’ultimo smette di premerle tutte.</a:t>
+            </a:r>
+          </a:p>
+        </p:txBody>
+      </p:sp>
+      <p:sp>
+        <p:nvSpPr>
+          <p:cNvPr id="10" name="Segnaposto testo 3">
+            <a:extLst>
+              <a:ext uri="{FF2B5EF4-FFF2-40B4-BE49-F238E27FC236}">
+                <a16:creationId xmlns:a16="http://schemas.microsoft.com/office/drawing/2014/main" id="{521437DD-6FAA-F853-D61C-A40C5A76BE56}"/>
+              </a:ext>
+            </a:extLst>
+          </p:cNvPr>
+          <p:cNvSpPr>
+            <a:spLocks noGrp="1"/>
+          </p:cNvSpPr>
+          <p:nvPr>
+            <p:ph type="body" sz="quarter" idx="10"/>
+          </p:nvPr>
+        </p:nvSpPr>
+        <p:spPr>
+          <a:xfrm>
+            <a:off x="9305186" y="64940"/>
+            <a:ext cx="356589" cy="436970"/>
+          </a:xfrm>
+        </p:spPr>
+        <p:txBody>
+          <a:bodyPr/>
+          <a:lstStyle/>
+          <a:p>
+            <a:r>
+              <a:rPr lang="it-IT" dirty="0"/>
+              <a:t>4</a:t>
+            </a:r>
+          </a:p>
+        </p:txBody>
+      </p:sp>
+      <p:sp>
+        <p:nvSpPr>
+          <p:cNvPr id="11" name="Segnaposto testo 4">
+            <a:extLst>
+              <a:ext uri="{FF2B5EF4-FFF2-40B4-BE49-F238E27FC236}">
+                <a16:creationId xmlns:a16="http://schemas.microsoft.com/office/drawing/2014/main" id="{5497F386-EFC4-221F-0BB5-0C79A496BC76}"/>
+              </a:ext>
+            </a:extLst>
+          </p:cNvPr>
+          <p:cNvSpPr>
+            <a:spLocks noGrp="1"/>
+          </p:cNvSpPr>
+          <p:nvPr>
+            <p:ph type="body" sz="quarter" idx="11"/>
+          </p:nvPr>
+        </p:nvSpPr>
+        <p:spPr>
+          <a:xfrm>
+            <a:off x="9691997" y="134968"/>
+            <a:ext cx="2152357" cy="436970"/>
+          </a:xfrm>
+        </p:spPr>
+        <p:txBody>
+          <a:bodyPr>
+            <a:normAutofit fontScale="77500" lnSpcReduction="20000"/>
+          </a:bodyPr>
+          <a:lstStyle/>
+          <a:p>
+            <a:r>
+              <a:rPr lang="it-IT" dirty="0"/>
+              <a:t>Macchine a stati</a:t>
+            </a:r>
+          </a:p>
+        </p:txBody>
+      </p:sp>
+    </p:spTree>
+    <p:extLst>
+      <p:ext uri="{BB962C8B-B14F-4D97-AF65-F5344CB8AC3E}">
+        <p14:creationId xmlns:p14="http://schemas.microsoft.com/office/powerpoint/2010/main" val="4214197097"/>
+      </p:ext>
+    </p:extLst>
+  </p:cSld>
+  <p:clrMapOvr>
+    <a:masterClrMapping/>
+  </p:clrMapOvr>
+  <mc:AlternateContent xmlns:mc="http://schemas.openxmlformats.org/markup-compatibility/2006" xmlns:p14="http://schemas.microsoft.com/office/powerpoint/2010/main">
+    <mc:Choice Requires="p14">
+      <p:transition spd="med" p14:dur="700">
+        <p:fade/>
+      </p:transition>
+    </mc:Choice>
+    <mc:Fallback xmlns="">
+      <p:transition spd="med">
+        <p:fade/>
+      </p:transition>
+    </mc:Fallback>
+  </mc:AlternateContent>
+</p:sld>
+</file>
+
+<file path=ppt/slides/slide38.xml><?xml version="1.0" encoding="utf-8"?>
+<p:sld xmlns:a="http://schemas.openxmlformats.org/drawingml/2006/main" xmlns:r="http://schemas.openxmlformats.org/officeDocument/2006/relationships" xmlns:p="http://schemas.openxmlformats.org/presentationml/2006/main">
+  <p:cSld>
+    <p:spTree>
+      <p:nvGrpSpPr>
+        <p:cNvPr id="1" name="">
+          <a:extLst>
+            <a:ext uri="{FF2B5EF4-FFF2-40B4-BE49-F238E27FC236}">
+              <a16:creationId xmlns:a16="http://schemas.microsoft.com/office/drawing/2014/main" id="{5FE49464-060F-E6E0-49F2-94967421C4D6}"/>
+            </a:ext>
+          </a:extLst>
+        </p:cNvPr>
+        <p:cNvGrpSpPr/>
+        <p:nvPr/>
+      </p:nvGrpSpPr>
+      <p:grpSpPr>
+        <a:xfrm>
+          <a:off x="0" y="0"/>
+          <a:ext cx="0" cy="0"/>
+          <a:chOff x="0" y="0"/>
+          <a:chExt cx="0" cy="0"/>
+        </a:xfrm>
+      </p:grpSpPr>
+      <p:sp>
+        <p:nvSpPr>
+          <p:cNvPr id="8" name="Segnaposto testo 3">
+            <a:extLst>
+              <a:ext uri="{FF2B5EF4-FFF2-40B4-BE49-F238E27FC236}">
+                <a16:creationId xmlns:a16="http://schemas.microsoft.com/office/drawing/2014/main" id="{C6077BFE-9536-34E6-BF0C-30972F5FAA7F}"/>
+              </a:ext>
+            </a:extLst>
+          </p:cNvPr>
+          <p:cNvSpPr>
+            <a:spLocks noGrp="1"/>
+          </p:cNvSpPr>
+          <p:nvPr>
+            <p:ph type="body" sz="quarter" idx="10"/>
+          </p:nvPr>
+        </p:nvSpPr>
+        <p:spPr>
+          <a:xfrm>
+            <a:off x="9305186" y="64940"/>
+            <a:ext cx="356589" cy="436970"/>
+          </a:xfrm>
+        </p:spPr>
+        <p:txBody>
+          <a:bodyPr/>
+          <a:lstStyle/>
+          <a:p>
+            <a:r>
+              <a:rPr lang="it-IT" dirty="0"/>
+              <a:t>4</a:t>
+            </a:r>
+          </a:p>
+        </p:txBody>
+      </p:sp>
+      <p:sp>
+        <p:nvSpPr>
+          <p:cNvPr id="10" name="Segnaposto testo 4">
+            <a:extLst>
+              <a:ext uri="{FF2B5EF4-FFF2-40B4-BE49-F238E27FC236}">
+                <a16:creationId xmlns:a16="http://schemas.microsoft.com/office/drawing/2014/main" id="{402EBA03-2BAD-E68D-CF5B-F4AD5D825C2D}"/>
+              </a:ext>
+            </a:extLst>
+          </p:cNvPr>
+          <p:cNvSpPr>
+            <a:spLocks noGrp="1"/>
+          </p:cNvSpPr>
+          <p:nvPr>
+            <p:ph type="body" sz="quarter" idx="11"/>
+          </p:nvPr>
+        </p:nvSpPr>
+        <p:spPr/>
+        <p:txBody>
+          <a:bodyPr>
+            <a:normAutofit fontScale="77500" lnSpcReduction="20000"/>
+          </a:bodyPr>
+          <a:lstStyle/>
+          <a:p>
+            <a:r>
+              <a:rPr lang="it-IT" dirty="0"/>
+              <a:t>Macchine a stati</a:t>
+            </a:r>
+          </a:p>
+        </p:txBody>
+      </p:sp>
+      <p:pic>
+        <p:nvPicPr>
+          <p:cNvPr id="6" name="Immagine 5" descr="Immagine che contiene diagramma, schizzo, linea, testo&#10;&#10;Il contenuto generato dall'IA potrebbe non essere corretto.">
+            <a:extLst>
+              <a:ext uri="{FF2B5EF4-FFF2-40B4-BE49-F238E27FC236}">
+                <a16:creationId xmlns:a16="http://schemas.microsoft.com/office/drawing/2014/main" id="{6CBD9459-7B84-F2E4-E622-504DECB827C1}"/>
+              </a:ext>
+            </a:extLst>
+          </p:cNvPr>
+          <p:cNvPicPr>
+            <a:picLocks noChangeAspect="1"/>
+          </p:cNvPicPr>
+          <p:nvPr/>
+        </p:nvPicPr>
+        <p:blipFill>
+          <a:blip r:embed="rId2">
+            <a:extLst>
+              <a:ext uri="{28A0092B-C50C-407E-A947-70E740481C1C}">
+                <a14:useLocalDpi xmlns:a14="http://schemas.microsoft.com/office/drawing/2010/main" val="0"/>
+              </a:ext>
+            </a:extLst>
+          </a:blip>
+          <a:stretch>
+            <a:fillRect/>
+          </a:stretch>
+        </p:blipFill>
+        <p:spPr>
+          <a:xfrm>
+            <a:off x="1099175" y="1111540"/>
+            <a:ext cx="9993650" cy="4634920"/>
+          </a:xfrm>
+          <a:prstGeom prst="roundRect">
+            <a:avLst>
+              <a:gd name="adj" fmla="val 5994"/>
+            </a:avLst>
+          </a:prstGeom>
+        </p:spPr>
+      </p:pic>
+    </p:spTree>
+    <p:extLst>
+      <p:ext uri="{BB962C8B-B14F-4D97-AF65-F5344CB8AC3E}">
+        <p14:creationId xmlns:p14="http://schemas.microsoft.com/office/powerpoint/2010/main" val="3276950991"/>
+      </p:ext>
+    </p:extLst>
+  </p:cSld>
+  <p:clrMapOvr>
+    <a:masterClrMapping/>
+  </p:clrMapOvr>
+  <mc:AlternateContent xmlns:mc="http://schemas.openxmlformats.org/markup-compatibility/2006" xmlns:p14="http://schemas.microsoft.com/office/powerpoint/2010/main">
+    <mc:Choice Requires="p14">
+      <p:transition spd="med" p14:dur="700">
+        <p:fade/>
+      </p:transition>
+    </mc:Choice>
+    <mc:Fallback xmlns="">
+      <p:transition spd="med">
+        <p:fade/>
+      </p:transition>
+    </mc:Fallback>
+  </mc:AlternateContent>
+</p:sld>
+</file>
+
+<file path=ppt/slides/slide39.xml><?xml version="1.0" encoding="utf-8"?>
+<p:sld xmlns:a="http://schemas.openxmlformats.org/drawingml/2006/main" xmlns:r="http://schemas.openxmlformats.org/officeDocument/2006/relationships" xmlns:p="http://schemas.openxmlformats.org/presentationml/2006/main">
+  <p:cSld>
+    <p:spTree>
+      <p:nvGrpSpPr>
+        <p:cNvPr id="1" name="">
+          <a:extLst>
+            <a:ext uri="{FF2B5EF4-FFF2-40B4-BE49-F238E27FC236}">
+              <a16:creationId xmlns:a16="http://schemas.microsoft.com/office/drawing/2014/main" id="{D37365EA-5500-B432-BE26-37AC6E513D3A}"/>
+            </a:ext>
+          </a:extLst>
+        </p:cNvPr>
+        <p:cNvGrpSpPr/>
+        <p:nvPr/>
+      </p:nvGrpSpPr>
+      <p:grpSpPr>
+        <a:xfrm>
+          <a:off x="0" y="0"/>
+          <a:ext cx="0" cy="0"/>
+          <a:chOff x="0" y="0"/>
+          <a:chExt cx="0" cy="0"/>
+        </a:xfrm>
+      </p:grpSpPr>
+      <p:sp>
+        <p:nvSpPr>
+          <p:cNvPr id="2" name="Titolo 1">
+            <a:extLst>
+              <a:ext uri="{FF2B5EF4-FFF2-40B4-BE49-F238E27FC236}">
+                <a16:creationId xmlns:a16="http://schemas.microsoft.com/office/drawing/2014/main" id="{BDBA6FB5-9796-B798-3257-A42F6ECC877E}"/>
+              </a:ext>
+            </a:extLst>
+          </p:cNvPr>
+          <p:cNvSpPr>
+            <a:spLocks noGrp="1"/>
+          </p:cNvSpPr>
+          <p:nvPr>
+            <p:ph type="title"/>
+          </p:nvPr>
+        </p:nvSpPr>
+        <p:spPr>
+          <a:xfrm>
+            <a:off x="5576341" y="2065301"/>
+            <a:ext cx="6320084" cy="3627304"/>
+          </a:xfrm>
+        </p:spPr>
+        <p:txBody>
+          <a:bodyPr>
+            <a:noAutofit/>
+          </a:bodyPr>
+          <a:lstStyle/>
+          <a:p>
+            <a:pPr algn="l">
+              <a:lnSpc>
+                <a:spcPct val="50000"/>
+              </a:lnSpc>
+            </a:pPr>
+            <a:r>
+              <a:rPr lang="it-IT" sz="14000" dirty="0">
+                <a:ln>
+                  <a:solidFill>
+                    <a:schemeClr val="tx1">
+                      <a:alpha val="30000"/>
+                    </a:schemeClr>
+                  </a:solidFill>
+                </a:ln>
+                <a:latin typeface="ThaleahFat" panose="02000603000000000000" pitchFamily="2" charset="0"/>
+                <a:ea typeface="ThaleahFat" panose="02000603000000000000" pitchFamily="2" charset="0"/>
+              </a:rPr>
+              <a:t>ARRAY</a:t>
+            </a:r>
+          </a:p>
+        </p:txBody>
+      </p:sp>
+      <p:sp>
+        <p:nvSpPr>
+          <p:cNvPr id="3" name="Segnaposto contenuto 2">
+            <a:extLst>
+              <a:ext uri="{FF2B5EF4-FFF2-40B4-BE49-F238E27FC236}">
+                <a16:creationId xmlns:a16="http://schemas.microsoft.com/office/drawing/2014/main" id="{31F07CA5-E157-8FA7-47C7-B54E4869C304}"/>
+              </a:ext>
+            </a:extLst>
+          </p:cNvPr>
+          <p:cNvSpPr>
+            <a:spLocks noGrp="1"/>
+          </p:cNvSpPr>
+          <p:nvPr>
+            <p:ph type="body" sz="quarter" idx="13"/>
+          </p:nvPr>
+        </p:nvSpPr>
+        <p:spPr>
+          <a:xfrm>
+            <a:off x="1814450" y="1229929"/>
+            <a:ext cx="2835936" cy="4637984"/>
+          </a:xfrm>
+        </p:spPr>
+        <p:txBody>
+          <a:bodyPr>
+            <a:noAutofit/>
+          </a:bodyPr>
+          <a:lstStyle/>
+          <a:p>
+            <a:pPr marL="0" indent="0">
+              <a:buNone/>
+            </a:pPr>
+            <a:r>
+              <a:rPr lang="it-IT" sz="33000" dirty="0">
+                <a:ln>
+                  <a:solidFill>
+                    <a:schemeClr val="tx1">
+                      <a:alpha val="30000"/>
+                    </a:schemeClr>
+                  </a:solidFill>
+                </a:ln>
+                <a:latin typeface="04b" panose="00000400000000000000" pitchFamily="2" charset="0"/>
+              </a:rPr>
+              <a:t>5</a:t>
+            </a:r>
+          </a:p>
+        </p:txBody>
+      </p:sp>
+    </p:spTree>
+    <p:extLst>
+      <p:ext uri="{BB962C8B-B14F-4D97-AF65-F5344CB8AC3E}">
+        <p14:creationId xmlns:p14="http://schemas.microsoft.com/office/powerpoint/2010/main" val="2182934117"/>
+      </p:ext>
+    </p:extLst>
+  </p:cSld>
+  <p:clrMapOvr>
+    <a:masterClrMapping/>
+  </p:clrMapOvr>
+  <mc:AlternateContent xmlns:mc="http://schemas.openxmlformats.org/markup-compatibility/2006" xmlns:p14="http://schemas.microsoft.com/office/powerpoint/2010/main">
+    <mc:Choice Requires="p14">
+      <p:transition spd="med" p14:dur="700">
+        <p:fade/>
+      </p:transition>
+    </mc:Choice>
+    <mc:Fallback xmlns="">
+      <p:transition spd="med">
+        <p:fade/>
+      </p:transition>
+    </mc:Fallback>
+  </mc:AlternateContent>
+</p:sld>
+</file>
+
+<file path=ppt/slides/slide4.xml><?xml version="1.0" encoding="utf-8"?>
+<p:sld xmlns:a="http://schemas.openxmlformats.org/drawingml/2006/main" xmlns:r="http://schemas.openxmlformats.org/officeDocument/2006/relationships" xmlns:p="http://schemas.openxmlformats.org/presentationml/2006/main">
+  <p:cSld>
+    <p:spTree>
+      <p:nvGrpSpPr>
+        <p:cNvPr id="1" name=""/>
+        <p:cNvGrpSpPr/>
+        <p:nvPr/>
+      </p:nvGrpSpPr>
+      <p:grpSpPr>
+        <a:xfrm>
+          <a:off x="0" y="0"/>
+          <a:ext cx="0" cy="0"/>
+          <a:chOff x="0" y="0"/>
+          <a:chExt cx="0" cy="0"/>
+        </a:xfrm>
+      </p:grpSpPr>
+      <p:sp>
+        <p:nvSpPr>
+          <p:cNvPr id="2" name="Titolo 1">
+            <a:extLst>
+              <a:ext uri="{FF2B5EF4-FFF2-40B4-BE49-F238E27FC236}">
+                <a16:creationId xmlns:a16="http://schemas.microsoft.com/office/drawing/2014/main" id="{7EA9249D-2005-8E9E-A97F-6E3495796B29}"/>
+              </a:ext>
+            </a:extLst>
+          </p:cNvPr>
+          <p:cNvSpPr>
+            <a:spLocks noGrp="1"/>
+          </p:cNvSpPr>
+          <p:nvPr>
+            <p:ph type="title"/>
+          </p:nvPr>
+        </p:nvSpPr>
+        <p:spPr/>
+        <p:txBody>
+          <a:bodyPr>
+            <a:noAutofit/>
+          </a:bodyPr>
+          <a:lstStyle/>
+          <a:p>
+            <a:r>
+              <a:rPr lang="it-IT" sz="4800" dirty="0">
+                <a:ln w="9525" cmpd="sng">
+                  <a:solidFill>
+                    <a:schemeClr val="tx1">
+                      <a:alpha val="30000"/>
+                    </a:schemeClr>
+                  </a:solidFill>
+                </a:ln>
+              </a:rPr>
+              <a:t>Object-</a:t>
+            </a:r>
+            <a:r>
+              <a:rPr lang="it-IT" sz="4800" dirty="0" err="1">
+                <a:ln w="9525" cmpd="sng">
+                  <a:solidFill>
+                    <a:schemeClr val="tx1">
+                      <a:alpha val="30000"/>
+                    </a:schemeClr>
+                  </a:solidFill>
+                </a:ln>
+              </a:rPr>
+              <a:t>oriented</a:t>
+            </a:r>
+            <a:r>
+              <a:rPr lang="it-IT" sz="4800" dirty="0">
+                <a:ln w="9525" cmpd="sng">
+                  <a:solidFill>
+                    <a:schemeClr val="tx1">
+                      <a:alpha val="30000"/>
+                    </a:schemeClr>
+                  </a:solidFill>
+                </a:ln>
+              </a:rPr>
+              <a:t> programming</a:t>
+            </a:r>
+          </a:p>
+        </p:txBody>
+      </p:sp>
+      <p:sp>
+        <p:nvSpPr>
+          <p:cNvPr id="3" name="Segnaposto contenuto 2">
+            <a:extLst>
+              <a:ext uri="{FF2B5EF4-FFF2-40B4-BE49-F238E27FC236}">
+                <a16:creationId xmlns:a16="http://schemas.microsoft.com/office/drawing/2014/main" id="{7F9881D4-3BEF-370C-40DF-7E7BF7A95F69}"/>
+              </a:ext>
+            </a:extLst>
+          </p:cNvPr>
+          <p:cNvSpPr>
+            <a:spLocks noGrp="1"/>
+          </p:cNvSpPr>
+          <p:nvPr>
+            <p:ph idx="1"/>
+          </p:nvPr>
+        </p:nvSpPr>
+        <p:spPr/>
+        <p:txBody>
+          <a:bodyPr>
+            <a:noAutofit/>
+          </a:bodyPr>
+          <a:lstStyle/>
+          <a:p>
+            <a:pPr marL="0" indent="0">
+              <a:buNone/>
+            </a:pPr>
+            <a:r>
+              <a:rPr lang="it-IT" sz="3000" dirty="0"/>
+              <a:t>Nella </a:t>
+            </a:r>
+            <a:r>
+              <a:rPr lang="it-IT" dirty="0">
+                <a:solidFill>
+                  <a:srgbClr val="FF9933"/>
+                </a:solidFill>
+              </a:rPr>
+              <a:t>OOP</a:t>
+            </a:r>
+            <a:r>
+              <a:rPr lang="it-IT" sz="3000" dirty="0"/>
+              <a:t> ("</a:t>
+            </a:r>
+            <a:r>
+              <a:rPr lang="it-IT" sz="3000" dirty="0" err="1"/>
+              <a:t>object-oriented</a:t>
+            </a:r>
+            <a:r>
+              <a:rPr lang="it-IT" sz="3000" dirty="0"/>
+              <a:t> programming"),una </a:t>
+            </a:r>
+            <a:r>
+              <a:rPr lang="it-IT" dirty="0">
+                <a:solidFill>
+                  <a:srgbClr val="FF9933"/>
+                </a:solidFill>
+              </a:rPr>
+              <a:t>classe</a:t>
+            </a:r>
+            <a:r>
+              <a:rPr lang="it-IT" sz="3000" dirty="0"/>
+              <a:t> è progetto per creare (che in Godot sono rappresentati dai nodi), </a:t>
+            </a:r>
+            <a:r>
+              <a:rPr lang="it-IT" sz="3000" dirty="0" err="1"/>
+              <a:t>chefornisce</a:t>
+            </a:r>
+            <a:r>
+              <a:rPr lang="it-IT" sz="3000" dirty="0"/>
+              <a:t> anche valori iniziali per lo stato (variabili membro o attributi) e </a:t>
+            </a:r>
+            <a:r>
+              <a:rPr lang="it-IT" sz="3000" dirty="0" err="1"/>
+              <a:t>implementazionidi</a:t>
+            </a:r>
+            <a:r>
+              <a:rPr lang="it-IT" sz="3000" dirty="0"/>
+              <a:t> comportamento (funzioni membro o metodi). </a:t>
+            </a:r>
+          </a:p>
+        </p:txBody>
+      </p:sp>
+      <p:sp>
+        <p:nvSpPr>
+          <p:cNvPr id="10" name="Segnaposto testo 3">
+            <a:extLst>
+              <a:ext uri="{FF2B5EF4-FFF2-40B4-BE49-F238E27FC236}">
+                <a16:creationId xmlns:a16="http://schemas.microsoft.com/office/drawing/2014/main" id="{E48066AC-8769-0E08-729B-608CBEAB8304}"/>
+              </a:ext>
+            </a:extLst>
+          </p:cNvPr>
+          <p:cNvSpPr>
+            <a:spLocks noGrp="1"/>
+          </p:cNvSpPr>
+          <p:nvPr>
+            <p:ph type="body" sz="quarter" idx="10"/>
+          </p:nvPr>
+        </p:nvSpPr>
+        <p:spPr>
+          <a:xfrm>
+            <a:off x="9380136" y="124900"/>
+            <a:ext cx="356589" cy="436970"/>
+          </a:xfrm>
+        </p:spPr>
+        <p:txBody>
+          <a:bodyPr/>
+          <a:lstStyle/>
+          <a:p>
+            <a:r>
+              <a:rPr lang="it-IT" dirty="0"/>
+              <a:t>1</a:t>
+            </a:r>
+          </a:p>
+        </p:txBody>
+      </p:sp>
+      <p:sp>
+        <p:nvSpPr>
+          <p:cNvPr id="11" name="Segnaposto testo 4">
+            <a:extLst>
+              <a:ext uri="{FF2B5EF4-FFF2-40B4-BE49-F238E27FC236}">
+                <a16:creationId xmlns:a16="http://schemas.microsoft.com/office/drawing/2014/main" id="{263AFB70-2588-7B65-89D5-F73BB643A1D5}"/>
+              </a:ext>
+            </a:extLst>
+          </p:cNvPr>
+          <p:cNvSpPr>
+            <a:spLocks noGrp="1"/>
+          </p:cNvSpPr>
+          <p:nvPr>
+            <p:ph type="body" sz="quarter" idx="11"/>
+          </p:nvPr>
+        </p:nvSpPr>
+        <p:spPr>
+          <a:xfrm>
+            <a:off x="9691997" y="134968"/>
+            <a:ext cx="2152357" cy="436970"/>
+          </a:xfrm>
+        </p:spPr>
+        <p:txBody>
+          <a:bodyPr>
+            <a:normAutofit fontScale="92500" lnSpcReduction="10000"/>
+          </a:bodyPr>
+          <a:lstStyle/>
+          <a:p>
+            <a:r>
+              <a:rPr lang="it-IT" dirty="0"/>
+              <a:t>CLASSI</a:t>
+            </a:r>
+          </a:p>
+        </p:txBody>
+      </p:sp>
+    </p:spTree>
+    <p:extLst>
+      <p:ext uri="{BB962C8B-B14F-4D97-AF65-F5344CB8AC3E}">
+        <p14:creationId xmlns:p14="http://schemas.microsoft.com/office/powerpoint/2010/main" val="575892640"/>
+      </p:ext>
+    </p:extLst>
+  </p:cSld>
+  <p:clrMapOvr>
+    <a:masterClrMapping/>
+  </p:clrMapOvr>
+  <mc:AlternateContent xmlns:mc="http://schemas.openxmlformats.org/markup-compatibility/2006" xmlns:p14="http://schemas.microsoft.com/office/powerpoint/2010/main">
+    <mc:Choice Requires="p14">
+      <p:transition spd="med" p14:dur="700">
+        <p:fade/>
+      </p:transition>
+    </mc:Choice>
+    <mc:Fallback xmlns="">
+      <p:transition spd="med">
+        <p:fade/>
+      </p:transition>
+    </mc:Fallback>
+  </mc:AlternateContent>
+</p:sld>
+</file>
+
+<file path=ppt/slides/slide40.xml><?xml version="1.0" encoding="utf-8"?>
+<p:sld xmlns:a="http://schemas.openxmlformats.org/drawingml/2006/main" xmlns:r="http://schemas.openxmlformats.org/officeDocument/2006/relationships" xmlns:p="http://schemas.openxmlformats.org/presentationml/2006/main">
+  <p:cSld>
+    <p:spTree>
+      <p:nvGrpSpPr>
+        <p:cNvPr id="1" name="">
+          <a:extLst>
+            <a:ext uri="{FF2B5EF4-FFF2-40B4-BE49-F238E27FC236}">
+              <a16:creationId xmlns:a16="http://schemas.microsoft.com/office/drawing/2014/main" id="{00756BD0-5968-B425-D592-6B82AFB5496A}"/>
+            </a:ext>
+          </a:extLst>
+        </p:cNvPr>
+        <p:cNvGrpSpPr/>
+        <p:nvPr/>
+      </p:nvGrpSpPr>
+      <p:grpSpPr>
+        <a:xfrm>
+          <a:off x="0" y="0"/>
+          <a:ext cx="0" cy="0"/>
+          <a:chOff x="0" y="0"/>
+          <a:chExt cx="0" cy="0"/>
+        </a:xfrm>
+      </p:grpSpPr>
+      <p:sp>
+        <p:nvSpPr>
+          <p:cNvPr id="2" name="Titolo 1">
+            <a:extLst>
+              <a:ext uri="{FF2B5EF4-FFF2-40B4-BE49-F238E27FC236}">
+                <a16:creationId xmlns:a16="http://schemas.microsoft.com/office/drawing/2014/main" id="{703EDFD6-A2F7-66A2-42EB-0946B82DE686}"/>
+              </a:ext>
+            </a:extLst>
+          </p:cNvPr>
+          <p:cNvSpPr>
+            <a:spLocks noGrp="1"/>
+          </p:cNvSpPr>
+          <p:nvPr>
+            <p:ph type="title"/>
+          </p:nvPr>
+        </p:nvSpPr>
+        <p:spPr/>
+        <p:txBody>
+          <a:bodyPr>
+            <a:noAutofit/>
+          </a:bodyPr>
+          <a:lstStyle/>
+          <a:p>
+            <a:r>
+              <a:rPr lang="it-IT" dirty="0">
+                <a:ln w="9525" cmpd="sng">
+                  <a:solidFill>
+                    <a:schemeClr val="tx1">
+                      <a:alpha val="30000"/>
+                    </a:schemeClr>
+                  </a:solidFill>
+                </a:ln>
+              </a:rPr>
+              <a:t>Array</a:t>
+            </a:r>
+          </a:p>
+        </p:txBody>
+      </p:sp>
+      <p:sp>
+        <p:nvSpPr>
+          <p:cNvPr id="3" name="Segnaposto contenuto 2">
+            <a:extLst>
+              <a:ext uri="{FF2B5EF4-FFF2-40B4-BE49-F238E27FC236}">
+                <a16:creationId xmlns:a16="http://schemas.microsoft.com/office/drawing/2014/main" id="{4EE934B7-4618-D788-03C5-77D115D79FAA}"/>
+              </a:ext>
+            </a:extLst>
+          </p:cNvPr>
+          <p:cNvSpPr>
+            <a:spLocks noGrp="1"/>
+          </p:cNvSpPr>
+          <p:nvPr>
+            <p:ph idx="1"/>
+          </p:nvPr>
+        </p:nvSpPr>
+        <p:spPr/>
+        <p:txBody>
+          <a:bodyPr>
+            <a:noAutofit/>
+          </a:bodyPr>
+          <a:lstStyle/>
+          <a:p>
+            <a:pPr marL="0" indent="0">
+              <a:buNone/>
+            </a:pPr>
+            <a:r>
+              <a:rPr lang="it-IT" sz="3000" dirty="0"/>
+              <a:t>Un </a:t>
+            </a:r>
+            <a:r>
+              <a:rPr lang="it-IT" sz="3000" dirty="0">
+                <a:solidFill>
+                  <a:srgbClr val="FF9933"/>
+                </a:solidFill>
+              </a:rPr>
+              <a:t>Array</a:t>
+            </a:r>
+            <a:r>
+              <a:rPr lang="it-IT" sz="3000" dirty="0"/>
+              <a:t> è una struttura dati lineare dove tutti gli elementi sono disposti in modo sequenziale.</a:t>
+            </a:r>
+          </a:p>
+          <a:p>
+            <a:pPr marL="0" indent="0">
+              <a:buNone/>
+            </a:pPr>
+            <a:r>
+              <a:rPr lang="it-IT" sz="3000" dirty="0"/>
+              <a:t>È una collezione di elementi dello stesso tipo memorizzati in posizioni di memoria contigue.</a:t>
+            </a:r>
+          </a:p>
+        </p:txBody>
+      </p:sp>
+      <p:sp>
+        <p:nvSpPr>
+          <p:cNvPr id="8" name="Segnaposto testo 3">
+            <a:extLst>
+              <a:ext uri="{FF2B5EF4-FFF2-40B4-BE49-F238E27FC236}">
+                <a16:creationId xmlns:a16="http://schemas.microsoft.com/office/drawing/2014/main" id="{287CCCB2-B459-FEF5-4004-03BB4B060930}"/>
+              </a:ext>
+            </a:extLst>
+          </p:cNvPr>
+          <p:cNvSpPr>
+            <a:spLocks noGrp="1"/>
+          </p:cNvSpPr>
+          <p:nvPr>
+            <p:ph type="body" sz="quarter" idx="10"/>
+          </p:nvPr>
+        </p:nvSpPr>
+        <p:spPr>
+          <a:xfrm>
+            <a:off x="9350156" y="124900"/>
+            <a:ext cx="356589" cy="436970"/>
+          </a:xfrm>
+        </p:spPr>
+        <p:txBody>
+          <a:bodyPr/>
+          <a:lstStyle/>
+          <a:p>
+            <a:r>
+              <a:rPr lang="it-IT" dirty="0"/>
+              <a:t>5</a:t>
+            </a:r>
+          </a:p>
+        </p:txBody>
+      </p:sp>
+      <p:sp>
+        <p:nvSpPr>
+          <p:cNvPr id="9" name="Segnaposto testo 4">
+            <a:extLst>
+              <a:ext uri="{FF2B5EF4-FFF2-40B4-BE49-F238E27FC236}">
+                <a16:creationId xmlns:a16="http://schemas.microsoft.com/office/drawing/2014/main" id="{3ADBA739-E145-E6F7-72AE-B706DF7C75DC}"/>
+              </a:ext>
+            </a:extLst>
+          </p:cNvPr>
+          <p:cNvSpPr>
+            <a:spLocks noGrp="1"/>
+          </p:cNvSpPr>
+          <p:nvPr>
+            <p:ph type="body" sz="quarter" idx="11"/>
+          </p:nvPr>
+        </p:nvSpPr>
+        <p:spPr>
+          <a:xfrm>
+            <a:off x="9691997" y="134968"/>
+            <a:ext cx="2152357" cy="436970"/>
+          </a:xfrm>
+        </p:spPr>
+        <p:txBody>
+          <a:bodyPr>
+            <a:normAutofit fontScale="92500" lnSpcReduction="10000"/>
+          </a:bodyPr>
+          <a:lstStyle/>
+          <a:p>
+            <a:r>
+              <a:rPr lang="it-IT" dirty="0"/>
+              <a:t>ARRAY</a:t>
+            </a:r>
+          </a:p>
+        </p:txBody>
+      </p:sp>
+    </p:spTree>
+    <p:extLst>
+      <p:ext uri="{BB962C8B-B14F-4D97-AF65-F5344CB8AC3E}">
+        <p14:creationId xmlns:p14="http://schemas.microsoft.com/office/powerpoint/2010/main" val="809163395"/>
+      </p:ext>
+    </p:extLst>
+  </p:cSld>
+  <p:clrMapOvr>
+    <a:masterClrMapping/>
+  </p:clrMapOvr>
+  <mc:AlternateContent xmlns:mc="http://schemas.openxmlformats.org/markup-compatibility/2006" xmlns:p14="http://schemas.microsoft.com/office/powerpoint/2010/main">
+    <mc:Choice Requires="p14">
+      <p:transition spd="med" p14:dur="700">
+        <p:fade/>
+      </p:transition>
+    </mc:Choice>
+    <mc:Fallback xmlns="">
+      <p:transition spd="med">
+        <p:fade/>
+      </p:transition>
+    </mc:Fallback>
+  </mc:AlternateContent>
+</p:sld>
+</file>
+
+<file path=ppt/slides/slide41.xml><?xml version="1.0" encoding="utf-8"?>
+<p:sld xmlns:a="http://schemas.openxmlformats.org/drawingml/2006/main" xmlns:r="http://schemas.openxmlformats.org/officeDocument/2006/relationships" xmlns:p="http://schemas.openxmlformats.org/presentationml/2006/main">
+  <p:cSld>
+    <p:spTree>
+      <p:nvGrpSpPr>
+        <p:cNvPr id="1" name="">
+          <a:extLst>
+            <a:ext uri="{FF2B5EF4-FFF2-40B4-BE49-F238E27FC236}">
+              <a16:creationId xmlns:a16="http://schemas.microsoft.com/office/drawing/2014/main" id="{3F2D8D70-26C9-4E2E-96B2-43FF78DA5E20}"/>
+            </a:ext>
+          </a:extLst>
+        </p:cNvPr>
+        <p:cNvGrpSpPr/>
+        <p:nvPr/>
+      </p:nvGrpSpPr>
+      <p:grpSpPr>
+        <a:xfrm>
+          <a:off x="0" y="0"/>
+          <a:ext cx="0" cy="0"/>
+          <a:chOff x="0" y="0"/>
+          <a:chExt cx="0" cy="0"/>
+        </a:xfrm>
+      </p:grpSpPr>
+      <p:sp>
+        <p:nvSpPr>
+          <p:cNvPr id="2" name="Titolo 1">
+            <a:extLst>
+              <a:ext uri="{FF2B5EF4-FFF2-40B4-BE49-F238E27FC236}">
+                <a16:creationId xmlns:a16="http://schemas.microsoft.com/office/drawing/2014/main" id="{0F3FADF1-C897-008F-8171-821C5111939A}"/>
+              </a:ext>
+            </a:extLst>
+          </p:cNvPr>
+          <p:cNvSpPr>
+            <a:spLocks noGrp="1"/>
+          </p:cNvSpPr>
+          <p:nvPr>
+            <p:ph type="title"/>
+          </p:nvPr>
+        </p:nvSpPr>
+        <p:spPr/>
+        <p:txBody>
+          <a:bodyPr>
+            <a:noAutofit/>
+          </a:bodyPr>
+          <a:lstStyle/>
+          <a:p>
+            <a:r>
+              <a:rPr lang="it-IT" dirty="0">
+                <a:ln w="9525" cmpd="sng">
+                  <a:solidFill>
+                    <a:schemeClr val="tx1">
+                      <a:alpha val="30000"/>
+                    </a:schemeClr>
+                  </a:solidFill>
+                </a:ln>
+              </a:rPr>
+              <a:t>Array</a:t>
+            </a:r>
+          </a:p>
+        </p:txBody>
+      </p:sp>
+      <p:sp>
+        <p:nvSpPr>
+          <p:cNvPr id="3" name="Segnaposto contenuto 2">
+            <a:extLst>
+              <a:ext uri="{FF2B5EF4-FFF2-40B4-BE49-F238E27FC236}">
+                <a16:creationId xmlns:a16="http://schemas.microsoft.com/office/drawing/2014/main" id="{6239D5B6-6030-0F0F-0232-29D6C81F406C}"/>
+              </a:ext>
+            </a:extLst>
+          </p:cNvPr>
+          <p:cNvSpPr>
+            <a:spLocks noGrp="1"/>
+          </p:cNvSpPr>
+          <p:nvPr>
+            <p:ph idx="1"/>
+          </p:nvPr>
+        </p:nvSpPr>
+        <p:spPr/>
+        <p:txBody>
+          <a:bodyPr>
+            <a:noAutofit/>
+          </a:bodyPr>
+          <a:lstStyle/>
+          <a:p>
+            <a:pPr marL="0" indent="0">
+              <a:buNone/>
+            </a:pPr>
+            <a:r>
+              <a:rPr lang="it-IT" sz="3000" dirty="0"/>
+              <a:t>Per semplicità, possiamo pensare a un array come a una rampa di scale in cui su ogni gradino è posto un valore.</a:t>
+            </a:r>
+          </a:p>
+          <a:p>
+            <a:pPr marL="0" indent="0">
+              <a:buNone/>
+            </a:pPr>
+            <a:r>
+              <a:rPr lang="it-IT" sz="3000" dirty="0"/>
+              <a:t>In questo modo, per conoscere la posizione di un qualsiasi valore, basta semplicemente contare i gradini in cui si trova.</a:t>
+            </a:r>
+          </a:p>
+        </p:txBody>
+      </p:sp>
+      <p:sp>
+        <p:nvSpPr>
+          <p:cNvPr id="8" name="Segnaposto testo 3">
+            <a:extLst>
+              <a:ext uri="{FF2B5EF4-FFF2-40B4-BE49-F238E27FC236}">
+                <a16:creationId xmlns:a16="http://schemas.microsoft.com/office/drawing/2014/main" id="{664AB083-E6AC-05BF-B9C2-58D57541AF6F}"/>
+              </a:ext>
+            </a:extLst>
+          </p:cNvPr>
+          <p:cNvSpPr>
+            <a:spLocks noGrp="1"/>
+          </p:cNvSpPr>
+          <p:nvPr>
+            <p:ph type="body" sz="quarter" idx="10"/>
+          </p:nvPr>
+        </p:nvSpPr>
+        <p:spPr>
+          <a:xfrm>
+            <a:off x="9350156" y="124900"/>
+            <a:ext cx="356589" cy="436970"/>
+          </a:xfrm>
+        </p:spPr>
+        <p:txBody>
+          <a:bodyPr/>
+          <a:lstStyle/>
+          <a:p>
+            <a:r>
+              <a:rPr lang="it-IT" dirty="0"/>
+              <a:t>5</a:t>
+            </a:r>
+          </a:p>
+        </p:txBody>
+      </p:sp>
+      <p:sp>
+        <p:nvSpPr>
+          <p:cNvPr id="9" name="Segnaposto testo 4">
+            <a:extLst>
+              <a:ext uri="{FF2B5EF4-FFF2-40B4-BE49-F238E27FC236}">
+                <a16:creationId xmlns:a16="http://schemas.microsoft.com/office/drawing/2014/main" id="{DE3E6583-76A4-AA05-518F-F414E7E684D2}"/>
+              </a:ext>
+            </a:extLst>
+          </p:cNvPr>
+          <p:cNvSpPr>
+            <a:spLocks noGrp="1"/>
+          </p:cNvSpPr>
+          <p:nvPr>
+            <p:ph type="body" sz="quarter" idx="11"/>
+          </p:nvPr>
+        </p:nvSpPr>
+        <p:spPr>
+          <a:xfrm>
+            <a:off x="9691997" y="134968"/>
+            <a:ext cx="2152357" cy="436970"/>
+          </a:xfrm>
+        </p:spPr>
+        <p:txBody>
+          <a:bodyPr>
+            <a:normAutofit fontScale="92500" lnSpcReduction="10000"/>
+          </a:bodyPr>
+          <a:lstStyle/>
+          <a:p>
+            <a:r>
+              <a:rPr lang="it-IT" dirty="0"/>
+              <a:t>ARRAY</a:t>
+            </a:r>
+          </a:p>
+        </p:txBody>
+      </p:sp>
+    </p:spTree>
+    <p:extLst>
+      <p:ext uri="{BB962C8B-B14F-4D97-AF65-F5344CB8AC3E}">
+        <p14:creationId xmlns:p14="http://schemas.microsoft.com/office/powerpoint/2010/main" val="2933372957"/>
+      </p:ext>
+    </p:extLst>
+  </p:cSld>
+  <p:clrMapOvr>
+    <a:masterClrMapping/>
+  </p:clrMapOvr>
+  <mc:AlternateContent xmlns:mc="http://schemas.openxmlformats.org/markup-compatibility/2006" xmlns:p14="http://schemas.microsoft.com/office/powerpoint/2010/main">
+    <mc:Choice Requires="p14">
+      <p:transition spd="med" p14:dur="700">
+        <p:fade/>
+      </p:transition>
+    </mc:Choice>
+    <mc:Fallback xmlns="">
+      <p:transition spd="med">
+        <p:fade/>
+      </p:transition>
+    </mc:Fallback>
+  </mc:AlternateContent>
+</p:sld>
+</file>
+
+<file path=ppt/slides/slide42.xml><?xml version="1.0" encoding="utf-8"?>
+<p:sld xmlns:a="http://schemas.openxmlformats.org/drawingml/2006/main" xmlns:r="http://schemas.openxmlformats.org/officeDocument/2006/relationships" xmlns:p="http://schemas.openxmlformats.org/presentationml/2006/main">
+  <p:cSld>
+    <p:spTree>
+      <p:nvGrpSpPr>
+        <p:cNvPr id="1" name="">
+          <a:extLst>
+            <a:ext uri="{FF2B5EF4-FFF2-40B4-BE49-F238E27FC236}">
+              <a16:creationId xmlns:a16="http://schemas.microsoft.com/office/drawing/2014/main" id="{05399517-C43C-17C2-AF42-9BB00CAA2EEB}"/>
+            </a:ext>
+          </a:extLst>
+        </p:cNvPr>
+        <p:cNvGrpSpPr/>
+        <p:nvPr/>
+      </p:nvGrpSpPr>
+      <p:grpSpPr>
+        <a:xfrm>
+          <a:off x="0" y="0"/>
+          <a:ext cx="0" cy="0"/>
+          <a:chOff x="0" y="0"/>
+          <a:chExt cx="0" cy="0"/>
+        </a:xfrm>
+      </p:grpSpPr>
+      <p:sp>
+        <p:nvSpPr>
+          <p:cNvPr id="2" name="Titolo 1">
+            <a:extLst>
+              <a:ext uri="{FF2B5EF4-FFF2-40B4-BE49-F238E27FC236}">
+                <a16:creationId xmlns:a16="http://schemas.microsoft.com/office/drawing/2014/main" id="{E9FFD85C-0D33-C64A-51C4-F22BA1FC8515}"/>
+              </a:ext>
+            </a:extLst>
+          </p:cNvPr>
+          <p:cNvSpPr>
+            <a:spLocks noGrp="1"/>
+          </p:cNvSpPr>
+          <p:nvPr>
+            <p:ph type="title"/>
+          </p:nvPr>
+        </p:nvSpPr>
+        <p:spPr/>
+        <p:txBody>
+          <a:bodyPr>
+            <a:noAutofit/>
+          </a:bodyPr>
+          <a:lstStyle/>
+          <a:p>
+            <a:r>
+              <a:rPr lang="it-IT" dirty="0">
+                <a:ln w="9525" cmpd="sng">
+                  <a:solidFill>
+                    <a:schemeClr val="tx1">
+                      <a:alpha val="30000"/>
+                    </a:schemeClr>
+                  </a:solidFill>
+                </a:ln>
+              </a:rPr>
+              <a:t>Array</a:t>
+            </a:r>
+          </a:p>
+        </p:txBody>
+      </p:sp>
+      <p:sp>
+        <p:nvSpPr>
+          <p:cNvPr id="3" name="Segnaposto contenuto 2">
+            <a:extLst>
+              <a:ext uri="{FF2B5EF4-FFF2-40B4-BE49-F238E27FC236}">
+                <a16:creationId xmlns:a16="http://schemas.microsoft.com/office/drawing/2014/main" id="{150E9E7B-2D1E-210B-9181-804560CD0251}"/>
+              </a:ext>
+            </a:extLst>
+          </p:cNvPr>
+          <p:cNvSpPr>
+            <a:spLocks noGrp="1"/>
+          </p:cNvSpPr>
+          <p:nvPr>
+            <p:ph idx="1"/>
+          </p:nvPr>
+        </p:nvSpPr>
+        <p:spPr/>
+        <p:txBody>
+          <a:bodyPr>
+            <a:noAutofit/>
+          </a:bodyPr>
+          <a:lstStyle/>
+          <a:p>
+            <a:pPr marL="0" indent="0">
+              <a:buNone/>
+            </a:pPr>
+            <a:r>
+              <a:rPr lang="it-IT" sz="3000" dirty="0"/>
+              <a:t>Questo sistema rende molto più facile calcolare la posizione di ciascun elemento aggiungendo un valore di </a:t>
+            </a:r>
+            <a:r>
+              <a:rPr lang="it-IT" sz="3000" dirty="0">
+                <a:solidFill>
+                  <a:srgbClr val="FF9933"/>
+                </a:solidFill>
+              </a:rPr>
+              <a:t>offset</a:t>
+            </a:r>
+            <a:r>
+              <a:rPr lang="it-IT" sz="3000" dirty="0"/>
+              <a:t> a un valore di base, cioè, la locazione di memoria del primo elemento dell’array (generalmente denotano con il nome dell’array). </a:t>
+            </a:r>
+          </a:p>
+          <a:p>
+            <a:pPr marL="0" indent="0">
+              <a:buNone/>
+            </a:pPr>
+            <a:r>
+              <a:rPr lang="it-IT" sz="3000" dirty="0"/>
+              <a:t>Il valore di base è l’</a:t>
+            </a:r>
+            <a:r>
+              <a:rPr lang="it-IT" sz="3000" dirty="0">
+                <a:solidFill>
+                  <a:srgbClr val="FF9933"/>
+                </a:solidFill>
+              </a:rPr>
+              <a:t>indice</a:t>
+            </a:r>
+            <a:r>
+              <a:rPr lang="it-IT" sz="3000" dirty="0"/>
+              <a:t> (index) </a:t>
+            </a:r>
+            <a:r>
+              <a:rPr lang="it-IT" sz="3000" dirty="0">
+                <a:solidFill>
+                  <a:srgbClr val="FF9933"/>
+                </a:solidFill>
+              </a:rPr>
+              <a:t>0</a:t>
+            </a:r>
+            <a:r>
+              <a:rPr lang="it-IT" sz="3000" dirty="0"/>
+              <a:t>,mentre la differenza tra i due indici è l’</a:t>
+            </a:r>
+            <a:r>
+              <a:rPr lang="it-IT" sz="3000" dirty="0">
+                <a:solidFill>
+                  <a:srgbClr val="FF9933"/>
+                </a:solidFill>
+              </a:rPr>
+              <a:t>offset</a:t>
+            </a:r>
+            <a:r>
+              <a:rPr lang="it-IT" sz="3000" dirty="0"/>
+              <a:t>.</a:t>
+            </a:r>
+          </a:p>
+        </p:txBody>
+      </p:sp>
+      <p:sp>
+        <p:nvSpPr>
+          <p:cNvPr id="8" name="Segnaposto testo 3">
+            <a:extLst>
+              <a:ext uri="{FF2B5EF4-FFF2-40B4-BE49-F238E27FC236}">
+                <a16:creationId xmlns:a16="http://schemas.microsoft.com/office/drawing/2014/main" id="{07141CFD-E362-F357-BA6D-0474ABE8AB9A}"/>
+              </a:ext>
+            </a:extLst>
+          </p:cNvPr>
+          <p:cNvSpPr>
+            <a:spLocks noGrp="1"/>
+          </p:cNvSpPr>
+          <p:nvPr>
+            <p:ph type="body" sz="quarter" idx="10"/>
+          </p:nvPr>
+        </p:nvSpPr>
+        <p:spPr>
+          <a:xfrm>
+            <a:off x="9350156" y="124900"/>
+            <a:ext cx="356589" cy="436970"/>
+          </a:xfrm>
+        </p:spPr>
+        <p:txBody>
+          <a:bodyPr/>
+          <a:lstStyle/>
+          <a:p>
+            <a:r>
+              <a:rPr lang="it-IT" dirty="0"/>
+              <a:t>5</a:t>
+            </a:r>
+          </a:p>
+        </p:txBody>
+      </p:sp>
+      <p:sp>
+        <p:nvSpPr>
+          <p:cNvPr id="9" name="Segnaposto testo 4">
+            <a:extLst>
+              <a:ext uri="{FF2B5EF4-FFF2-40B4-BE49-F238E27FC236}">
+                <a16:creationId xmlns:a16="http://schemas.microsoft.com/office/drawing/2014/main" id="{A85A51F5-1295-302C-51FB-6D4154F6D6CF}"/>
+              </a:ext>
+            </a:extLst>
+          </p:cNvPr>
+          <p:cNvSpPr>
+            <a:spLocks noGrp="1"/>
+          </p:cNvSpPr>
+          <p:nvPr>
+            <p:ph type="body" sz="quarter" idx="11"/>
+          </p:nvPr>
+        </p:nvSpPr>
+        <p:spPr>
+          <a:xfrm>
+            <a:off x="9691997" y="134968"/>
+            <a:ext cx="2152357" cy="436970"/>
+          </a:xfrm>
+        </p:spPr>
+        <p:txBody>
+          <a:bodyPr>
+            <a:normAutofit fontScale="92500" lnSpcReduction="10000"/>
+          </a:bodyPr>
+          <a:lstStyle/>
+          <a:p>
+            <a:r>
+              <a:rPr lang="it-IT" dirty="0"/>
+              <a:t>ARRAY</a:t>
+            </a:r>
+          </a:p>
+        </p:txBody>
+      </p:sp>
+    </p:spTree>
+    <p:extLst>
+      <p:ext uri="{BB962C8B-B14F-4D97-AF65-F5344CB8AC3E}">
+        <p14:creationId xmlns:p14="http://schemas.microsoft.com/office/powerpoint/2010/main" val="3795255570"/>
+      </p:ext>
+    </p:extLst>
+  </p:cSld>
+  <p:clrMapOvr>
+    <a:masterClrMapping/>
+  </p:clrMapOvr>
+  <mc:AlternateContent xmlns:mc="http://schemas.openxmlformats.org/markup-compatibility/2006" xmlns:p14="http://schemas.microsoft.com/office/powerpoint/2010/main">
+    <mc:Choice Requires="p14">
+      <p:transition spd="med" p14:dur="700">
+        <p:fade/>
+      </p:transition>
+    </mc:Choice>
+    <mc:Fallback xmlns="">
+      <p:transition spd="med">
+        <p:fade/>
+      </p:transition>
+    </mc:Fallback>
+  </mc:AlternateContent>
+</p:sld>
+</file>
+
+<file path=ppt/slides/slide43.xml><?xml version="1.0" encoding="utf-8"?>
+<p:sld xmlns:a="http://schemas.openxmlformats.org/drawingml/2006/main" xmlns:r="http://schemas.openxmlformats.org/officeDocument/2006/relationships" xmlns:p="http://schemas.openxmlformats.org/presentationml/2006/main">
+  <p:cSld>
+    <p:spTree>
+      <p:nvGrpSpPr>
+        <p:cNvPr id="1" name="">
+          <a:extLst>
+            <a:ext uri="{FF2B5EF4-FFF2-40B4-BE49-F238E27FC236}">
+              <a16:creationId xmlns:a16="http://schemas.microsoft.com/office/drawing/2014/main" id="{10BF40C9-E702-0520-D7D1-FC675AE5D858}"/>
+            </a:ext>
+          </a:extLst>
+        </p:cNvPr>
+        <p:cNvGrpSpPr/>
+        <p:nvPr/>
+      </p:nvGrpSpPr>
+      <p:grpSpPr>
+        <a:xfrm>
+          <a:off x="0" y="0"/>
+          <a:ext cx="0" cy="0"/>
+          <a:chOff x="0" y="0"/>
+          <a:chExt cx="0" cy="0"/>
+        </a:xfrm>
+      </p:grpSpPr>
+      <p:sp>
+        <p:nvSpPr>
+          <p:cNvPr id="8" name="Segnaposto testo 3">
+            <a:extLst>
+              <a:ext uri="{FF2B5EF4-FFF2-40B4-BE49-F238E27FC236}">
+                <a16:creationId xmlns:a16="http://schemas.microsoft.com/office/drawing/2014/main" id="{77EC6555-B94A-BDA2-2055-59A4C77C587A}"/>
+              </a:ext>
+            </a:extLst>
+          </p:cNvPr>
+          <p:cNvSpPr>
+            <a:spLocks noGrp="1"/>
+          </p:cNvSpPr>
+          <p:nvPr>
+            <p:ph type="body" sz="quarter" idx="10"/>
+          </p:nvPr>
+        </p:nvSpPr>
+        <p:spPr>
+          <a:xfrm>
+            <a:off x="9350156" y="124900"/>
+            <a:ext cx="356589" cy="436970"/>
+          </a:xfrm>
+        </p:spPr>
+        <p:txBody>
+          <a:bodyPr/>
+          <a:lstStyle/>
+          <a:p>
+            <a:r>
+              <a:rPr lang="it-IT" dirty="0"/>
+              <a:t>5</a:t>
+            </a:r>
+          </a:p>
+        </p:txBody>
+      </p:sp>
+      <p:sp>
+        <p:nvSpPr>
+          <p:cNvPr id="10" name="Segnaposto testo 4">
+            <a:extLst>
+              <a:ext uri="{FF2B5EF4-FFF2-40B4-BE49-F238E27FC236}">
+                <a16:creationId xmlns:a16="http://schemas.microsoft.com/office/drawing/2014/main" id="{B160D713-69A8-CED5-C40C-A3571ED1E1CC}"/>
+              </a:ext>
+            </a:extLst>
+          </p:cNvPr>
+          <p:cNvSpPr>
+            <a:spLocks noGrp="1"/>
+          </p:cNvSpPr>
+          <p:nvPr>
+            <p:ph type="body" sz="quarter" idx="11"/>
+          </p:nvPr>
+        </p:nvSpPr>
+        <p:spPr/>
+        <p:txBody>
+          <a:bodyPr>
+            <a:normAutofit fontScale="92500" lnSpcReduction="10000"/>
+          </a:bodyPr>
+          <a:lstStyle/>
+          <a:p>
+            <a:r>
+              <a:rPr lang="it-IT" dirty="0"/>
+              <a:t>ARRAY</a:t>
+            </a:r>
+          </a:p>
+        </p:txBody>
+      </p:sp>
+      <p:pic>
+        <p:nvPicPr>
+          <p:cNvPr id="3" name="Immagine 2" descr="Immagine che contiene testo, Carattere, diagramma, linea&#10;&#10;Il contenuto generato dall'IA potrebbe non essere corretto.">
+            <a:extLst>
+              <a:ext uri="{FF2B5EF4-FFF2-40B4-BE49-F238E27FC236}">
+                <a16:creationId xmlns:a16="http://schemas.microsoft.com/office/drawing/2014/main" id="{94C927DB-BA94-8D38-3616-CA42F4F26F77}"/>
+              </a:ext>
+            </a:extLst>
+          </p:cNvPr>
+          <p:cNvPicPr>
+            <a:picLocks noChangeAspect="1"/>
+          </p:cNvPicPr>
+          <p:nvPr/>
+        </p:nvPicPr>
+        <p:blipFill>
+          <a:blip r:embed="rId2">
+            <a:extLst>
+              <a:ext uri="{28A0092B-C50C-407E-A947-70E740481C1C}">
+                <a14:useLocalDpi xmlns:a14="http://schemas.microsoft.com/office/drawing/2010/main" val="0"/>
+              </a:ext>
+            </a:extLst>
+          </a:blip>
+          <a:stretch>
+            <a:fillRect/>
+          </a:stretch>
+        </p:blipFill>
+        <p:spPr>
+          <a:xfrm>
+            <a:off x="592111" y="1827368"/>
+            <a:ext cx="11007777" cy="3203263"/>
+          </a:xfrm>
+          <a:prstGeom prst="roundRect">
+            <a:avLst>
+              <a:gd name="adj" fmla="val 7776"/>
+            </a:avLst>
+          </a:prstGeom>
+        </p:spPr>
+      </p:pic>
+    </p:spTree>
+    <p:extLst>
+      <p:ext uri="{BB962C8B-B14F-4D97-AF65-F5344CB8AC3E}">
+        <p14:creationId xmlns:p14="http://schemas.microsoft.com/office/powerpoint/2010/main" val="663979444"/>
+      </p:ext>
+    </p:extLst>
+  </p:cSld>
+  <p:clrMapOvr>
+    <a:masterClrMapping/>
+  </p:clrMapOvr>
+  <mc:AlternateContent xmlns:mc="http://schemas.openxmlformats.org/markup-compatibility/2006" xmlns:p14="http://schemas.microsoft.com/office/powerpoint/2010/main">
+    <mc:Choice Requires="p14">
+      <p:transition spd="med" p14:dur="700">
+        <p:fade/>
+      </p:transition>
+    </mc:Choice>
+    <mc:Fallback xmlns="">
+      <p:transition spd="med">
+        <p:fade/>
+      </p:transition>
+    </mc:Fallback>
+  </mc:AlternateContent>
+</p:sld>
+</file>
+
+<file path=ppt/slides/slide44.xml><?xml version="1.0" encoding="utf-8"?>
+<p:sld xmlns:a="http://schemas.openxmlformats.org/drawingml/2006/main" xmlns:r="http://schemas.openxmlformats.org/officeDocument/2006/relationships" xmlns:p="http://schemas.openxmlformats.org/presentationml/2006/main">
+  <p:cSld>
+    <p:spTree>
+      <p:nvGrpSpPr>
+        <p:cNvPr id="1" name="">
+          <a:extLst>
+            <a:ext uri="{FF2B5EF4-FFF2-40B4-BE49-F238E27FC236}">
+              <a16:creationId xmlns:a16="http://schemas.microsoft.com/office/drawing/2014/main" id="{2ABCCE7A-8104-4711-6B06-91FC58FCA0BA}"/>
+            </a:ext>
+          </a:extLst>
+        </p:cNvPr>
+        <p:cNvGrpSpPr/>
+        <p:nvPr/>
+      </p:nvGrpSpPr>
+      <p:grpSpPr>
+        <a:xfrm>
+          <a:off x="0" y="0"/>
+          <a:ext cx="0" cy="0"/>
+          <a:chOff x="0" y="0"/>
+          <a:chExt cx="0" cy="0"/>
+        </a:xfrm>
+      </p:grpSpPr>
+      <p:sp>
+        <p:nvSpPr>
+          <p:cNvPr id="2" name="Titolo 1">
+            <a:extLst>
+              <a:ext uri="{FF2B5EF4-FFF2-40B4-BE49-F238E27FC236}">
+                <a16:creationId xmlns:a16="http://schemas.microsoft.com/office/drawing/2014/main" id="{B0DEB7D7-92EC-F448-26F7-42EC71FC8E9A}"/>
+              </a:ext>
+            </a:extLst>
+          </p:cNvPr>
+          <p:cNvSpPr>
+            <a:spLocks noGrp="1"/>
+          </p:cNvSpPr>
+          <p:nvPr>
+            <p:ph type="title"/>
+          </p:nvPr>
+        </p:nvSpPr>
+        <p:spPr>
+          <a:xfrm>
+            <a:off x="5711251" y="2065301"/>
+            <a:ext cx="6185173" cy="3627304"/>
+          </a:xfrm>
+        </p:spPr>
+        <p:txBody>
+          <a:bodyPr>
+            <a:noAutofit/>
+          </a:bodyPr>
+          <a:lstStyle/>
+          <a:p>
+            <a:pPr algn="l">
+              <a:lnSpc>
+                <a:spcPct val="50000"/>
+              </a:lnSpc>
+            </a:pPr>
+            <a:r>
+              <a:rPr lang="it-IT" sz="14000" dirty="0">
+                <a:ln>
+                  <a:solidFill>
+                    <a:schemeClr val="tx1">
+                      <a:alpha val="30000"/>
+                    </a:schemeClr>
+                  </a:solidFill>
+                </a:ln>
+                <a:latin typeface="ThaleahFat" panose="02000603000000000000" pitchFamily="2" charset="0"/>
+                <a:ea typeface="ThaleahFat" panose="02000603000000000000" pitchFamily="2" charset="0"/>
+              </a:rPr>
+              <a:t>attacco</a:t>
+            </a:r>
+          </a:p>
+        </p:txBody>
+      </p:sp>
+      <p:sp>
+        <p:nvSpPr>
+          <p:cNvPr id="3" name="Segnaposto contenuto 2">
+            <a:extLst>
+              <a:ext uri="{FF2B5EF4-FFF2-40B4-BE49-F238E27FC236}">
+                <a16:creationId xmlns:a16="http://schemas.microsoft.com/office/drawing/2014/main" id="{7A016416-6042-81BD-8106-96540DCE61EC}"/>
+              </a:ext>
+            </a:extLst>
+          </p:cNvPr>
+          <p:cNvSpPr>
+            <a:spLocks noGrp="1"/>
+          </p:cNvSpPr>
+          <p:nvPr>
+            <p:ph type="body" sz="quarter" idx="13"/>
+          </p:nvPr>
+        </p:nvSpPr>
+        <p:spPr>
+          <a:xfrm>
+            <a:off x="1814450" y="1229929"/>
+            <a:ext cx="2835936" cy="4637984"/>
+          </a:xfrm>
+        </p:spPr>
+        <p:txBody>
+          <a:bodyPr>
+            <a:noAutofit/>
+          </a:bodyPr>
+          <a:lstStyle/>
+          <a:p>
+            <a:pPr marL="0" indent="0">
+              <a:buNone/>
+            </a:pPr>
+            <a:r>
+              <a:rPr lang="it-IT" sz="33000" dirty="0">
+                <a:ln>
+                  <a:solidFill>
+                    <a:schemeClr val="tx1">
+                      <a:alpha val="30000"/>
+                    </a:schemeClr>
+                  </a:solidFill>
+                </a:ln>
+                <a:latin typeface="04b" panose="00000400000000000000" pitchFamily="2" charset="0"/>
+              </a:rPr>
+              <a:t>6</a:t>
+            </a:r>
+          </a:p>
+        </p:txBody>
+      </p:sp>
+    </p:spTree>
+    <p:extLst>
+      <p:ext uri="{BB962C8B-B14F-4D97-AF65-F5344CB8AC3E}">
+        <p14:creationId xmlns:p14="http://schemas.microsoft.com/office/powerpoint/2010/main" val="2155888833"/>
+      </p:ext>
+    </p:extLst>
+  </p:cSld>
+  <p:clrMapOvr>
+    <a:masterClrMapping/>
+  </p:clrMapOvr>
+  <mc:AlternateContent xmlns:mc="http://schemas.openxmlformats.org/markup-compatibility/2006" xmlns:p14="http://schemas.microsoft.com/office/powerpoint/2010/main">
+    <mc:Choice Requires="p14">
+      <p:transition spd="med" p14:dur="700">
+        <p:fade/>
+      </p:transition>
+    </mc:Choice>
+    <mc:Fallback xmlns="">
+      <p:transition spd="med">
+        <p:fade/>
+      </p:transition>
+    </mc:Fallback>
+  </mc:AlternateContent>
+</p:sld>
+</file>
+
+<file path=ppt/slides/slide45.xml><?xml version="1.0" encoding="utf-8"?>
+<p:sld xmlns:a="http://schemas.openxmlformats.org/drawingml/2006/main" xmlns:r="http://schemas.openxmlformats.org/officeDocument/2006/relationships" xmlns:p="http://schemas.openxmlformats.org/presentationml/2006/main">
+  <p:cSld>
+    <p:spTree>
+      <p:nvGrpSpPr>
+        <p:cNvPr id="1" name="">
+          <a:extLst>
+            <a:ext uri="{FF2B5EF4-FFF2-40B4-BE49-F238E27FC236}">
+              <a16:creationId xmlns:a16="http://schemas.microsoft.com/office/drawing/2014/main" id="{5D43D1F5-C7D8-CDBC-BF25-EA60312417FE}"/>
+            </a:ext>
+          </a:extLst>
+        </p:cNvPr>
+        <p:cNvGrpSpPr/>
+        <p:nvPr/>
+      </p:nvGrpSpPr>
+      <p:grpSpPr>
+        <a:xfrm>
+          <a:off x="0" y="0"/>
+          <a:ext cx="0" cy="0"/>
+          <a:chOff x="0" y="0"/>
+          <a:chExt cx="0" cy="0"/>
+        </a:xfrm>
+      </p:grpSpPr>
+      <p:sp>
+        <p:nvSpPr>
+          <p:cNvPr id="8" name="Segnaposto testo 3">
+            <a:extLst>
+              <a:ext uri="{FF2B5EF4-FFF2-40B4-BE49-F238E27FC236}">
+                <a16:creationId xmlns:a16="http://schemas.microsoft.com/office/drawing/2014/main" id="{E1D70E12-68F4-D04A-43C6-9FAD49924078}"/>
+              </a:ext>
+            </a:extLst>
+          </p:cNvPr>
+          <p:cNvSpPr>
+            <a:spLocks noGrp="1"/>
+          </p:cNvSpPr>
+          <p:nvPr>
+            <p:ph type="body" sz="quarter" idx="10"/>
+          </p:nvPr>
+        </p:nvSpPr>
+        <p:spPr>
+          <a:xfrm>
+            <a:off x="9305186" y="64940"/>
+            <a:ext cx="356589" cy="436970"/>
+          </a:xfrm>
+        </p:spPr>
+        <p:txBody>
+          <a:bodyPr/>
+          <a:lstStyle/>
+          <a:p>
+            <a:r>
+              <a:rPr lang="it-IT" dirty="0"/>
+              <a:t>6</a:t>
+            </a:r>
+          </a:p>
+        </p:txBody>
+      </p:sp>
+      <p:sp>
+        <p:nvSpPr>
+          <p:cNvPr id="10" name="Segnaposto testo 4">
+            <a:extLst>
+              <a:ext uri="{FF2B5EF4-FFF2-40B4-BE49-F238E27FC236}">
+                <a16:creationId xmlns:a16="http://schemas.microsoft.com/office/drawing/2014/main" id="{020054E1-50F3-17ED-601C-2A0EAE80BFBE}"/>
+              </a:ext>
+            </a:extLst>
+          </p:cNvPr>
+          <p:cNvSpPr>
+            <a:spLocks noGrp="1"/>
+          </p:cNvSpPr>
+          <p:nvPr>
+            <p:ph type="body" sz="quarter" idx="11"/>
+          </p:nvPr>
+        </p:nvSpPr>
+        <p:spPr/>
+        <p:txBody>
+          <a:bodyPr>
+            <a:normAutofit fontScale="92500" lnSpcReduction="10000"/>
+          </a:bodyPr>
+          <a:lstStyle/>
+          <a:p>
+            <a:r>
+              <a:rPr lang="it-IT" dirty="0"/>
+              <a:t>attacco</a:t>
+            </a:r>
+          </a:p>
+        </p:txBody>
+      </p:sp>
+      <p:pic>
+        <p:nvPicPr>
+          <p:cNvPr id="2" name="Immagine 1">
+            <a:extLst>
+              <a:ext uri="{FF2B5EF4-FFF2-40B4-BE49-F238E27FC236}">
+                <a16:creationId xmlns:a16="http://schemas.microsoft.com/office/drawing/2014/main" id="{1BB61A26-65A4-C89C-985C-B58CD0B886C1}"/>
+              </a:ext>
+            </a:extLst>
+          </p:cNvPr>
+          <p:cNvPicPr>
+            <a:picLocks noChangeAspect="1"/>
+          </p:cNvPicPr>
+          <p:nvPr/>
+        </p:nvPicPr>
+        <p:blipFill>
+          <a:blip r:embed="rId2">
+            <a:extLst>
+              <a:ext uri="{28A0092B-C50C-407E-A947-70E740481C1C}">
+                <a14:useLocalDpi xmlns:a14="http://schemas.microsoft.com/office/drawing/2010/main" val="0"/>
+              </a:ext>
+            </a:extLst>
+          </a:blip>
+          <a:srcRect/>
+          <a:stretch/>
+        </p:blipFill>
+        <p:spPr>
+          <a:xfrm>
+            <a:off x="1099175" y="1111540"/>
+            <a:ext cx="9993650" cy="4634920"/>
+          </a:xfrm>
+          <a:prstGeom prst="roundRect">
+            <a:avLst>
+              <a:gd name="adj" fmla="val 5994"/>
+            </a:avLst>
+          </a:prstGeom>
+        </p:spPr>
+      </p:pic>
+    </p:spTree>
+    <p:extLst>
+      <p:ext uri="{BB962C8B-B14F-4D97-AF65-F5344CB8AC3E}">
+        <p14:creationId xmlns:p14="http://schemas.microsoft.com/office/powerpoint/2010/main" val="2262487947"/>
+      </p:ext>
+    </p:extLst>
+  </p:cSld>
+  <p:clrMapOvr>
+    <a:masterClrMapping/>
+  </p:clrMapOvr>
+  <mc:AlternateContent xmlns:mc="http://schemas.openxmlformats.org/markup-compatibility/2006" xmlns:p14="http://schemas.microsoft.com/office/powerpoint/2010/main">
+    <mc:Choice Requires="p14">
+      <p:transition spd="med" p14:dur="700">
+        <p:fade/>
+      </p:transition>
+    </mc:Choice>
+    <mc:Fallback xmlns="">
+      <p:transition spd="med">
+        <p:fade/>
+      </p:transition>
+    </mc:Fallback>
+  </mc:AlternateContent>
+</p:sld>
+</file>
+
+<file path=ppt/slides/slide46.xml><?xml version="1.0" encoding="utf-8"?>
+<p:sld xmlns:a="http://schemas.openxmlformats.org/drawingml/2006/main" xmlns:r="http://schemas.openxmlformats.org/officeDocument/2006/relationships" xmlns:p="http://schemas.openxmlformats.org/presentationml/2006/main">
+  <p:cSld>
+    <p:spTree>
+      <p:nvGrpSpPr>
+        <p:cNvPr id="1" name="">
+          <a:extLst>
+            <a:ext uri="{FF2B5EF4-FFF2-40B4-BE49-F238E27FC236}">
               <a16:creationId xmlns:a16="http://schemas.microsoft.com/office/drawing/2014/main" id="{60BBAC25-9512-2D86-B7FB-35C6946F2E3D}"/>
             </a:ext>
           </a:extLst>
@@ -9971,7 +14479,7 @@
 </p:sld>
 </file>
 
-<file path=ppt/slides/slide26.xml><?xml version="1.0" encoding="utf-8"?>
+<file path=ppt/slides/slide47.xml><?xml version="1.0" encoding="utf-8"?>
 <p:sld xmlns:a="http://schemas.openxmlformats.org/drawingml/2006/main" xmlns:r="http://schemas.openxmlformats.org/officeDocument/2006/relationships" xmlns:p="http://schemas.openxmlformats.org/presentationml/2006/main">
   <p:cSld>
     <p:spTree>
@@ -10789,7 +15297,7 @@
 </p:sld>
 </file>
 
-<file path=ppt/slides/slide3.xml><?xml version="1.0" encoding="utf-8"?>
+<file path=ppt/slides/slide5.xml><?xml version="1.0" encoding="utf-8"?>
 <p:sld xmlns:a="http://schemas.openxmlformats.org/drawingml/2006/main" xmlns:r="http://schemas.openxmlformats.org/officeDocument/2006/relationships" xmlns:p="http://schemas.openxmlformats.org/presentationml/2006/main">
   <p:cSld>
     <p:spTree>
@@ -10797,7 +15305,7 @@
         <p:cNvPr id="1" name="">
           <a:extLst>
             <a:ext uri="{FF2B5EF4-FFF2-40B4-BE49-F238E27FC236}">
-              <a16:creationId xmlns:a16="http://schemas.microsoft.com/office/drawing/2014/main" id="{2F3B9732-03DC-2A16-4A10-F88CC6F98F46}"/>
+              <a16:creationId xmlns:a16="http://schemas.microsoft.com/office/drawing/2014/main" id="{205C053A-494B-3A71-3729-19FABAAB3186}"/>
             </a:ext>
           </a:extLst>
         </p:cNvPr>
@@ -10817,7 +15325,7 @@
           <p:cNvPr id="2" name="Titolo 1">
             <a:extLst>
               <a:ext uri="{FF2B5EF4-FFF2-40B4-BE49-F238E27FC236}">
-                <a16:creationId xmlns:a16="http://schemas.microsoft.com/office/drawing/2014/main" id="{81CC3DE5-2B5B-7D9E-4987-11D50EE3EF4B}"/>
+                <a16:creationId xmlns:a16="http://schemas.microsoft.com/office/drawing/2014/main" id="{6A79448C-1928-034D-91A4-89E079B76ED1}"/>
               </a:ext>
             </a:extLst>
           </p:cNvPr>
@@ -10828,36 +15336,24 @@
             <p:ph type="title"/>
           </p:nvPr>
         </p:nvSpPr>
-        <p:spPr>
-          <a:xfrm>
-            <a:off x="4650386" y="2065301"/>
-            <a:ext cx="7246039" cy="3627304"/>
-          </a:xfrm>
-        </p:spPr>
+        <p:spPr/>
         <p:txBody>
           <a:bodyPr>
             <a:noAutofit/>
           </a:bodyPr>
           <a:lstStyle/>
           <a:p>
-            <a:pPr algn="l">
-              <a:lnSpc>
-                <a:spcPct val="50000"/>
-              </a:lnSpc>
-            </a:pPr>
-            <a:r>
-              <a:rPr lang="it-IT" sz="14000" dirty="0">
-                <a:ln>
+            <a:r>
+              <a:rPr lang="it-IT" dirty="0">
+                <a:ln w="9525" cmpd="sng">
                   <a:solidFill>
                     <a:schemeClr val="tx1">
                       <a:alpha val="30000"/>
                     </a:schemeClr>
                   </a:solidFill>
                 </a:ln>
-                <a:latin typeface="ThaleahFat" panose="02000603000000000000" pitchFamily="2" charset="0"/>
-                <a:ea typeface="ThaleahFat" panose="02000603000000000000" pitchFamily="2" charset="0"/>
               </a:rPr>
-              <a:t>CLASSI</a:t>
+              <a:t>Classi e istanze</a:t>
             </a:r>
           </a:p>
         </p:txBody>
@@ -10867,23 +15363,18 @@
           <p:cNvPr id="3" name="Segnaposto contenuto 2">
             <a:extLst>
               <a:ext uri="{FF2B5EF4-FFF2-40B4-BE49-F238E27FC236}">
-                <a16:creationId xmlns:a16="http://schemas.microsoft.com/office/drawing/2014/main" id="{68F32F5D-9650-8062-F4DC-244091D199D0}"/>
-              </a:ext>
-            </a:extLst>
-          </p:cNvPr>
-          <p:cNvSpPr>
-            <a:spLocks noGrp="1"/>
-          </p:cNvSpPr>
-          <p:nvPr>
-            <p:ph type="body" sz="quarter" idx="13"/>
-          </p:nvPr>
-        </p:nvSpPr>
-        <p:spPr>
-          <a:xfrm>
-            <a:off x="1814450" y="1229929"/>
-            <a:ext cx="2835936" cy="4637984"/>
-          </a:xfrm>
-        </p:spPr>
+                <a16:creationId xmlns:a16="http://schemas.microsoft.com/office/drawing/2014/main" id="{69832810-393C-2F9F-8B3F-A10344EA63F9}"/>
+              </a:ext>
+            </a:extLst>
+          </p:cNvPr>
+          <p:cNvSpPr>
+            <a:spLocks noGrp="1"/>
+          </p:cNvSpPr>
+          <p:nvPr>
+            <p:ph idx="1"/>
+          </p:nvPr>
+        </p:nvSpPr>
+        <p:spPr/>
         <p:txBody>
           <a:bodyPr>
             <a:noAutofit/>
@@ -10894,75 +15385,51 @@
               <a:buNone/>
             </a:pPr>
             <a:r>
-              <a:rPr lang="it-IT" sz="33000" dirty="0">
-                <a:ln>
-                  <a:solidFill>
-                    <a:schemeClr val="tx1">
-                      <a:alpha val="30000"/>
-                    </a:schemeClr>
-                  </a:solidFill>
-                </a:ln>
-                <a:latin typeface="04b" panose="00000400000000000000" pitchFamily="2" charset="0"/>
+              <a:rPr lang="it-IT" sz="3000" dirty="0"/>
+              <a:t>Una </a:t>
+            </a:r>
+            <a:r>
+              <a:rPr lang="it-IT" sz="3000" dirty="0">
+                <a:solidFill>
+                  <a:srgbClr val="FF9933"/>
+                </a:solidFill>
               </a:rPr>
-              <a:t>1</a:t>
-            </a:r>
-          </a:p>
-        </p:txBody>
-      </p:sp>
-    </p:spTree>
-    <p:extLst>
-      <p:ext uri="{BB962C8B-B14F-4D97-AF65-F5344CB8AC3E}">
-        <p14:creationId xmlns:p14="http://schemas.microsoft.com/office/powerpoint/2010/main" val="754695"/>
-      </p:ext>
-    </p:extLst>
-  </p:cSld>
-  <p:clrMapOvr>
-    <a:masterClrMapping/>
-  </p:clrMapOvr>
-  <mc:AlternateContent xmlns:mc="http://schemas.openxmlformats.org/markup-compatibility/2006" xmlns:p14="http://schemas.microsoft.com/office/powerpoint/2010/main">
-    <mc:Choice Requires="p14">
-      <p:transition spd="med" p14:dur="700">
-        <p:fade/>
-      </p:transition>
-    </mc:Choice>
-    <mc:Fallback xmlns="">
-      <p:transition spd="med">
-        <p:fade/>
-      </p:transition>
-    </mc:Fallback>
-  </mc:AlternateContent>
-</p:sld>
-</file>
-
-<file path=ppt/slides/slide4.xml><?xml version="1.0" encoding="utf-8"?>
-<p:sld xmlns:a="http://schemas.openxmlformats.org/drawingml/2006/main" xmlns:r="http://schemas.openxmlformats.org/officeDocument/2006/relationships" xmlns:p="http://schemas.openxmlformats.org/presentationml/2006/main">
-  <p:cSld>
-    <p:spTree>
-      <p:nvGrpSpPr>
-        <p:cNvPr id="1" name="">
-          <a:extLst>
-            <a:ext uri="{FF2B5EF4-FFF2-40B4-BE49-F238E27FC236}">
-              <a16:creationId xmlns:a16="http://schemas.microsoft.com/office/drawing/2014/main" id="{EC07FAA0-A32D-8039-F4EB-C11FD971C645}"/>
-            </a:ext>
-          </a:extLst>
-        </p:cNvPr>
-        <p:cNvGrpSpPr/>
-        <p:nvPr/>
-      </p:nvGrpSpPr>
-      <p:grpSpPr>
-        <a:xfrm>
-          <a:off x="0" y="0"/>
-          <a:ext cx="0" cy="0"/>
-          <a:chOff x="0" y="0"/>
-          <a:chExt cx="0" cy="0"/>
-        </a:xfrm>
-      </p:grpSpPr>
-      <p:sp>
-        <p:nvSpPr>
-          <p:cNvPr id="8" name="Segnaposto testo 3">
-            <a:extLst>
-              <a:ext uri="{FF2B5EF4-FFF2-40B4-BE49-F238E27FC236}">
-                <a16:creationId xmlns:a16="http://schemas.microsoft.com/office/drawing/2014/main" id="{469E0120-D70F-0444-EF43-70A0AAA8ABF1}"/>
+              <a:t>classe</a:t>
+            </a:r>
+            <a:r>
+              <a:rPr lang="it-IT" sz="3000" dirty="0"/>
+              <a:t> è dunque un progetto che definisce la natura di un oggetto futuro. </a:t>
+            </a:r>
+          </a:p>
+          <a:p>
+            <a:pPr marL="0" indent="0">
+              <a:buNone/>
+            </a:pPr>
+            <a:r>
+              <a:rPr lang="it-IT" sz="3000" dirty="0"/>
+              <a:t>Una </a:t>
+            </a:r>
+            <a:r>
+              <a:rPr lang="it-IT" sz="3000" dirty="0">
+                <a:solidFill>
+                  <a:srgbClr val="FF9933"/>
+                </a:solidFill>
+              </a:rPr>
+              <a:t>istanza</a:t>
+            </a:r>
+            <a:r>
+              <a:rPr lang="it-IT" sz="3000" dirty="0"/>
+              <a:t> è un’oggetto specifico creato da una particolare classe.</a:t>
+            </a:r>
+          </a:p>
+        </p:txBody>
+      </p:sp>
+      <p:sp>
+        <p:nvSpPr>
+          <p:cNvPr id="10" name="Segnaposto testo 3">
+            <a:extLst>
+              <a:ext uri="{FF2B5EF4-FFF2-40B4-BE49-F238E27FC236}">
+                <a16:creationId xmlns:a16="http://schemas.microsoft.com/office/drawing/2014/main" id="{258744DA-A992-97C2-FDA9-5FF68067E13C}"/>
               </a:ext>
             </a:extLst>
           </p:cNvPr>
@@ -10992,10 +15459,10 @@
       </p:sp>
       <p:sp>
         <p:nvSpPr>
-          <p:cNvPr id="10" name="Segnaposto testo 4">
-            <a:extLst>
-              <a:ext uri="{FF2B5EF4-FFF2-40B4-BE49-F238E27FC236}">
-                <a16:creationId xmlns:a16="http://schemas.microsoft.com/office/drawing/2014/main" id="{A4C7DA08-C479-92E0-3084-43B1F7687E37}"/>
+          <p:cNvPr id="11" name="Segnaposto testo 4">
+            <a:extLst>
+              <a:ext uri="{FF2B5EF4-FFF2-40B4-BE49-F238E27FC236}">
+                <a16:creationId xmlns:a16="http://schemas.microsoft.com/office/drawing/2014/main" id="{092382EB-56BE-DCFB-0538-CB2480FEFD49}"/>
               </a:ext>
             </a:extLst>
           </p:cNvPr>
@@ -11006,7 +15473,12 @@
             <p:ph type="body" sz="quarter" idx="11"/>
           </p:nvPr>
         </p:nvSpPr>
-        <p:spPr/>
+        <p:spPr>
+          <a:xfrm>
+            <a:off x="9691997" y="134968"/>
+            <a:ext cx="2152357" cy="436970"/>
+          </a:xfrm>
+        </p:spPr>
         <p:txBody>
           <a:bodyPr>
             <a:normAutofit fontScale="92500" lnSpcReduction="10000"/>
@@ -11020,187 +15492,10 @@
           </a:p>
         </p:txBody>
       </p:sp>
-      <p:pic>
-        <p:nvPicPr>
-          <p:cNvPr id="4" name="Immagine 3" descr="Immagine che contiene testo, diagramma, Carattere, schermata&#10;&#10;Il contenuto generato dall'IA potrebbe non essere corretto.">
-            <a:extLst>
-              <a:ext uri="{FF2B5EF4-FFF2-40B4-BE49-F238E27FC236}">
-                <a16:creationId xmlns:a16="http://schemas.microsoft.com/office/drawing/2014/main" id="{BEA0C44B-92DD-23B4-7E4B-4FE266FCBC13}"/>
-              </a:ext>
-            </a:extLst>
-          </p:cNvPr>
-          <p:cNvPicPr>
-            <a:picLocks noChangeAspect="1"/>
-          </p:cNvPicPr>
-          <p:nvPr/>
-        </p:nvPicPr>
-        <p:blipFill>
-          <a:blip r:embed="rId2">
-            <a:extLst>
-              <a:ext uri="{28A0092B-C50C-407E-A947-70E740481C1C}">
-                <a14:useLocalDpi xmlns:a14="http://schemas.microsoft.com/office/drawing/2010/main" val="0"/>
-              </a:ext>
-            </a:extLst>
-          </a:blip>
-          <a:stretch>
-            <a:fillRect/>
-          </a:stretch>
-        </p:blipFill>
-        <p:spPr>
-          <a:xfrm>
-            <a:off x="2323699" y="748380"/>
-            <a:ext cx="7544602" cy="5361240"/>
-          </a:xfrm>
-          <a:prstGeom prst="roundRect">
-            <a:avLst>
-              <a:gd name="adj" fmla="val 6601"/>
-            </a:avLst>
-          </a:prstGeom>
-        </p:spPr>
-      </p:pic>
     </p:spTree>
     <p:extLst>
       <p:ext uri="{BB962C8B-B14F-4D97-AF65-F5344CB8AC3E}">
-        <p14:creationId xmlns:p14="http://schemas.microsoft.com/office/powerpoint/2010/main" val="344009333"/>
-      </p:ext>
-    </p:extLst>
-  </p:cSld>
-  <p:clrMapOvr>
-    <a:masterClrMapping/>
-  </p:clrMapOvr>
-  <mc:AlternateContent xmlns:mc="http://schemas.openxmlformats.org/markup-compatibility/2006" xmlns:p14="http://schemas.microsoft.com/office/powerpoint/2010/main">
-    <mc:Choice Requires="p14">
-      <p:transition spd="med" p14:dur="700">
-        <p:fade/>
-      </p:transition>
-    </mc:Choice>
-    <mc:Fallback xmlns="">
-      <p:transition spd="med">
-        <p:fade/>
-      </p:transition>
-    </mc:Fallback>
-  </mc:AlternateContent>
-</p:sld>
-</file>
-
-<file path=ppt/slides/slide5.xml><?xml version="1.0" encoding="utf-8"?>
-<p:sld xmlns:a="http://schemas.openxmlformats.org/drawingml/2006/main" xmlns:r="http://schemas.openxmlformats.org/officeDocument/2006/relationships" xmlns:p="http://schemas.openxmlformats.org/presentationml/2006/main">
-  <p:cSld>
-    <p:spTree>
-      <p:nvGrpSpPr>
-        <p:cNvPr id="1" name=""/>
-        <p:cNvGrpSpPr/>
-        <p:nvPr/>
-      </p:nvGrpSpPr>
-      <p:grpSpPr>
-        <a:xfrm>
-          <a:off x="0" y="0"/>
-          <a:ext cx="0" cy="0"/>
-          <a:chOff x="0" y="0"/>
-          <a:chExt cx="0" cy="0"/>
-        </a:xfrm>
-      </p:grpSpPr>
-      <p:sp>
-        <p:nvSpPr>
-          <p:cNvPr id="2" name="Titolo 1">
-            <a:extLst>
-              <a:ext uri="{FF2B5EF4-FFF2-40B4-BE49-F238E27FC236}">
-                <a16:creationId xmlns:a16="http://schemas.microsoft.com/office/drawing/2014/main" id="{8E6345E7-B17C-15FF-4CF4-BC01AC0FEAF9}"/>
-              </a:ext>
-            </a:extLst>
-          </p:cNvPr>
-          <p:cNvSpPr>
-            <a:spLocks noGrp="1"/>
-          </p:cNvSpPr>
-          <p:nvPr>
-            <p:ph type="title"/>
-          </p:nvPr>
-        </p:nvSpPr>
-        <p:spPr>
-          <a:xfrm>
-            <a:off x="5486400" y="2065301"/>
-            <a:ext cx="6410025" cy="3627304"/>
-          </a:xfrm>
-        </p:spPr>
-        <p:txBody>
-          <a:bodyPr>
-            <a:noAutofit/>
-          </a:bodyPr>
-          <a:lstStyle/>
-          <a:p>
-            <a:pPr algn="l">
-              <a:lnSpc>
-                <a:spcPct val="50000"/>
-              </a:lnSpc>
-            </a:pPr>
-            <a:r>
-              <a:rPr lang="it-IT" sz="14000" dirty="0">
-                <a:ln>
-                  <a:solidFill>
-                    <a:schemeClr val="tx1">
-                      <a:alpha val="30000"/>
-                    </a:schemeClr>
-                  </a:solidFill>
-                </a:ln>
-                <a:latin typeface="ThaleahFat" panose="02000603000000000000" pitchFamily="2" charset="0"/>
-                <a:ea typeface="ThaleahFat" panose="02000603000000000000" pitchFamily="2" charset="0"/>
-              </a:rPr>
-              <a:t>VETTORI</a:t>
-            </a:r>
-          </a:p>
-        </p:txBody>
-      </p:sp>
-      <p:sp>
-        <p:nvSpPr>
-          <p:cNvPr id="3" name="Segnaposto contenuto 2">
-            <a:extLst>
-              <a:ext uri="{FF2B5EF4-FFF2-40B4-BE49-F238E27FC236}">
-                <a16:creationId xmlns:a16="http://schemas.microsoft.com/office/drawing/2014/main" id="{92371DDA-D03B-B4CB-0BFB-B6C42DEFBCE4}"/>
-              </a:ext>
-            </a:extLst>
-          </p:cNvPr>
-          <p:cNvSpPr>
-            <a:spLocks noGrp="1"/>
-          </p:cNvSpPr>
-          <p:nvPr>
-            <p:ph type="body" sz="quarter" idx="13"/>
-          </p:nvPr>
-        </p:nvSpPr>
-        <p:spPr>
-          <a:xfrm>
-            <a:off x="1814450" y="1229929"/>
-            <a:ext cx="2835936" cy="4637984"/>
-          </a:xfrm>
-        </p:spPr>
-        <p:txBody>
-          <a:bodyPr>
-            <a:noAutofit/>
-          </a:bodyPr>
-          <a:lstStyle/>
-          <a:p>
-            <a:pPr marL="0" indent="0">
-              <a:buNone/>
-            </a:pPr>
-            <a:r>
-              <a:rPr lang="it-IT" sz="33000" dirty="0">
-                <a:ln>
-                  <a:solidFill>
-                    <a:schemeClr val="tx1">
-                      <a:alpha val="30000"/>
-                    </a:schemeClr>
-                  </a:solidFill>
-                </a:ln>
-                <a:latin typeface="04b" panose="00000400000000000000" pitchFamily="2" charset="0"/>
-              </a:rPr>
-              <a:t>2</a:t>
-            </a:r>
-          </a:p>
-        </p:txBody>
-      </p:sp>
-    </p:spTree>
-    <p:extLst>
-      <p:ext uri="{BB962C8B-B14F-4D97-AF65-F5344CB8AC3E}">
-        <p14:creationId xmlns:p14="http://schemas.microsoft.com/office/powerpoint/2010/main" val="1871728721"/>
+        <p14:creationId xmlns:p14="http://schemas.microsoft.com/office/powerpoint/2010/main" val="3860071703"/>
       </p:ext>
     </p:extLst>
   </p:cSld>
@@ -11230,7 +15525,7 @@
         <p:cNvPr id="1" name="">
           <a:extLst>
             <a:ext uri="{FF2B5EF4-FFF2-40B4-BE49-F238E27FC236}">
-              <a16:creationId xmlns:a16="http://schemas.microsoft.com/office/drawing/2014/main" id="{7E36877B-4228-87D8-9361-3ADB76DE37A8}"/>
+              <a16:creationId xmlns:a16="http://schemas.microsoft.com/office/drawing/2014/main" id="{6C230833-B1F5-F3FA-D748-B1898E2EACC1}"/>
             </a:ext>
           </a:extLst>
         </p:cNvPr>
@@ -11247,10 +15542,105 @@
       </p:grpSpPr>
       <p:sp>
         <p:nvSpPr>
-          <p:cNvPr id="8" name="Segnaposto testo 3">
-            <a:extLst>
-              <a:ext uri="{FF2B5EF4-FFF2-40B4-BE49-F238E27FC236}">
-                <a16:creationId xmlns:a16="http://schemas.microsoft.com/office/drawing/2014/main" id="{2D5252B6-E6B8-06D6-6753-3C005F739E6A}"/>
+          <p:cNvPr id="2" name="Titolo 1">
+            <a:extLst>
+              <a:ext uri="{FF2B5EF4-FFF2-40B4-BE49-F238E27FC236}">
+                <a16:creationId xmlns:a16="http://schemas.microsoft.com/office/drawing/2014/main" id="{B9FA8CD4-E5E8-7849-B84B-960326E24C95}"/>
+              </a:ext>
+            </a:extLst>
+          </p:cNvPr>
+          <p:cNvSpPr>
+            <a:spLocks noGrp="1"/>
+          </p:cNvSpPr>
+          <p:nvPr>
+            <p:ph type="title"/>
+          </p:nvPr>
+        </p:nvSpPr>
+        <p:spPr/>
+        <p:txBody>
+          <a:bodyPr>
+            <a:noAutofit/>
+          </a:bodyPr>
+          <a:lstStyle/>
+          <a:p>
+            <a:r>
+              <a:rPr lang="it-IT" dirty="0">
+                <a:ln w="9525" cmpd="sng">
+                  <a:solidFill>
+                    <a:schemeClr val="tx1">
+                      <a:alpha val="30000"/>
+                    </a:schemeClr>
+                  </a:solidFill>
+                </a:ln>
+              </a:rPr>
+              <a:t>Ereditarietà</a:t>
+            </a:r>
+          </a:p>
+        </p:txBody>
+      </p:sp>
+      <p:sp>
+        <p:nvSpPr>
+          <p:cNvPr id="3" name="Segnaposto contenuto 2">
+            <a:extLst>
+              <a:ext uri="{FF2B5EF4-FFF2-40B4-BE49-F238E27FC236}">
+                <a16:creationId xmlns:a16="http://schemas.microsoft.com/office/drawing/2014/main" id="{D5F9695B-818D-ADD8-67DC-923C49C58C92}"/>
+              </a:ext>
+            </a:extLst>
+          </p:cNvPr>
+          <p:cNvSpPr>
+            <a:spLocks noGrp="1"/>
+          </p:cNvSpPr>
+          <p:nvPr>
+            <p:ph idx="1"/>
+          </p:nvPr>
+        </p:nvSpPr>
+        <p:spPr/>
+        <p:txBody>
+          <a:bodyPr>
+            <a:noAutofit/>
+          </a:bodyPr>
+          <a:lstStyle/>
+          <a:p>
+            <a:pPr marL="0" indent="0">
+              <a:buNone/>
+            </a:pPr>
+            <a:r>
+              <a:rPr lang="it-IT" sz="3000" dirty="0"/>
+              <a:t>Le classi sono utilizzare per creare e gestire nuovi oggetti, oltre che per supportare l’</a:t>
+            </a:r>
+            <a:r>
+              <a:rPr lang="it-IT" sz="3000" dirty="0">
+                <a:solidFill>
+                  <a:srgbClr val="FF9933"/>
+                </a:solidFill>
+              </a:rPr>
+              <a:t>ereditarietà</a:t>
+            </a:r>
+            <a:r>
+              <a:rPr lang="it-IT" sz="3000" dirty="0"/>
+              <a:t> (su Godot gestita mediante la keyword </a:t>
+            </a:r>
+            <a:r>
+              <a:rPr lang="it-IT" sz="3000" dirty="0" err="1">
+                <a:solidFill>
+                  <a:srgbClr val="FF9933"/>
+                </a:solidFill>
+              </a:rPr>
+              <a:t>extends</a:t>
+            </a:r>
+            <a:r>
+              <a:rPr lang="it-IT" sz="3000" dirty="0"/>
+              <a:t> ), ingrediente chiave della OOP e meccanismo di riuso di codice. </a:t>
+            </a:r>
+          </a:p>
+        </p:txBody>
+      </p:sp>
+      <p:sp>
+        <p:nvSpPr>
+          <p:cNvPr id="10" name="Segnaposto testo 3">
+            <a:extLst>
+              <a:ext uri="{FF2B5EF4-FFF2-40B4-BE49-F238E27FC236}">
+                <a16:creationId xmlns:a16="http://schemas.microsoft.com/office/drawing/2014/main" id="{379B1FC7-BAE0-4576-FD71-09091E27FF55}"/>
               </a:ext>
             </a:extLst>
           </p:cNvPr>
@@ -11263,7 +15653,7 @@
         </p:nvSpPr>
         <p:spPr>
           <a:xfrm>
-            <a:off x="9358750" y="119978"/>
+            <a:off x="9380136" y="124900"/>
             <a:ext cx="356589" cy="436970"/>
           </a:xfrm>
         </p:spPr>
@@ -11273,17 +15663,17 @@
           <a:p>
             <a:r>
               <a:rPr lang="it-IT" dirty="0"/>
-              <a:t>2</a:t>
-            </a:r>
-          </a:p>
-        </p:txBody>
-      </p:sp>
-      <p:sp>
-        <p:nvSpPr>
-          <p:cNvPr id="10" name="Segnaposto testo 4">
-            <a:extLst>
-              <a:ext uri="{FF2B5EF4-FFF2-40B4-BE49-F238E27FC236}">
-                <a16:creationId xmlns:a16="http://schemas.microsoft.com/office/drawing/2014/main" id="{65C076CD-B6A1-135F-943E-AA74D4D36605}"/>
+              <a:t>1</a:t>
+            </a:r>
+          </a:p>
+        </p:txBody>
+      </p:sp>
+      <p:sp>
+        <p:nvSpPr>
+          <p:cNvPr id="11" name="Segnaposto testo 4">
+            <a:extLst>
+              <a:ext uri="{FF2B5EF4-FFF2-40B4-BE49-F238E27FC236}">
+                <a16:creationId xmlns:a16="http://schemas.microsoft.com/office/drawing/2014/main" id="{7B7864B1-705B-4440-F6E3-E745BB751B61}"/>
               </a:ext>
             </a:extLst>
           </p:cNvPr>
@@ -11294,7 +15684,12 @@
             <p:ph type="body" sz="quarter" idx="11"/>
           </p:nvPr>
         </p:nvSpPr>
-        <p:spPr/>
+        <p:spPr>
+          <a:xfrm>
+            <a:off x="9691997" y="134968"/>
+            <a:ext cx="2152357" cy="436970"/>
+          </a:xfrm>
+        </p:spPr>
         <p:txBody>
           <a:bodyPr>
             <a:normAutofit fontScale="92500" lnSpcReduction="10000"/>
@@ -11303,91 +15698,15 @@
           <a:p>
             <a:r>
               <a:rPr lang="it-IT" dirty="0"/>
-              <a:t>VETTORI</a:t>
-            </a:r>
-          </a:p>
-        </p:txBody>
-      </p:sp>
-      <p:pic>
-        <p:nvPicPr>
-          <p:cNvPr id="24" name="Immagine 23" descr="Immagine che contiene linea, Diagramma, numero&#10;&#10;Il contenuto generato dall'IA potrebbe non essere corretto.">
-            <a:extLst>
-              <a:ext uri="{FF2B5EF4-FFF2-40B4-BE49-F238E27FC236}">
-                <a16:creationId xmlns:a16="http://schemas.microsoft.com/office/drawing/2014/main" id="{80386EB0-B7F5-52A0-5D72-0F3FE11388FC}"/>
-              </a:ext>
-            </a:extLst>
-          </p:cNvPr>
-          <p:cNvPicPr>
-            <a:picLocks noChangeAspect="1"/>
-          </p:cNvPicPr>
-          <p:nvPr/>
-        </p:nvPicPr>
-        <p:blipFill>
-          <a:blip r:embed="rId2">
-            <a:extLst>
-              <a:ext uri="{28A0092B-C50C-407E-A947-70E740481C1C}">
-                <a14:useLocalDpi xmlns:a14="http://schemas.microsoft.com/office/drawing/2010/main" val="0"/>
-              </a:ext>
-            </a:extLst>
-          </a:blip>
-          <a:stretch>
-            <a:fillRect/>
-          </a:stretch>
-        </p:blipFill>
-        <p:spPr>
-          <a:xfrm>
-            <a:off x="1008714" y="1218908"/>
-            <a:ext cx="4592489" cy="4660026"/>
-          </a:xfrm>
-          <a:prstGeom prst="roundRect">
-            <a:avLst>
-              <a:gd name="adj" fmla="val 6222"/>
-            </a:avLst>
-          </a:prstGeom>
-        </p:spPr>
-      </p:pic>
-      <p:pic>
-        <p:nvPicPr>
-          <p:cNvPr id="26" name="Immagine 25" descr="Immagine che contiene linea, Diagramma, Carattere, numero&#10;&#10;Il contenuto generato dall'IA potrebbe non essere corretto.">
-            <a:extLst>
-              <a:ext uri="{FF2B5EF4-FFF2-40B4-BE49-F238E27FC236}">
-                <a16:creationId xmlns:a16="http://schemas.microsoft.com/office/drawing/2014/main" id="{6DE17687-53D5-CEEE-1FB9-4D2585652C03}"/>
-              </a:ext>
-            </a:extLst>
-          </p:cNvPr>
-          <p:cNvPicPr>
-            <a:picLocks noChangeAspect="1"/>
-          </p:cNvPicPr>
-          <p:nvPr/>
-        </p:nvPicPr>
-        <p:blipFill>
-          <a:blip r:embed="rId3">
-            <a:extLst>
-              <a:ext uri="{28A0092B-C50C-407E-A947-70E740481C1C}">
-                <a14:useLocalDpi xmlns:a14="http://schemas.microsoft.com/office/drawing/2010/main" val="0"/>
-              </a:ext>
-            </a:extLst>
-          </a:blip>
-          <a:stretch>
-            <a:fillRect/>
-          </a:stretch>
-        </p:blipFill>
-        <p:spPr>
-          <a:xfrm>
-            <a:off x="6396427" y="1218908"/>
-            <a:ext cx="4636957" cy="4660026"/>
-          </a:xfrm>
-          <a:prstGeom prst="roundRect">
-            <a:avLst>
-              <a:gd name="adj" fmla="val 6969"/>
-            </a:avLst>
-          </a:prstGeom>
-        </p:spPr>
-      </p:pic>
+              <a:t>CLASSI</a:t>
+            </a:r>
+          </a:p>
+        </p:txBody>
+      </p:sp>
     </p:spTree>
     <p:extLst>
       <p:ext uri="{BB962C8B-B14F-4D97-AF65-F5344CB8AC3E}">
-        <p14:creationId xmlns:p14="http://schemas.microsoft.com/office/powerpoint/2010/main" val="3824524510"/>
+        <p14:creationId xmlns:p14="http://schemas.microsoft.com/office/powerpoint/2010/main" val="2583947182"/>
       </p:ext>
     </p:extLst>
   </p:cSld>
@@ -11417,7 +15736,7 @@
         <p:cNvPr id="1" name="">
           <a:extLst>
             <a:ext uri="{FF2B5EF4-FFF2-40B4-BE49-F238E27FC236}">
-              <a16:creationId xmlns:a16="http://schemas.microsoft.com/office/drawing/2014/main" id="{B75F227A-8D0D-FADF-AD29-A572D75C28CE}"/>
+              <a16:creationId xmlns:a16="http://schemas.microsoft.com/office/drawing/2014/main" id="{A629E0AF-9CD9-BE7C-ADDA-B8D010CBEFDD}"/>
             </a:ext>
           </a:extLst>
         </p:cNvPr>
@@ -11432,87 +15751,143 @@
           <a:chExt cx="0" cy="0"/>
         </a:xfrm>
       </p:grpSpPr>
-      <p:pic>
-        <p:nvPicPr>
-          <p:cNvPr id="24" name="Immagine 23">
-            <a:extLst>
-              <a:ext uri="{FF2B5EF4-FFF2-40B4-BE49-F238E27FC236}">
-                <a16:creationId xmlns:a16="http://schemas.microsoft.com/office/drawing/2014/main" id="{EBD7C61D-8C20-01FA-BD99-AD659ED81246}"/>
-              </a:ext>
-            </a:extLst>
-          </p:cNvPr>
-          <p:cNvPicPr>
-            <a:picLocks noChangeAspect="1"/>
-          </p:cNvPicPr>
-          <p:nvPr/>
-        </p:nvPicPr>
-        <p:blipFill>
-          <a:blip r:embed="rId2">
-            <a:extLst>
-              <a:ext uri="{28A0092B-C50C-407E-A947-70E740481C1C}">
-                <a14:useLocalDpi xmlns:a14="http://schemas.microsoft.com/office/drawing/2010/main" val="0"/>
-              </a:ext>
-            </a:extLst>
-          </a:blip>
-          <a:srcRect l="725" r="725"/>
-          <a:stretch/>
-        </p:blipFill>
-        <p:spPr>
-          <a:xfrm>
-            <a:off x="588991" y="1656810"/>
-            <a:ext cx="4072952" cy="4132849"/>
-          </a:xfrm>
-          <a:prstGeom prst="roundRect">
-            <a:avLst>
-              <a:gd name="adj" fmla="val 6222"/>
-            </a:avLst>
-          </a:prstGeom>
-        </p:spPr>
-      </p:pic>
-      <p:pic>
-        <p:nvPicPr>
-          <p:cNvPr id="3" name="Immagine 2" descr="Immagine che contiene linea, diagramma, testo, Diagramma&#10;&#10;Il contenuto generato dall'IA potrebbe non essere corretto.">
-            <a:extLst>
-              <a:ext uri="{FF2B5EF4-FFF2-40B4-BE49-F238E27FC236}">
-                <a16:creationId xmlns:a16="http://schemas.microsoft.com/office/drawing/2014/main" id="{B7AAE7D0-0AA0-72EA-6203-73C6B929C943}"/>
-              </a:ext>
-            </a:extLst>
-          </p:cNvPr>
-          <p:cNvPicPr>
-            <a:picLocks noChangeAspect="1"/>
-          </p:cNvPicPr>
-          <p:nvPr/>
-        </p:nvPicPr>
-        <p:blipFill>
-          <a:blip r:embed="rId3">
-            <a:extLst>
-              <a:ext uri="{28A0092B-C50C-407E-A947-70E740481C1C}">
-                <a14:useLocalDpi xmlns:a14="http://schemas.microsoft.com/office/drawing/2010/main" val="0"/>
-              </a:ext>
-            </a:extLst>
-          </a:blip>
-          <a:stretch>
-            <a:fillRect/>
-          </a:stretch>
-        </p:blipFill>
-        <p:spPr>
-          <a:xfrm>
-            <a:off x="5057774" y="1656810"/>
-            <a:ext cx="6545235" cy="4132849"/>
-          </a:xfrm>
-          <a:prstGeom prst="roundRect">
-            <a:avLst>
-              <a:gd name="adj" fmla="val 5786"/>
-            </a:avLst>
-          </a:prstGeom>
-        </p:spPr>
-      </p:pic>
-      <p:sp>
-        <p:nvSpPr>
-          <p:cNvPr id="7" name="Segnaposto testo 3">
-            <a:extLst>
-              <a:ext uri="{FF2B5EF4-FFF2-40B4-BE49-F238E27FC236}">
-                <a16:creationId xmlns:a16="http://schemas.microsoft.com/office/drawing/2014/main" id="{F5BA5A4A-80CD-7938-6C52-EBA7183C67B2}"/>
+      <p:sp>
+        <p:nvSpPr>
+          <p:cNvPr id="2" name="Titolo 1">
+            <a:extLst>
+              <a:ext uri="{FF2B5EF4-FFF2-40B4-BE49-F238E27FC236}">
+                <a16:creationId xmlns:a16="http://schemas.microsoft.com/office/drawing/2014/main" id="{827C594E-8C60-71AD-CBE4-2745BF79A1BE}"/>
+              </a:ext>
+            </a:extLst>
+          </p:cNvPr>
+          <p:cNvSpPr>
+            <a:spLocks noGrp="1"/>
+          </p:cNvSpPr>
+          <p:nvPr>
+            <p:ph type="title"/>
+          </p:nvPr>
+        </p:nvSpPr>
+        <p:spPr/>
+        <p:txBody>
+          <a:bodyPr>
+            <a:noAutofit/>
+          </a:bodyPr>
+          <a:lstStyle/>
+          <a:p>
+            <a:r>
+              <a:rPr lang="it-IT" dirty="0">
+                <a:ln w="9525" cmpd="sng">
+                  <a:solidFill>
+                    <a:schemeClr val="tx1">
+                      <a:alpha val="30000"/>
+                    </a:schemeClr>
+                  </a:solidFill>
+                </a:ln>
+              </a:rPr>
+              <a:t>Ereditarietà</a:t>
+            </a:r>
+          </a:p>
+        </p:txBody>
+      </p:sp>
+      <p:sp>
+        <p:nvSpPr>
+          <p:cNvPr id="3" name="Segnaposto contenuto 2">
+            <a:extLst>
+              <a:ext uri="{FF2B5EF4-FFF2-40B4-BE49-F238E27FC236}">
+                <a16:creationId xmlns:a16="http://schemas.microsoft.com/office/drawing/2014/main" id="{4C283C48-8429-2DB4-984D-233CE6CFA625}"/>
+              </a:ext>
+            </a:extLst>
+          </p:cNvPr>
+          <p:cNvSpPr>
+            <a:spLocks noGrp="1"/>
+          </p:cNvSpPr>
+          <p:nvPr>
+            <p:ph idx="1"/>
+          </p:nvPr>
+        </p:nvSpPr>
+        <p:spPr/>
+        <p:txBody>
+          <a:bodyPr>
+            <a:noAutofit/>
+          </a:bodyPr>
+          <a:lstStyle/>
+          <a:p>
+            <a:pPr marL="0" indent="0">
+              <a:buNone/>
+            </a:pPr>
+            <a:r>
+              <a:rPr lang="it-IT" sz="3000" dirty="0"/>
+              <a:t>Una classe </a:t>
+            </a:r>
+            <a:r>
+              <a:rPr lang="it-IT" sz="3000" dirty="0">
+                <a:solidFill>
+                  <a:srgbClr val="FF9933"/>
+                </a:solidFill>
+              </a:rPr>
+              <a:t>Car</a:t>
+            </a:r>
+            <a:r>
+              <a:rPr lang="it-IT" sz="3000" dirty="0"/>
+              <a:t> può fungere da progetto per molte istanze diverse di </a:t>
+            </a:r>
+            <a:r>
+              <a:rPr lang="it-IT" sz="3000" dirty="0">
+                <a:solidFill>
+                  <a:srgbClr val="FF9933"/>
+                </a:solidFill>
+              </a:rPr>
+              <a:t>Car</a:t>
+            </a:r>
+            <a:r>
+              <a:rPr lang="it-IT" sz="3000" dirty="0"/>
+              <a:t> , come ad esempio gli oggetti </a:t>
+            </a:r>
+            <a:r>
+              <a:rPr lang="it-IT" sz="3000" dirty="0">
+                <a:solidFill>
+                  <a:srgbClr val="FF9933"/>
+                </a:solidFill>
+              </a:rPr>
+              <a:t>polo</a:t>
+            </a:r>
+            <a:r>
+              <a:rPr lang="it-IT" sz="3000" dirty="0"/>
+              <a:t> , </a:t>
+            </a:r>
+            <a:r>
+              <a:rPr lang="it-IT" sz="3000" dirty="0">
+                <a:solidFill>
+                  <a:srgbClr val="FF9933"/>
+                </a:solidFill>
+              </a:rPr>
+              <a:t>mini</a:t>
+            </a:r>
+            <a:r>
+              <a:rPr lang="it-IT" sz="3000" dirty="0"/>
+              <a:t> e </a:t>
+            </a:r>
+            <a:r>
+              <a:rPr lang="it-IT" sz="3000" dirty="0" err="1">
+                <a:solidFill>
+                  <a:srgbClr val="FF9933"/>
+                </a:solidFill>
+              </a:rPr>
+              <a:t>beetle</a:t>
+            </a:r>
+            <a:r>
+              <a:rPr lang="it-IT" sz="3000" dirty="0"/>
+              <a:t> .</a:t>
+            </a:r>
+          </a:p>
+        </p:txBody>
+      </p:sp>
+      <p:sp>
+        <p:nvSpPr>
+          <p:cNvPr id="10" name="Segnaposto testo 3">
+            <a:extLst>
+              <a:ext uri="{FF2B5EF4-FFF2-40B4-BE49-F238E27FC236}">
+                <a16:creationId xmlns:a16="http://schemas.microsoft.com/office/drawing/2014/main" id="{CB6EE623-DF23-0814-08A9-7F5FA22E9808}"/>
               </a:ext>
             </a:extLst>
           </p:cNvPr>
@@ -11525,7 +15900,7 @@
         </p:nvSpPr>
         <p:spPr>
           <a:xfrm>
-            <a:off x="9358750" y="119978"/>
+            <a:off x="9380136" y="124900"/>
             <a:ext cx="356589" cy="436970"/>
           </a:xfrm>
         </p:spPr>
@@ -11535,17 +15910,17 @@
           <a:p>
             <a:r>
               <a:rPr lang="it-IT" dirty="0"/>
-              <a:t>2</a:t>
-            </a:r>
-          </a:p>
-        </p:txBody>
-      </p:sp>
-      <p:sp>
-        <p:nvSpPr>
-          <p:cNvPr id="9" name="Segnaposto testo 4">
-            <a:extLst>
-              <a:ext uri="{FF2B5EF4-FFF2-40B4-BE49-F238E27FC236}">
-                <a16:creationId xmlns:a16="http://schemas.microsoft.com/office/drawing/2014/main" id="{4F39B7EE-1537-0721-9962-3A007EE7186A}"/>
+              <a:t>1</a:t>
+            </a:r>
+          </a:p>
+        </p:txBody>
+      </p:sp>
+      <p:sp>
+        <p:nvSpPr>
+          <p:cNvPr id="11" name="Segnaposto testo 4">
+            <a:extLst>
+              <a:ext uri="{FF2B5EF4-FFF2-40B4-BE49-F238E27FC236}">
+                <a16:creationId xmlns:a16="http://schemas.microsoft.com/office/drawing/2014/main" id="{8859B684-8DB0-F498-E13E-D52D08C32DB6}"/>
               </a:ext>
             </a:extLst>
           </p:cNvPr>
@@ -11570,7 +15945,7 @@
           <a:p>
             <a:r>
               <a:rPr lang="it-IT" dirty="0"/>
-              <a:t>VETTORI</a:t>
+              <a:t>CLASSI</a:t>
             </a:r>
           </a:p>
         </p:txBody>
@@ -11578,7 +15953,7 @@
     </p:spTree>
     <p:extLst>
       <p:ext uri="{BB962C8B-B14F-4D97-AF65-F5344CB8AC3E}">
-        <p14:creationId xmlns:p14="http://schemas.microsoft.com/office/powerpoint/2010/main" val="1596840600"/>
+        <p14:creationId xmlns:p14="http://schemas.microsoft.com/office/powerpoint/2010/main" val="448394628"/>
       </p:ext>
     </p:extLst>
   </p:cSld>
@@ -11608,7 +15983,7 @@
         <p:cNvPr id="1" name="">
           <a:extLst>
             <a:ext uri="{FF2B5EF4-FFF2-40B4-BE49-F238E27FC236}">
-              <a16:creationId xmlns:a16="http://schemas.microsoft.com/office/drawing/2014/main" id="{FC4719C9-DD04-AC04-5DA5-F31B11602D1B}"/>
+              <a16:creationId xmlns:a16="http://schemas.microsoft.com/office/drawing/2014/main" id="{EC07FAA0-A32D-8039-F4EB-C11FD971C645}"/>
             </a:ext>
           </a:extLst>
         </p:cNvPr>
@@ -11625,105 +16000,109 @@
       </p:grpSpPr>
       <p:sp>
         <p:nvSpPr>
-          <p:cNvPr id="2" name="Titolo 1">
-            <a:extLst>
-              <a:ext uri="{FF2B5EF4-FFF2-40B4-BE49-F238E27FC236}">
-                <a16:creationId xmlns:a16="http://schemas.microsoft.com/office/drawing/2014/main" id="{D794C4A1-4C30-8DB2-1D89-B5180F73B9D1}"/>
-              </a:ext>
-            </a:extLst>
-          </p:cNvPr>
-          <p:cNvSpPr>
-            <a:spLocks noGrp="1"/>
-          </p:cNvSpPr>
-          <p:nvPr>
-            <p:ph type="title"/>
-          </p:nvPr>
-        </p:nvSpPr>
-        <p:spPr>
-          <a:xfrm>
-            <a:off x="5576341" y="2065301"/>
-            <a:ext cx="6320084" cy="3627304"/>
-          </a:xfrm>
-        </p:spPr>
+          <p:cNvPr id="8" name="Segnaposto testo 3">
+            <a:extLst>
+              <a:ext uri="{FF2B5EF4-FFF2-40B4-BE49-F238E27FC236}">
+                <a16:creationId xmlns:a16="http://schemas.microsoft.com/office/drawing/2014/main" id="{469E0120-D70F-0444-EF43-70A0AAA8ABF1}"/>
+              </a:ext>
+            </a:extLst>
+          </p:cNvPr>
+          <p:cNvSpPr>
+            <a:spLocks noGrp="1"/>
+          </p:cNvSpPr>
+          <p:nvPr>
+            <p:ph type="body" sz="quarter" idx="10"/>
+          </p:nvPr>
+        </p:nvSpPr>
+        <p:spPr>
+          <a:xfrm>
+            <a:off x="9380136" y="124900"/>
+            <a:ext cx="356589" cy="436970"/>
+          </a:xfrm>
+        </p:spPr>
+        <p:txBody>
+          <a:bodyPr/>
+          <a:lstStyle/>
+          <a:p>
+            <a:r>
+              <a:rPr lang="it-IT" dirty="0"/>
+              <a:t>1</a:t>
+            </a:r>
+          </a:p>
+        </p:txBody>
+      </p:sp>
+      <p:sp>
+        <p:nvSpPr>
+          <p:cNvPr id="10" name="Segnaposto testo 4">
+            <a:extLst>
+              <a:ext uri="{FF2B5EF4-FFF2-40B4-BE49-F238E27FC236}">
+                <a16:creationId xmlns:a16="http://schemas.microsoft.com/office/drawing/2014/main" id="{A4C7DA08-C479-92E0-3084-43B1F7687E37}"/>
+              </a:ext>
+            </a:extLst>
+          </p:cNvPr>
+          <p:cNvSpPr>
+            <a:spLocks noGrp="1"/>
+          </p:cNvSpPr>
+          <p:nvPr>
+            <p:ph type="body" sz="quarter" idx="11"/>
+          </p:nvPr>
+        </p:nvSpPr>
+        <p:spPr/>
         <p:txBody>
           <a:bodyPr>
-            <a:noAutofit/>
+            <a:normAutofit fontScale="92500" lnSpcReduction="10000"/>
           </a:bodyPr>
           <a:lstStyle/>
           <a:p>
-            <a:pPr algn="l">
-              <a:lnSpc>
-                <a:spcPct val="50000"/>
-              </a:lnSpc>
-            </a:pPr>
-            <a:r>
-              <a:rPr lang="it-IT" sz="14000" dirty="0">
-                <a:ln>
-                  <a:solidFill>
-                    <a:schemeClr val="tx1">
-                      <a:alpha val="30000"/>
-                    </a:schemeClr>
-                  </a:solidFill>
-                </a:ln>
-                <a:latin typeface="ThaleahFat" panose="02000603000000000000" pitchFamily="2" charset="0"/>
-                <a:ea typeface="ThaleahFat" panose="02000603000000000000" pitchFamily="2" charset="0"/>
-              </a:rPr>
-              <a:t>INPUT VECTOR</a:t>
-            </a:r>
-          </a:p>
-        </p:txBody>
-      </p:sp>
-      <p:sp>
-        <p:nvSpPr>
-          <p:cNvPr id="3" name="Segnaposto contenuto 2">
-            <a:extLst>
-              <a:ext uri="{FF2B5EF4-FFF2-40B4-BE49-F238E27FC236}">
-                <a16:creationId xmlns:a16="http://schemas.microsoft.com/office/drawing/2014/main" id="{28C50089-44DA-D404-E8A6-2C09F8249247}"/>
-              </a:ext>
-            </a:extLst>
-          </p:cNvPr>
-          <p:cNvSpPr>
-            <a:spLocks noGrp="1"/>
-          </p:cNvSpPr>
-          <p:nvPr>
-            <p:ph type="body" sz="quarter" idx="13"/>
-          </p:nvPr>
-        </p:nvSpPr>
-        <p:spPr>
-          <a:xfrm>
-            <a:off x="1814450" y="1229929"/>
-            <a:ext cx="2835936" cy="4637984"/>
-          </a:xfrm>
-        </p:spPr>
-        <p:txBody>
-          <a:bodyPr>
-            <a:noAutofit/>
-          </a:bodyPr>
-          <a:lstStyle/>
-          <a:p>
-            <a:pPr marL="0" indent="0">
-              <a:buNone/>
-            </a:pPr>
-            <a:r>
-              <a:rPr lang="it-IT" sz="33000" dirty="0">
-                <a:ln>
-                  <a:solidFill>
-                    <a:schemeClr val="tx1">
-                      <a:alpha val="30000"/>
-                    </a:schemeClr>
-                  </a:solidFill>
-                </a:ln>
-                <a:latin typeface="04b" panose="00000400000000000000" pitchFamily="2" charset="0"/>
-              </a:rPr>
-              <a:t>3</a:t>
-            </a:r>
-          </a:p>
-        </p:txBody>
-      </p:sp>
+            <a:r>
+              <a:rPr lang="it-IT" dirty="0"/>
+              <a:t>CLASSI</a:t>
+            </a:r>
+          </a:p>
+        </p:txBody>
+      </p:sp>
+      <p:pic>
+        <p:nvPicPr>
+          <p:cNvPr id="4" name="Immagine 3" descr="Immagine che contiene testo, diagramma, Carattere, schermata&#10;&#10;Il contenuto generato dall'IA potrebbe non essere corretto.">
+            <a:extLst>
+              <a:ext uri="{FF2B5EF4-FFF2-40B4-BE49-F238E27FC236}">
+                <a16:creationId xmlns:a16="http://schemas.microsoft.com/office/drawing/2014/main" id="{BEA0C44B-92DD-23B4-7E4B-4FE266FCBC13}"/>
+              </a:ext>
+            </a:extLst>
+          </p:cNvPr>
+          <p:cNvPicPr>
+            <a:picLocks noChangeAspect="1"/>
+          </p:cNvPicPr>
+          <p:nvPr/>
+        </p:nvPicPr>
+        <p:blipFill>
+          <a:blip r:embed="rId2">
+            <a:extLst>
+              <a:ext uri="{28A0092B-C50C-407E-A947-70E740481C1C}">
+                <a14:useLocalDpi xmlns:a14="http://schemas.microsoft.com/office/drawing/2010/main" val="0"/>
+              </a:ext>
+            </a:extLst>
+          </a:blip>
+          <a:stretch>
+            <a:fillRect/>
+          </a:stretch>
+        </p:blipFill>
+        <p:spPr>
+          <a:xfrm>
+            <a:off x="2323699" y="748380"/>
+            <a:ext cx="7544602" cy="5361240"/>
+          </a:xfrm>
+          <a:prstGeom prst="roundRect">
+            <a:avLst>
+              <a:gd name="adj" fmla="val 6601"/>
+            </a:avLst>
+          </a:prstGeom>
+        </p:spPr>
+      </p:pic>
     </p:spTree>
     <p:extLst>
       <p:ext uri="{BB962C8B-B14F-4D97-AF65-F5344CB8AC3E}">
-        <p14:creationId xmlns:p14="http://schemas.microsoft.com/office/powerpoint/2010/main" val="2138970845"/>
+        <p14:creationId xmlns:p14="http://schemas.microsoft.com/office/powerpoint/2010/main" val="344009333"/>
       </p:ext>
     </p:extLst>
   </p:cSld>
@@ -11753,7 +16132,7 @@
         <p:cNvPr id="1" name="">
           <a:extLst>
             <a:ext uri="{FF2B5EF4-FFF2-40B4-BE49-F238E27FC236}">
-              <a16:creationId xmlns:a16="http://schemas.microsoft.com/office/drawing/2014/main" id="{713A10CF-FBA3-BB94-BA6F-DE69A14E2D36}"/>
+              <a16:creationId xmlns:a16="http://schemas.microsoft.com/office/drawing/2014/main" id="{8BEA1446-13D1-9BBC-5931-E0C67DD1A9F7}"/>
             </a:ext>
           </a:extLst>
         </p:cNvPr>
@@ -11770,10 +16149,93 @@
       </p:grpSpPr>
       <p:sp>
         <p:nvSpPr>
-          <p:cNvPr id="8" name="Segnaposto testo 3">
-            <a:extLst>
-              <a:ext uri="{FF2B5EF4-FFF2-40B4-BE49-F238E27FC236}">
-                <a16:creationId xmlns:a16="http://schemas.microsoft.com/office/drawing/2014/main" id="{45F0E347-DFC0-12F4-BF37-50FAF6EB5A11}"/>
+          <p:cNvPr id="2" name="Titolo 1">
+            <a:extLst>
+              <a:ext uri="{FF2B5EF4-FFF2-40B4-BE49-F238E27FC236}">
+                <a16:creationId xmlns:a16="http://schemas.microsoft.com/office/drawing/2014/main" id="{C03E462D-A6DF-3E48-E032-B32A70F87DAB}"/>
+              </a:ext>
+            </a:extLst>
+          </p:cNvPr>
+          <p:cNvSpPr>
+            <a:spLocks noGrp="1"/>
+          </p:cNvSpPr>
+          <p:nvPr>
+            <p:ph type="title"/>
+          </p:nvPr>
+        </p:nvSpPr>
+        <p:spPr/>
+        <p:txBody>
+          <a:bodyPr>
+            <a:noAutofit/>
+          </a:bodyPr>
+          <a:lstStyle/>
+          <a:p>
+            <a:r>
+              <a:rPr lang="it-IT" dirty="0">
+                <a:ln w="9525" cmpd="sng">
+                  <a:solidFill>
+                    <a:schemeClr val="tx1">
+                      <a:alpha val="30000"/>
+                    </a:schemeClr>
+                  </a:solidFill>
+                </a:ln>
+              </a:rPr>
+              <a:t>Ereditarietà</a:t>
+            </a:r>
+          </a:p>
+        </p:txBody>
+      </p:sp>
+      <p:sp>
+        <p:nvSpPr>
+          <p:cNvPr id="3" name="Segnaposto contenuto 2">
+            <a:extLst>
+              <a:ext uri="{FF2B5EF4-FFF2-40B4-BE49-F238E27FC236}">
+                <a16:creationId xmlns:a16="http://schemas.microsoft.com/office/drawing/2014/main" id="{49EBB496-453A-65BF-1DF6-2FB805DA72EA}"/>
+              </a:ext>
+            </a:extLst>
+          </p:cNvPr>
+          <p:cNvSpPr>
+            <a:spLocks noGrp="1"/>
+          </p:cNvSpPr>
+          <p:nvPr>
+            <p:ph idx="1"/>
+          </p:nvPr>
+        </p:nvSpPr>
+        <p:spPr/>
+        <p:txBody>
+          <a:bodyPr>
+            <a:noAutofit/>
+          </a:bodyPr>
+          <a:lstStyle/>
+          <a:p>
+            <a:pPr marL="0" indent="0">
+              <a:buNone/>
+            </a:pPr>
+            <a:r>
+              <a:rPr lang="it-IT" sz="3000" dirty="0"/>
+              <a:t>Tutti questi oggetti, seppur avendo caratteristiche diverse come il modello, il colore o il numero di passeggeri, hanno la </a:t>
+            </a:r>
+            <a:r>
+              <a:rPr lang="it-IT" sz="3000" dirty="0">
+                <a:solidFill>
+                  <a:srgbClr val="FF9933"/>
+                </a:solidFill>
+              </a:rPr>
+              <a:t>stessa struttura di base</a:t>
+            </a:r>
+            <a:r>
+              <a:rPr lang="it-IT" sz="3000" dirty="0"/>
+              <a:t>: una carrozzeria, un motore, delle ruote, ecc. . .</a:t>
+            </a:r>
+          </a:p>
+        </p:txBody>
+      </p:sp>
+      <p:sp>
+        <p:nvSpPr>
+          <p:cNvPr id="10" name="Segnaposto testo 3">
+            <a:extLst>
+              <a:ext uri="{FF2B5EF4-FFF2-40B4-BE49-F238E27FC236}">
+                <a16:creationId xmlns:a16="http://schemas.microsoft.com/office/drawing/2014/main" id="{CABC3332-D10F-5AF5-143C-0102764707CA}"/>
               </a:ext>
             </a:extLst>
           </p:cNvPr>
@@ -11786,7 +16248,7 @@
         </p:nvSpPr>
         <p:spPr>
           <a:xfrm>
-            <a:off x="9365146" y="124900"/>
+            <a:off x="9380136" y="124900"/>
             <a:ext cx="356589" cy="436970"/>
           </a:xfrm>
         </p:spPr>
@@ -11796,17 +16258,17 @@
           <a:p>
             <a:r>
               <a:rPr lang="it-IT" dirty="0"/>
-              <a:t>3</a:t>
-            </a:r>
-          </a:p>
-        </p:txBody>
-      </p:sp>
-      <p:sp>
-        <p:nvSpPr>
-          <p:cNvPr id="10" name="Segnaposto testo 4">
-            <a:extLst>
-              <a:ext uri="{FF2B5EF4-FFF2-40B4-BE49-F238E27FC236}">
-                <a16:creationId xmlns:a16="http://schemas.microsoft.com/office/drawing/2014/main" id="{73B5EFD1-9137-39A4-CD51-CE39F60DC3B5}"/>
+              <a:t>1</a:t>
+            </a:r>
+          </a:p>
+        </p:txBody>
+      </p:sp>
+      <p:sp>
+        <p:nvSpPr>
+          <p:cNvPr id="11" name="Segnaposto testo 4">
+            <a:extLst>
+              <a:ext uri="{FF2B5EF4-FFF2-40B4-BE49-F238E27FC236}">
+                <a16:creationId xmlns:a16="http://schemas.microsoft.com/office/drawing/2014/main" id="{339B867C-CE51-B4B7-FCC1-53F30F708818}"/>
               </a:ext>
             </a:extLst>
           </p:cNvPr>
@@ -11817,7 +16279,12 @@
             <p:ph type="body" sz="quarter" idx="11"/>
           </p:nvPr>
         </p:nvSpPr>
-        <p:spPr/>
+        <p:spPr>
+          <a:xfrm>
+            <a:off x="9691997" y="134968"/>
+            <a:ext cx="2152357" cy="436970"/>
+          </a:xfrm>
+        </p:spPr>
         <p:txBody>
           <a:bodyPr>
             <a:normAutofit fontScale="92500" lnSpcReduction="10000"/>
@@ -11826,53 +16293,15 @@
           <a:p>
             <a:r>
               <a:rPr lang="it-IT" dirty="0"/>
-              <a:t>INPUT VECTOR</a:t>
-            </a:r>
-          </a:p>
-        </p:txBody>
-      </p:sp>
-      <p:pic>
-        <p:nvPicPr>
-          <p:cNvPr id="6" name="Immagine 5" descr="Immagine che contiene linea, diagramma, Parallelo&#10;&#10;Il contenuto generato dall'IA potrebbe non essere corretto.">
-            <a:extLst>
-              <a:ext uri="{FF2B5EF4-FFF2-40B4-BE49-F238E27FC236}">
-                <a16:creationId xmlns:a16="http://schemas.microsoft.com/office/drawing/2014/main" id="{35BBCD5D-F3FB-90B7-B2CD-DCB0397DEE5F}"/>
-              </a:ext>
-            </a:extLst>
-          </p:cNvPr>
-          <p:cNvPicPr>
-            <a:picLocks noChangeAspect="1"/>
-          </p:cNvPicPr>
-          <p:nvPr/>
-        </p:nvPicPr>
-        <p:blipFill>
-          <a:blip r:embed="rId2">
-            <a:extLst>
-              <a:ext uri="{28A0092B-C50C-407E-A947-70E740481C1C}">
-                <a14:useLocalDpi xmlns:a14="http://schemas.microsoft.com/office/drawing/2010/main" val="0"/>
-              </a:ext>
-            </a:extLst>
-          </a:blip>
-          <a:stretch>
-            <a:fillRect/>
-          </a:stretch>
-        </p:blipFill>
-        <p:spPr>
-          <a:xfrm>
-            <a:off x="3011427" y="678589"/>
-            <a:ext cx="6169145" cy="5500821"/>
-          </a:xfrm>
-          <a:prstGeom prst="roundRect">
-            <a:avLst>
-              <a:gd name="adj" fmla="val 5973"/>
-            </a:avLst>
-          </a:prstGeom>
-        </p:spPr>
-      </p:pic>
+              <a:t>CLASSI</a:t>
+            </a:r>
+          </a:p>
+        </p:txBody>
+      </p:sp>
     </p:spTree>
     <p:extLst>
       <p:ext uri="{BB962C8B-B14F-4D97-AF65-F5344CB8AC3E}">
-        <p14:creationId xmlns:p14="http://schemas.microsoft.com/office/powerpoint/2010/main" val="1058402182"/>
+        <p14:creationId xmlns:p14="http://schemas.microsoft.com/office/powerpoint/2010/main" val="1800071818"/>
       </p:ext>
     </p:extLst>
   </p:cSld>
